--- a/Agile Fundamentals for Product Owner/05-Release and iteration planning.pptx
+++ b/Agile Fundamentals for Product Owner/05-Release and iteration planning.pptx
@@ -1,34 +1,411 @@
 
 <file path=ppt/presentation.xml><?xml version="1.0" encoding="utf-8"?>
-<p:presentation xmlns:a="http://schemas.openxmlformats.org/drawingml/2006/main" xmlns:p="http://schemas.openxmlformats.org/presentationml/2006/main" xmlns:r="http://schemas.openxmlformats.org/officeDocument/2006/relationships">
+<p:presentation xmlns:a="http://schemas.openxmlformats.org/drawingml/2006/main" xmlns:r="http://schemas.openxmlformats.org/officeDocument/2006/relationships" xmlns:p="http://schemas.openxmlformats.org/presentationml/2006/main" saveSubsetFonts="1">
   <p:sldMasterIdLst>
-    <p:sldMasterId id="2147483648" r:id="rId2"/>
-    <p:sldMasterId id="2147483661" r:id="rId3"/>
-    <p:sldMasterId id="2147483674" r:id="rId4"/>
+    <p:sldMasterId id="2147483648" r:id="rId1"/>
+    <p:sldMasterId id="2147483661" r:id="rId2"/>
+    <p:sldMasterId id="2147483674" r:id="rId3"/>
   </p:sldMasterIdLst>
   <p:notesMasterIdLst>
-    <p:notesMasterId r:id="rId5"/>
+    <p:notesMasterId r:id="rId15"/>
   </p:notesMasterIdLst>
   <p:sldIdLst>
-    <p:sldId id="256" r:id="rId6"/>
-    <p:sldId id="257" r:id="rId7"/>
-    <p:sldId id="258" r:id="rId8"/>
-    <p:sldId id="259" r:id="rId9"/>
-    <p:sldId id="260" r:id="rId10"/>
-    <p:sldId id="261" r:id="rId11"/>
-    <p:sldId id="262" r:id="rId12"/>
-    <p:sldId id="263" r:id="rId13"/>
-    <p:sldId id="264" r:id="rId14"/>
-    <p:sldId id="265" r:id="rId15"/>
-    <p:sldId id="266" r:id="rId16"/>
+    <p:sldId id="256" r:id="rId4"/>
+    <p:sldId id="257" r:id="rId5"/>
+    <p:sldId id="258" r:id="rId6"/>
+    <p:sldId id="259" r:id="rId7"/>
+    <p:sldId id="260" r:id="rId8"/>
+    <p:sldId id="261" r:id="rId9"/>
+    <p:sldId id="262" r:id="rId10"/>
+    <p:sldId id="263" r:id="rId11"/>
+    <p:sldId id="264" r:id="rId12"/>
+    <p:sldId id="265" r:id="rId13"/>
+    <p:sldId id="266" r:id="rId14"/>
   </p:sldIdLst>
-  <p:sldSz cx="9144000" cy="6858000"/>
+  <p:sldSz cx="9144000" cy="6858000" type="screen4x3"/>
   <p:notesSz cx="6858000" cy="9144000"/>
+  <p:defaultTextStyle>
+    <a:defPPr>
+      <a:defRPr lang="en-US"/>
+    </a:defPPr>
+    <a:lvl1pPr marL="0" algn="l" defTabSz="914400" rtl="0" eaLnBrk="1" latinLnBrk="0" hangingPunct="1">
+      <a:defRPr sz="1800" kern="1200">
+        <a:solidFill>
+          <a:schemeClr val="tx1"/>
+        </a:solidFill>
+        <a:latin typeface="+mn-lt"/>
+        <a:ea typeface="+mn-ea"/>
+        <a:cs typeface="+mn-cs"/>
+      </a:defRPr>
+    </a:lvl1pPr>
+    <a:lvl2pPr marL="457200" algn="l" defTabSz="914400" rtl="0" eaLnBrk="1" latinLnBrk="0" hangingPunct="1">
+      <a:defRPr sz="1800" kern="1200">
+        <a:solidFill>
+          <a:schemeClr val="tx1"/>
+        </a:solidFill>
+        <a:latin typeface="+mn-lt"/>
+        <a:ea typeface="+mn-ea"/>
+        <a:cs typeface="+mn-cs"/>
+      </a:defRPr>
+    </a:lvl2pPr>
+    <a:lvl3pPr marL="914400" algn="l" defTabSz="914400" rtl="0" eaLnBrk="1" latinLnBrk="0" hangingPunct="1">
+      <a:defRPr sz="1800" kern="1200">
+        <a:solidFill>
+          <a:schemeClr val="tx1"/>
+        </a:solidFill>
+        <a:latin typeface="+mn-lt"/>
+        <a:ea typeface="+mn-ea"/>
+        <a:cs typeface="+mn-cs"/>
+      </a:defRPr>
+    </a:lvl3pPr>
+    <a:lvl4pPr marL="1371600" algn="l" defTabSz="914400" rtl="0" eaLnBrk="1" latinLnBrk="0" hangingPunct="1">
+      <a:defRPr sz="1800" kern="1200">
+        <a:solidFill>
+          <a:schemeClr val="tx1"/>
+        </a:solidFill>
+        <a:latin typeface="+mn-lt"/>
+        <a:ea typeface="+mn-ea"/>
+        <a:cs typeface="+mn-cs"/>
+      </a:defRPr>
+    </a:lvl4pPr>
+    <a:lvl5pPr marL="1828800" algn="l" defTabSz="914400" rtl="0" eaLnBrk="1" latinLnBrk="0" hangingPunct="1">
+      <a:defRPr sz="1800" kern="1200">
+        <a:solidFill>
+          <a:schemeClr val="tx1"/>
+        </a:solidFill>
+        <a:latin typeface="+mn-lt"/>
+        <a:ea typeface="+mn-ea"/>
+        <a:cs typeface="+mn-cs"/>
+      </a:defRPr>
+    </a:lvl5pPr>
+    <a:lvl6pPr marL="2286000" algn="l" defTabSz="914400" rtl="0" eaLnBrk="1" latinLnBrk="0" hangingPunct="1">
+      <a:defRPr sz="1800" kern="1200">
+        <a:solidFill>
+          <a:schemeClr val="tx1"/>
+        </a:solidFill>
+        <a:latin typeface="+mn-lt"/>
+        <a:ea typeface="+mn-ea"/>
+        <a:cs typeface="+mn-cs"/>
+      </a:defRPr>
+    </a:lvl6pPr>
+    <a:lvl7pPr marL="2743200" algn="l" defTabSz="914400" rtl="0" eaLnBrk="1" latinLnBrk="0" hangingPunct="1">
+      <a:defRPr sz="1800" kern="1200">
+        <a:solidFill>
+          <a:schemeClr val="tx1"/>
+        </a:solidFill>
+        <a:latin typeface="+mn-lt"/>
+        <a:ea typeface="+mn-ea"/>
+        <a:cs typeface="+mn-cs"/>
+      </a:defRPr>
+    </a:lvl7pPr>
+    <a:lvl8pPr marL="3200400" algn="l" defTabSz="914400" rtl="0" eaLnBrk="1" latinLnBrk="0" hangingPunct="1">
+      <a:defRPr sz="1800" kern="1200">
+        <a:solidFill>
+          <a:schemeClr val="tx1"/>
+        </a:solidFill>
+        <a:latin typeface="+mn-lt"/>
+        <a:ea typeface="+mn-ea"/>
+        <a:cs typeface="+mn-cs"/>
+      </a:defRPr>
+    </a:lvl8pPr>
+    <a:lvl9pPr marL="3657600" algn="l" defTabSz="914400" rtl="0" eaLnBrk="1" latinLnBrk="0" hangingPunct="1">
+      <a:defRPr sz="1800" kern="1200">
+        <a:solidFill>
+          <a:schemeClr val="tx1"/>
+        </a:solidFill>
+        <a:latin typeface="+mn-lt"/>
+        <a:ea typeface="+mn-ea"/>
+        <a:cs typeface="+mn-cs"/>
+      </a:defRPr>
+    </a:lvl9pPr>
+  </p:defaultTextStyle>
 </p:presentation>
 </file>
 
 <file path=ppt/notesMasters/notesMaster1.xml><?xml version="1.0" encoding="utf-8"?>
-<p:notesMaster xmlns:a="http://schemas.openxmlformats.org/drawingml/2006/main" xmlns:p="http://schemas.openxmlformats.org/presentationml/2006/main" xmlns:r="http://schemas.openxmlformats.org/officeDocument/2006/relationships">
+<p:notesMaster xmlns:a="http://schemas.openxmlformats.org/drawingml/2006/main" xmlns:r="http://schemas.openxmlformats.org/officeDocument/2006/relationships" xmlns:p="http://schemas.openxmlformats.org/presentationml/2006/main">
+  <p:cSld>
+    <p:bg>
+      <p:bgRef idx="1001">
+        <a:schemeClr val="bg1"/>
+      </p:bgRef>
+    </p:bg>
+    <p:spTree>
+      <p:nvGrpSpPr>
+        <p:cNvPr id="1" name=""/>
+        <p:cNvGrpSpPr/>
+        <p:nvPr/>
+      </p:nvGrpSpPr>
+      <p:grpSpPr>
+        <a:xfrm>
+          <a:off x="0" y="0"/>
+          <a:ext cx="0" cy="0"/>
+          <a:chOff x="0" y="0"/>
+          <a:chExt cx="0" cy="0"/>
+        </a:xfrm>
+      </p:grpSpPr>
+      <p:sp>
+        <p:nvSpPr>
+          <p:cNvPr id="116" name="PlaceHolder 1"/>
+          <p:cNvSpPr>
+            <a:spLocks noGrp="1"/>
+          </p:cNvSpPr>
+          <p:nvPr>
+            <p:ph type="body"/>
+          </p:nvPr>
+        </p:nvSpPr>
+        <p:spPr>
+          <a:xfrm>
+            <a:off x="777240" y="4777560"/>
+            <a:ext cx="6217560" cy="4525920"/>
+          </a:xfrm>
+          <a:prstGeom prst="rect">
+            <a:avLst/>
+          </a:prstGeom>
+        </p:spPr>
+        <p:txBody>
+          <a:bodyPr wrap="none" lIns="0" tIns="0" rIns="0" bIns="0"/>
+          <a:lstStyle/>
+          <a:p>
+            <a:r>
+              <a:rPr lang="en-US"/>
+              <a:t>Click to edit the notes format</a:t>
+            </a:r>
+            <a:endParaRPr/>
+          </a:p>
+        </p:txBody>
+      </p:sp>
+      <p:sp>
+        <p:nvSpPr>
+          <p:cNvPr id="117" name="PlaceHolder 2"/>
+          <p:cNvSpPr>
+            <a:spLocks noGrp="1"/>
+          </p:cNvSpPr>
+          <p:nvPr>
+            <p:ph type="hdr"/>
+          </p:nvPr>
+        </p:nvSpPr>
+        <p:spPr>
+          <a:xfrm>
+            <a:off x="0" y="0"/>
+            <a:ext cx="3372840" cy="502560"/>
+          </a:xfrm>
+          <a:prstGeom prst="rect">
+            <a:avLst/>
+          </a:prstGeom>
+        </p:spPr>
+        <p:txBody>
+          <a:bodyPr wrap="none" lIns="0" tIns="0" rIns="0" bIns="0"/>
+          <a:lstStyle/>
+          <a:p>
+            <a:r>
+              <a:rPr lang="en-US"/>
+              <a:t>&lt;header&gt;</a:t>
+            </a:r>
+            <a:endParaRPr/>
+          </a:p>
+        </p:txBody>
+      </p:sp>
+      <p:sp>
+        <p:nvSpPr>
+          <p:cNvPr id="118" name="PlaceHolder 3"/>
+          <p:cNvSpPr>
+            <a:spLocks noGrp="1"/>
+          </p:cNvSpPr>
+          <p:nvPr>
+            <p:ph type="dt"/>
+          </p:nvPr>
+        </p:nvSpPr>
+        <p:spPr>
+          <a:xfrm>
+            <a:off x="4399200" y="0"/>
+            <a:ext cx="3372840" cy="502560"/>
+          </a:xfrm>
+          <a:prstGeom prst="rect">
+            <a:avLst/>
+          </a:prstGeom>
+        </p:spPr>
+        <p:txBody>
+          <a:bodyPr wrap="none" lIns="0" tIns="0" rIns="0" bIns="0"/>
+          <a:lstStyle/>
+          <a:p>
+            <a:pPr algn="r"/>
+            <a:r>
+              <a:rPr lang="en-US"/>
+              <a:t>&lt;date/time&gt;</a:t>
+            </a:r>
+            <a:endParaRPr/>
+          </a:p>
+        </p:txBody>
+      </p:sp>
+      <p:sp>
+        <p:nvSpPr>
+          <p:cNvPr id="119" name="PlaceHolder 4"/>
+          <p:cNvSpPr>
+            <a:spLocks noGrp="1"/>
+          </p:cNvSpPr>
+          <p:nvPr>
+            <p:ph type="ftr"/>
+          </p:nvPr>
+        </p:nvSpPr>
+        <p:spPr>
+          <a:xfrm>
+            <a:off x="0" y="9555480"/>
+            <a:ext cx="3372840" cy="502560"/>
+          </a:xfrm>
+          <a:prstGeom prst="rect">
+            <a:avLst/>
+          </a:prstGeom>
+        </p:spPr>
+        <p:txBody>
+          <a:bodyPr wrap="none" lIns="0" tIns="0" rIns="0" bIns="0" anchor="b"/>
+          <a:lstStyle/>
+          <a:p>
+            <a:r>
+              <a:rPr lang="en-US"/>
+              <a:t>&lt;footer&gt;</a:t>
+            </a:r>
+            <a:endParaRPr/>
+          </a:p>
+        </p:txBody>
+      </p:sp>
+      <p:sp>
+        <p:nvSpPr>
+          <p:cNvPr id="120" name="PlaceHolder 5"/>
+          <p:cNvSpPr>
+            <a:spLocks noGrp="1"/>
+          </p:cNvSpPr>
+          <p:nvPr>
+            <p:ph type="sldNum"/>
+          </p:nvPr>
+        </p:nvSpPr>
+        <p:spPr>
+          <a:xfrm>
+            <a:off x="4399200" y="9555480"/>
+            <a:ext cx="3372840" cy="502560"/>
+          </a:xfrm>
+          <a:prstGeom prst="rect">
+            <a:avLst/>
+          </a:prstGeom>
+        </p:spPr>
+        <p:txBody>
+          <a:bodyPr wrap="none" lIns="0" tIns="0" rIns="0" bIns="0" anchor="b"/>
+          <a:lstStyle/>
+          <a:p>
+            <a:pPr algn="r"/>
+            <a:fld id="{D4AE714C-3AF0-4CF4-BE1F-A351AACE9EA8}" type="slidenum">
+              <a:rPr lang="en-US"/>
+              <a:t>‹#›</a:t>
+            </a:fld>
+            <a:endParaRPr/>
+          </a:p>
+        </p:txBody>
+      </p:sp>
+    </p:spTree>
+    <p:extLst>
+      <p:ext uri="{BB962C8B-B14F-4D97-AF65-F5344CB8AC3E}">
+        <p14:creationId xmlns:p14="http://schemas.microsoft.com/office/powerpoint/2010/main" val="1877160042"/>
+      </p:ext>
+    </p:extLst>
+  </p:cSld>
+  <p:clrMap bg1="lt1" tx1="dk1" bg2="lt2" tx2="dk2" accent1="accent1" accent2="accent2" accent3="accent3" accent4="accent4" accent5="accent5" accent6="accent6" hlink="hlink" folHlink="folHlink"/>
+  <p:notesStyle>
+    <a:lvl1pPr marL="0" algn="l" defTabSz="914400" rtl="0" eaLnBrk="1" latinLnBrk="0" hangingPunct="1">
+      <a:defRPr sz="1200" kern="1200">
+        <a:solidFill>
+          <a:schemeClr val="tx1"/>
+        </a:solidFill>
+        <a:latin typeface="+mn-lt"/>
+        <a:ea typeface="+mn-ea"/>
+        <a:cs typeface="+mn-cs"/>
+      </a:defRPr>
+    </a:lvl1pPr>
+    <a:lvl2pPr marL="457200" algn="l" defTabSz="914400" rtl="0" eaLnBrk="1" latinLnBrk="0" hangingPunct="1">
+      <a:defRPr sz="1200" kern="1200">
+        <a:solidFill>
+          <a:schemeClr val="tx1"/>
+        </a:solidFill>
+        <a:latin typeface="+mn-lt"/>
+        <a:ea typeface="+mn-ea"/>
+        <a:cs typeface="+mn-cs"/>
+      </a:defRPr>
+    </a:lvl2pPr>
+    <a:lvl3pPr marL="914400" algn="l" defTabSz="914400" rtl="0" eaLnBrk="1" latinLnBrk="0" hangingPunct="1">
+      <a:defRPr sz="1200" kern="1200">
+        <a:solidFill>
+          <a:schemeClr val="tx1"/>
+        </a:solidFill>
+        <a:latin typeface="+mn-lt"/>
+        <a:ea typeface="+mn-ea"/>
+        <a:cs typeface="+mn-cs"/>
+      </a:defRPr>
+    </a:lvl3pPr>
+    <a:lvl4pPr marL="1371600" algn="l" defTabSz="914400" rtl="0" eaLnBrk="1" latinLnBrk="0" hangingPunct="1">
+      <a:defRPr sz="1200" kern="1200">
+        <a:solidFill>
+          <a:schemeClr val="tx1"/>
+        </a:solidFill>
+        <a:latin typeface="+mn-lt"/>
+        <a:ea typeface="+mn-ea"/>
+        <a:cs typeface="+mn-cs"/>
+      </a:defRPr>
+    </a:lvl4pPr>
+    <a:lvl5pPr marL="1828800" algn="l" defTabSz="914400" rtl="0" eaLnBrk="1" latinLnBrk="0" hangingPunct="1">
+      <a:defRPr sz="1200" kern="1200">
+        <a:solidFill>
+          <a:schemeClr val="tx1"/>
+        </a:solidFill>
+        <a:latin typeface="+mn-lt"/>
+        <a:ea typeface="+mn-ea"/>
+        <a:cs typeface="+mn-cs"/>
+      </a:defRPr>
+    </a:lvl5pPr>
+    <a:lvl6pPr marL="2286000" algn="l" defTabSz="914400" rtl="0" eaLnBrk="1" latinLnBrk="0" hangingPunct="1">
+      <a:defRPr sz="1200" kern="1200">
+        <a:solidFill>
+          <a:schemeClr val="tx1"/>
+        </a:solidFill>
+        <a:latin typeface="+mn-lt"/>
+        <a:ea typeface="+mn-ea"/>
+        <a:cs typeface="+mn-cs"/>
+      </a:defRPr>
+    </a:lvl6pPr>
+    <a:lvl7pPr marL="2743200" algn="l" defTabSz="914400" rtl="0" eaLnBrk="1" latinLnBrk="0" hangingPunct="1">
+      <a:defRPr sz="1200" kern="1200">
+        <a:solidFill>
+          <a:schemeClr val="tx1"/>
+        </a:solidFill>
+        <a:latin typeface="+mn-lt"/>
+        <a:ea typeface="+mn-ea"/>
+        <a:cs typeface="+mn-cs"/>
+      </a:defRPr>
+    </a:lvl7pPr>
+    <a:lvl8pPr marL="3200400" algn="l" defTabSz="914400" rtl="0" eaLnBrk="1" latinLnBrk="0" hangingPunct="1">
+      <a:defRPr sz="1200" kern="1200">
+        <a:solidFill>
+          <a:schemeClr val="tx1"/>
+        </a:solidFill>
+        <a:latin typeface="+mn-lt"/>
+        <a:ea typeface="+mn-ea"/>
+        <a:cs typeface="+mn-cs"/>
+      </a:defRPr>
+    </a:lvl8pPr>
+    <a:lvl9pPr marL="3657600" algn="l" defTabSz="914400" rtl="0" eaLnBrk="1" latinLnBrk="0" hangingPunct="1">
+      <a:defRPr sz="1200" kern="1200">
+        <a:solidFill>
+          <a:schemeClr val="tx1"/>
+        </a:solidFill>
+        <a:latin typeface="+mn-lt"/>
+        <a:ea typeface="+mn-ea"/>
+        <a:cs typeface="+mn-cs"/>
+      </a:defRPr>
+    </a:lvl9pPr>
+  </p:notesStyle>
+</p:notesMaster>
+</file>
+
+<file path=ppt/notesSlides/notesSlide1.xml><?xml version="1.0" encoding="utf-8"?>
+<p:notes xmlns:a="http://schemas.openxmlformats.org/drawingml/2006/main" xmlns:r="http://schemas.openxmlformats.org/officeDocument/2006/relationships" xmlns:p="http://schemas.openxmlformats.org/presentationml/2006/main">
   <p:cSld>
     <p:spTree>
       <p:nvGrpSpPr>
@@ -46,7 +423,7 @@
       </p:grpSpPr>
       <p:sp>
         <p:nvSpPr>
-          <p:cNvPr id="116" name="PlaceHolder 1"/>
+          <p:cNvPr id="290" name="PlaceHolder 1"/>
           <p:cNvSpPr>
             <a:spLocks noGrp="1"/>
           </p:cNvSpPr>
@@ -56,154 +433,222 @@
         </p:nvSpPr>
         <p:spPr>
           <a:xfrm>
-            <a:off x="777240" y="4777560"/>
-            <a:ext cx="6217560" cy="4525920"/>
-          </a:xfrm>
-          <a:prstGeom prst="rect">
-            <a:avLst/>
-          </a:prstGeom>
-        </p:spPr>
-        <p:txBody>
-          <a:bodyPr bIns="0" lIns="0" rIns="0" tIns="0" wrap="none"/>
-          <a:p>
-            <a:r>
-              <a:rPr lang="en-US"/>
-              <a:t>Click to edit the notes format</a:t>
-            </a:r>
-            <a:endParaRPr/>
-          </a:p>
-        </p:txBody>
-      </p:sp>
-      <p:sp>
-        <p:nvSpPr>
-          <p:cNvPr id="117" name="PlaceHolder 2"/>
-          <p:cNvSpPr>
-            <a:spLocks noGrp="1"/>
-          </p:cNvSpPr>
-          <p:nvPr>
-            <p:ph type="hdr"/>
-          </p:nvPr>
-        </p:nvSpPr>
-        <p:spPr>
-          <a:xfrm>
-            <a:off x="0" y="0"/>
-            <a:ext cx="3372840" cy="502560"/>
-          </a:xfrm>
-          <a:prstGeom prst="rect">
-            <a:avLst/>
-          </a:prstGeom>
-        </p:spPr>
-        <p:txBody>
-          <a:bodyPr bIns="0" lIns="0" rIns="0" tIns="0" wrap="none"/>
-          <a:p>
-            <a:r>
-              <a:rPr lang="en-US"/>
-              <a:t>&lt;header&gt;</a:t>
-            </a:r>
-            <a:endParaRPr/>
-          </a:p>
-        </p:txBody>
-      </p:sp>
-      <p:sp>
-        <p:nvSpPr>
-          <p:cNvPr id="118" name="PlaceHolder 3"/>
-          <p:cNvSpPr>
-            <a:spLocks noGrp="1"/>
-          </p:cNvSpPr>
-          <p:nvPr>
-            <p:ph type="dt"/>
-          </p:nvPr>
-        </p:nvSpPr>
-        <p:spPr>
-          <a:xfrm>
-            <a:off x="4399200" y="0"/>
-            <a:ext cx="3372840" cy="502560"/>
-          </a:xfrm>
-          <a:prstGeom prst="rect">
-            <a:avLst/>
-          </a:prstGeom>
-        </p:spPr>
-        <p:txBody>
-          <a:bodyPr bIns="0" lIns="0" rIns="0" tIns="0" wrap="none"/>
-          <a:p>
-            <a:pPr algn="r"/>
-            <a:r>
-              <a:rPr lang="en-US"/>
-              <a:t>&lt;date/time&gt;</a:t>
-            </a:r>
-            <a:endParaRPr/>
-          </a:p>
-        </p:txBody>
-      </p:sp>
-      <p:sp>
-        <p:nvSpPr>
-          <p:cNvPr id="119" name="PlaceHolder 4"/>
-          <p:cNvSpPr>
-            <a:spLocks noGrp="1"/>
-          </p:cNvSpPr>
-          <p:nvPr>
-            <p:ph type="ftr"/>
-          </p:nvPr>
-        </p:nvSpPr>
-        <p:spPr>
-          <a:xfrm>
-            <a:off x="0" y="9555480"/>
-            <a:ext cx="3372840" cy="502560"/>
-          </a:xfrm>
-          <a:prstGeom prst="rect">
-            <a:avLst/>
-          </a:prstGeom>
-        </p:spPr>
-        <p:txBody>
-          <a:bodyPr anchor="b" bIns="0" lIns="0" rIns="0" tIns="0" wrap="none"/>
-          <a:p>
-            <a:r>
-              <a:rPr lang="en-US"/>
-              <a:t>&lt;footer&gt;</a:t>
-            </a:r>
-            <a:endParaRPr/>
-          </a:p>
-        </p:txBody>
-      </p:sp>
-      <p:sp>
-        <p:nvSpPr>
-          <p:cNvPr id="120" name="PlaceHolder 5"/>
-          <p:cNvSpPr>
-            <a:spLocks noGrp="1"/>
-          </p:cNvSpPr>
-          <p:nvPr>
-            <p:ph type="sldNum"/>
-          </p:nvPr>
-        </p:nvSpPr>
-        <p:spPr>
-          <a:xfrm>
-            <a:off x="4399200" y="9555480"/>
-            <a:ext cx="3372840" cy="502560"/>
-          </a:xfrm>
-          <a:prstGeom prst="rect">
-            <a:avLst/>
-          </a:prstGeom>
-        </p:spPr>
-        <p:txBody>
-          <a:bodyPr anchor="b" bIns="0" lIns="0" rIns="0" tIns="0" wrap="none"/>
-          <a:p>
-            <a:pPr algn="r"/>
-            <a:fld id="{D4AE714C-3AF0-4CF4-BE1F-A351AACE9EA8}" type="slidenum">
-              <a:rPr lang="en-US"/>
-              <a:t>&lt;number&gt;</a:t>
+            <a:off x="685800" y="4343400"/>
+            <a:ext cx="5486040" cy="4114440"/>
+          </a:xfrm>
+          <a:prstGeom prst="rect">
+            <a:avLst/>
+          </a:prstGeom>
+        </p:spPr>
+        <p:txBody>
+          <a:bodyPr/>
+          <a:lstStyle/>
+          <a:p>
+            <a:pPr>
+              <a:lnSpc>
+                <a:spcPct val="100000"/>
+              </a:lnSpc>
+            </a:pPr>
+            <a:r>
+              <a:rPr lang="en-US">
+                <a:ea typeface="ＭＳ Ｐゴシック"/>
+              </a:rPr>
+              <a:t>Plan, execute and report on Agile projects</a:t>
+            </a:r>
+            <a:endParaRPr/>
+          </a:p>
+          <a:p>
+            <a:pPr>
+              <a:lnSpc>
+                <a:spcPct val="100000"/>
+              </a:lnSpc>
+            </a:pPr>
+            <a:endParaRPr/>
+          </a:p>
+          <a:p>
+            <a:pPr>
+              <a:lnSpc>
+                <a:spcPct val="100000"/>
+              </a:lnSpc>
+            </a:pPr>
+            <a:endParaRPr/>
+          </a:p>
+          <a:p>
+            <a:pPr>
+              <a:lnSpc>
+                <a:spcPct val="100000"/>
+              </a:lnSpc>
+            </a:pPr>
+            <a:r>
+              <a:rPr lang="en-US">
+                <a:ea typeface="ＭＳ Ｐゴシック"/>
+              </a:rPr>
+              <a:t>--------------------------------------------------------------------------------------------------------------------</a:t>
+            </a:r>
+            <a:endParaRPr/>
+          </a:p>
+          <a:p>
+            <a:pPr>
+              <a:lnSpc>
+                <a:spcPct val="100000"/>
+              </a:lnSpc>
+            </a:pPr>
+            <a:endParaRPr/>
+          </a:p>
+          <a:p>
+            <a:pPr>
+              <a:lnSpc>
+                <a:spcPct val="100000"/>
+              </a:lnSpc>
+            </a:pPr>
+            <a:endParaRPr/>
+          </a:p>
+          <a:p>
+            <a:pPr>
+              <a:lnSpc>
+                <a:spcPct val="100000"/>
+              </a:lnSpc>
+            </a:pPr>
+            <a:r>
+              <a:rPr lang="en-US">
+                <a:ea typeface="ＭＳ Ｐゴシック"/>
+              </a:rPr>
+              <a:t>In this module, we’ll explore the practices that help Managers and Project Managers plan, execute, and report on Agile projects.</a:t>
+            </a:r>
+            <a:endParaRPr/>
+          </a:p>
+          <a:p>
+            <a:pPr>
+              <a:lnSpc>
+                <a:spcPct val="100000"/>
+              </a:lnSpc>
+            </a:pPr>
+            <a:endParaRPr/>
+          </a:p>
+          <a:p>
+            <a:pPr>
+              <a:lnSpc>
+                <a:spcPct val="100000"/>
+              </a:lnSpc>
+            </a:pPr>
+            <a:endParaRPr/>
+          </a:p>
+        </p:txBody>
+      </p:sp>
+      <p:sp>
+        <p:nvSpPr>
+          <p:cNvPr id="291" name="TextShape 2"/>
+          <p:cNvSpPr txBox="1"/>
+          <p:nvPr/>
+        </p:nvSpPr>
+        <p:spPr>
+          <a:xfrm>
+            <a:off x="3884760" y="8685360"/>
+            <a:ext cx="2971440" cy="456840"/>
+          </a:xfrm>
+          <a:prstGeom prst="rect">
+            <a:avLst/>
+          </a:prstGeom>
+        </p:spPr>
+        <p:txBody>
+          <a:bodyPr anchor="b"/>
+          <a:lstStyle/>
+          <a:p>
+            <a:pPr algn="r">
+              <a:lnSpc>
+                <a:spcPct val="100000"/>
+              </a:lnSpc>
+            </a:pPr>
+            <a:fld id="{36DFA049-30EB-4D33-B2E5-48660A88787E}" type="slidenum">
+              <a:rPr lang="en-US" sz="1200">
+                <a:solidFill>
+                  <a:srgbClr val="000000"/>
+                </a:solidFill>
+                <a:latin typeface="Arial"/>
+                <a:ea typeface="Arial"/>
+              </a:rPr>
+              <a:t>1</a:t>
             </a:fld>
             <a:endParaRPr/>
           </a:p>
         </p:txBody>
       </p:sp>
+      <p:sp>
+        <p:nvSpPr>
+          <p:cNvPr id="292" name="TextShape 3"/>
+          <p:cNvSpPr txBox="1"/>
+          <p:nvPr/>
+        </p:nvSpPr>
+        <p:spPr>
+          <a:xfrm>
+            <a:off x="3884760" y="0"/>
+            <a:ext cx="2971440" cy="456840"/>
+          </a:xfrm>
+          <a:prstGeom prst="rect">
+            <a:avLst/>
+          </a:prstGeom>
+        </p:spPr>
+        <p:txBody>
+          <a:bodyPr/>
+          <a:lstStyle/>
+          <a:p>
+            <a:endParaRPr/>
+          </a:p>
+        </p:txBody>
+      </p:sp>
+      <p:sp>
+        <p:nvSpPr>
+          <p:cNvPr id="293" name="TextShape 4"/>
+          <p:cNvSpPr txBox="1"/>
+          <p:nvPr/>
+        </p:nvSpPr>
+        <p:spPr>
+          <a:xfrm>
+            <a:off x="0" y="8685360"/>
+            <a:ext cx="2971440" cy="456840"/>
+          </a:xfrm>
+          <a:prstGeom prst="rect">
+            <a:avLst/>
+          </a:prstGeom>
+        </p:spPr>
+        <p:txBody>
+          <a:bodyPr anchor="b"/>
+          <a:lstStyle/>
+          <a:p>
+            <a:pPr>
+              <a:lnSpc>
+                <a:spcPct val="100000"/>
+              </a:lnSpc>
+            </a:pPr>
+            <a:r>
+              <a:rPr lang="en-US" sz="1200">
+                <a:solidFill>
+                  <a:srgbClr val="000000"/>
+                </a:solidFill>
+                <a:latin typeface="Arial"/>
+                <a:ea typeface="Arial"/>
+              </a:rPr>
+              <a:t>Release and Iteration Planning</a:t>
+            </a:r>
+            <a:endParaRPr/>
+          </a:p>
+        </p:txBody>
+      </p:sp>
     </p:spTree>
+    <p:extLst>
+      <p:ext uri="{BB962C8B-B14F-4D97-AF65-F5344CB8AC3E}">
+        <p14:creationId xmlns:p14="http://schemas.microsoft.com/office/powerpoint/2010/main" val="746567817"/>
+      </p:ext>
+    </p:extLst>
   </p:cSld>
-  <p:clrMap accent1="accent1" accent2="accent2" accent3="accent3" accent4="accent4" accent5="accent5" accent6="accent6" bg1="lt1" bg2="lt2" folHlink="folHlink" hlink="hlink" tx1="dk1" tx2="dk2"/>
-</p:notesMaster>
+  <p:clrMapOvr>
+    <a:masterClrMapping/>
+  </p:clrMapOvr>
+</p:notes>
 </file>
 
-<file path=ppt/notesSlides/notesSlide1.xml><?xml version="1.0" encoding="utf-8"?>
-<p:notes xmlns:a="http://schemas.openxmlformats.org/drawingml/2006/main" xmlns:p="http://schemas.openxmlformats.org/presentationml/2006/main" xmlns:r="http://schemas.openxmlformats.org/officeDocument/2006/relationships">
+<file path=ppt/notesSlides/notesSlide2.xml><?xml version="1.0" encoding="utf-8"?>
+<p:notes xmlns:a="http://schemas.openxmlformats.org/drawingml/2006/main" xmlns:r="http://schemas.openxmlformats.org/officeDocument/2006/relationships" xmlns:p="http://schemas.openxmlformats.org/presentationml/2006/main">
   <p:cSld>
     <p:spTree>
       <p:nvGrpSpPr>
@@ -221,7 +666,7 @@
       </p:grpSpPr>
       <p:sp>
         <p:nvSpPr>
-          <p:cNvPr id="290" name="PlaceHolder 1"/>
+          <p:cNvPr id="294" name="PlaceHolder 1"/>
           <p:cNvSpPr>
             <a:spLocks noGrp="1"/>
           </p:cNvSpPr>
@@ -240,101 +685,19 @@
         </p:spPr>
         <p:txBody>
           <a:bodyPr/>
-          <a:p>
-            <a:pPr>
-              <a:lnSpc>
-                <a:spcPct val="100000"/>
-              </a:lnSpc>
-            </a:pPr>
-            <a:r>
-              <a:rPr lang="en-US">
-                <a:ea typeface="ＭＳ Ｐゴシック"/>
-              </a:rPr>
-              <a:t>Plan, execute and report on Agile projects</a:t>
-            </a:r>
-            <a:endParaRPr/>
-          </a:p>
-          <a:p>
-            <a:pPr>
-              <a:lnSpc>
-                <a:spcPct val="100000"/>
-              </a:lnSpc>
-            </a:pPr>
-            <a:endParaRPr/>
-          </a:p>
-          <a:p>
-            <a:pPr>
-              <a:lnSpc>
-                <a:spcPct val="100000"/>
-              </a:lnSpc>
-            </a:pPr>
-            <a:endParaRPr/>
-          </a:p>
-          <a:p>
-            <a:pPr>
-              <a:lnSpc>
-                <a:spcPct val="100000"/>
-              </a:lnSpc>
-            </a:pPr>
-            <a:r>
-              <a:rPr lang="en-US">
-                <a:ea typeface="ＭＳ Ｐゴシック"/>
-              </a:rPr>
-              <a:t>--------------------------------------------------------------------------------------------------------------------</a:t>
-            </a:r>
-            <a:endParaRPr/>
-          </a:p>
-          <a:p>
-            <a:pPr>
-              <a:lnSpc>
-                <a:spcPct val="100000"/>
-              </a:lnSpc>
-            </a:pPr>
-            <a:endParaRPr/>
-          </a:p>
-          <a:p>
-            <a:pPr>
-              <a:lnSpc>
-                <a:spcPct val="100000"/>
-              </a:lnSpc>
-            </a:pPr>
-            <a:endParaRPr/>
-          </a:p>
-          <a:p>
-            <a:pPr>
-              <a:lnSpc>
-                <a:spcPct val="100000"/>
-              </a:lnSpc>
-            </a:pPr>
-            <a:r>
-              <a:rPr lang="en-US">
-                <a:ea typeface="ＭＳ Ｐゴシック"/>
-              </a:rPr>
-              <a:t>In this module, we’ll explore the practices that help Managers and Project Managers plan, execute, and report on Agile projects.</a:t>
-            </a:r>
-            <a:endParaRPr/>
-          </a:p>
-          <a:p>
-            <a:pPr>
-              <a:lnSpc>
-                <a:spcPct val="100000"/>
-              </a:lnSpc>
-            </a:pPr>
-            <a:endParaRPr/>
-          </a:p>
-          <a:p>
-            <a:pPr>
-              <a:lnSpc>
-                <a:spcPct val="100000"/>
-              </a:lnSpc>
-            </a:pPr>
-            <a:endParaRPr/>
-          </a:p>
-        </p:txBody>
-      </p:sp>
-      <p:sp>
-        <p:nvSpPr>
-          <p:cNvPr id="291" name="TextShape 2"/>
+          <a:lstStyle/>
+          <a:p>
+            <a:r>
+              <a:rPr lang="en-US"/>
+              <a:t>Answered the basic “how long” in Estimating section.</a:t>
+            </a:r>
+            <a:endParaRPr/>
+          </a:p>
+        </p:txBody>
+      </p:sp>
+      <p:sp>
+        <p:nvSpPr>
+          <p:cNvPr id="295" name="TextShape 2"/>
           <p:cNvSpPr txBox="1"/>
           <p:nvPr/>
         </p:nvSpPr>
@@ -349,13 +712,14 @@
         </p:spPr>
         <p:txBody>
           <a:bodyPr anchor="b"/>
+          <a:lstStyle/>
           <a:p>
             <a:pPr algn="r">
               <a:lnSpc>
                 <a:spcPct val="100000"/>
               </a:lnSpc>
             </a:pPr>
-            <a:fld id="{36DFA049-30EB-4D33-B2E5-48660A88787E}" type="slidenum">
+            <a:fld id="{E521B051-D689-49B6-9357-B4050EC36C07}" type="slidenum">
               <a:rPr lang="en-US" sz="1200">
                 <a:solidFill>
                   <a:srgbClr val="000000"/>
@@ -363,7 +727,7 @@
                 <a:latin typeface="Arial"/>
                 <a:ea typeface="Arial"/>
               </a:rPr>
-              <a:t>&lt;number&gt;</a:t>
+              <a:t>2</a:t>
             </a:fld>
             <a:endParaRPr/>
           </a:p>
@@ -371,7 +735,7 @@
       </p:sp>
       <p:sp>
         <p:nvSpPr>
-          <p:cNvPr id="292" name="TextShape 3"/>
+          <p:cNvPr id="296" name="TextShape 3"/>
           <p:cNvSpPr txBox="1"/>
           <p:nvPr/>
         </p:nvSpPr>
@@ -386,14 +750,15 @@
         </p:spPr>
         <p:txBody>
           <a:bodyPr/>
-          <a:p>
-            <a:endParaRPr/>
-          </a:p>
-        </p:txBody>
-      </p:sp>
-      <p:sp>
-        <p:nvSpPr>
-          <p:cNvPr id="293" name="TextShape 4"/>
+          <a:lstStyle/>
+          <a:p>
+            <a:endParaRPr/>
+          </a:p>
+        </p:txBody>
+      </p:sp>
+      <p:sp>
+        <p:nvSpPr>
+          <p:cNvPr id="297" name="TextShape 4"/>
           <p:cNvSpPr txBox="1"/>
           <p:nvPr/>
         </p:nvSpPr>
@@ -408,6 +773,7 @@
         </p:spPr>
         <p:txBody>
           <a:bodyPr anchor="b"/>
+          <a:lstStyle/>
           <a:p>
             <a:pPr>
               <a:lnSpc>
@@ -429,12 +795,20 @@
         </p:txBody>
       </p:sp>
     </p:spTree>
+    <p:extLst>
+      <p:ext uri="{BB962C8B-B14F-4D97-AF65-F5344CB8AC3E}">
+        <p14:creationId xmlns:p14="http://schemas.microsoft.com/office/powerpoint/2010/main" val="1965834545"/>
+      </p:ext>
+    </p:extLst>
   </p:cSld>
+  <p:clrMapOvr>
+    <a:masterClrMapping/>
+  </p:clrMapOvr>
 </p:notes>
 </file>
 
-<file path=ppt/notesSlides/notesSlide11.xml><?xml version="1.0" encoding="utf-8"?>
-<p:notes xmlns:a="http://schemas.openxmlformats.org/drawingml/2006/main" xmlns:p="http://schemas.openxmlformats.org/presentationml/2006/main" xmlns:r="http://schemas.openxmlformats.org/officeDocument/2006/relationships">
+<file path=ppt/notesSlides/notesSlide3.xml><?xml version="1.0" encoding="utf-8"?>
+<p:notes xmlns:a="http://schemas.openxmlformats.org/drawingml/2006/main" xmlns:r="http://schemas.openxmlformats.org/officeDocument/2006/relationships" xmlns:p="http://schemas.openxmlformats.org/presentationml/2006/main">
   <p:cSld>
     <p:spTree>
       <p:nvGrpSpPr>
@@ -452,7 +826,7 @@
       </p:grpSpPr>
       <p:sp>
         <p:nvSpPr>
-          <p:cNvPr id="322" name="PlaceHolder 1"/>
+          <p:cNvPr id="298" name="PlaceHolder 1"/>
           <p:cNvSpPr>
             <a:spLocks noGrp="1"/>
           </p:cNvSpPr>
@@ -471,14 +845,47 @@
         </p:spPr>
         <p:txBody>
           <a:bodyPr/>
-          <a:p>
-            <a:endParaRPr/>
-          </a:p>
-        </p:txBody>
-      </p:sp>
-      <p:sp>
-        <p:nvSpPr>
-          <p:cNvPr id="323" name="TextShape 2"/>
+          <a:lstStyle/>
+          <a:p>
+            <a:r>
+              <a:rPr lang="en-US"/>
+              <a:t>What is driving the Release?</a:t>
+            </a:r>
+            <a:endParaRPr/>
+          </a:p>
+          <a:p>
+            <a:r>
+              <a:rPr lang="en-US"/>
+              <a:t>Time, budget, scope</a:t>
+            </a:r>
+            <a:endParaRPr/>
+          </a:p>
+          <a:p>
+            <a:r>
+              <a:rPr lang="en-US"/>
+              <a:t>Market pressure for functionality</a:t>
+            </a:r>
+            <a:endParaRPr/>
+          </a:p>
+          <a:p>
+            <a:r>
+              <a:rPr lang="en-US"/>
+              <a:t>Launch of a new project</a:t>
+            </a:r>
+            <a:endParaRPr/>
+          </a:p>
+          <a:p>
+            <a:r>
+              <a:rPr lang="en-US"/>
+              <a:t>Are there quantifiable objectives / ROI that need to be met?</a:t>
+            </a:r>
+            <a:endParaRPr/>
+          </a:p>
+        </p:txBody>
+      </p:sp>
+      <p:sp>
+        <p:nvSpPr>
+          <p:cNvPr id="299" name="TextShape 2"/>
           <p:cNvSpPr txBox="1"/>
           <p:nvPr/>
         </p:nvSpPr>
@@ -493,13 +900,14 @@
         </p:spPr>
         <p:txBody>
           <a:bodyPr anchor="b"/>
+          <a:lstStyle/>
           <a:p>
             <a:pPr algn="r">
               <a:lnSpc>
                 <a:spcPct val="100000"/>
               </a:lnSpc>
             </a:pPr>
-            <a:fld id="{FC395E1D-8095-4330-B670-FF0CCBDC517F}" type="slidenum">
+            <a:fld id="{991E733F-7B18-4D41-9EBE-3F3CB8131EB6}" type="slidenum">
               <a:rPr lang="en-US" sz="1200">
                 <a:solidFill>
                   <a:srgbClr val="000000"/>
@@ -507,7 +915,7 @@
                 <a:latin typeface="Arial"/>
                 <a:ea typeface="Arial"/>
               </a:rPr>
-              <a:t>&lt;number&gt;</a:t>
+              <a:t>3</a:t>
             </a:fld>
             <a:endParaRPr/>
           </a:p>
@@ -515,7 +923,7 @@
       </p:sp>
       <p:sp>
         <p:nvSpPr>
-          <p:cNvPr id="324" name="TextShape 3"/>
+          <p:cNvPr id="300" name="TextShape 3"/>
           <p:cNvSpPr txBox="1"/>
           <p:nvPr/>
         </p:nvSpPr>
@@ -530,14 +938,15 @@
         </p:spPr>
         <p:txBody>
           <a:bodyPr/>
-          <a:p>
-            <a:endParaRPr/>
-          </a:p>
-        </p:txBody>
-      </p:sp>
-      <p:sp>
-        <p:nvSpPr>
-          <p:cNvPr id="325" name="TextShape 4"/>
+          <a:lstStyle/>
+          <a:p>
+            <a:endParaRPr/>
+          </a:p>
+        </p:txBody>
+      </p:sp>
+      <p:sp>
+        <p:nvSpPr>
+          <p:cNvPr id="301" name="TextShape 4"/>
           <p:cNvSpPr txBox="1"/>
           <p:nvPr/>
         </p:nvSpPr>
@@ -552,6 +961,7 @@
         </p:spPr>
         <p:txBody>
           <a:bodyPr anchor="b"/>
+          <a:lstStyle/>
           <a:p>
             <a:pPr>
               <a:lnSpc>
@@ -573,12 +983,20 @@
         </p:txBody>
       </p:sp>
     </p:spTree>
+    <p:extLst>
+      <p:ext uri="{BB962C8B-B14F-4D97-AF65-F5344CB8AC3E}">
+        <p14:creationId xmlns:p14="http://schemas.microsoft.com/office/powerpoint/2010/main" val="745288720"/>
+      </p:ext>
+    </p:extLst>
   </p:cSld>
+  <p:clrMapOvr>
+    <a:masterClrMapping/>
+  </p:clrMapOvr>
 </p:notes>
 </file>
 
-<file path=ppt/notesSlides/notesSlide2.xml><?xml version="1.0" encoding="utf-8"?>
-<p:notes xmlns:a="http://schemas.openxmlformats.org/drawingml/2006/main" xmlns:p="http://schemas.openxmlformats.org/presentationml/2006/main" xmlns:r="http://schemas.openxmlformats.org/officeDocument/2006/relationships">
+<file path=ppt/notesSlides/notesSlide4.xml><?xml version="1.0" encoding="utf-8"?>
+<p:notes xmlns:a="http://schemas.openxmlformats.org/drawingml/2006/main" xmlns:r="http://schemas.openxmlformats.org/officeDocument/2006/relationships" xmlns:p="http://schemas.openxmlformats.org/presentationml/2006/main">
   <p:cSld>
     <p:spTree>
       <p:nvGrpSpPr>
@@ -596,7 +1014,7 @@
       </p:grpSpPr>
       <p:sp>
         <p:nvSpPr>
-          <p:cNvPr id="294" name="PlaceHolder 1"/>
+          <p:cNvPr id="302" name="PlaceHolder 1"/>
           <p:cNvSpPr>
             <a:spLocks noGrp="1"/>
           </p:cNvSpPr>
@@ -615,18 +1033,291 @@
         </p:spPr>
         <p:txBody>
           <a:bodyPr/>
+          <a:lstStyle/>
           <a:p>
             <a:r>
               <a:rPr lang="en-US"/>
-              <a:t>Answered the basic “how long” in Estimating section.</a:t>
-            </a:r>
-            <a:endParaRPr/>
-          </a:p>
-        </p:txBody>
-      </p:sp>
-      <p:sp>
-        <p:nvSpPr>
-          <p:cNvPr id="295" name="TextShape 2"/>
+              <a:t>We need to understand the:</a:t>
+            </a:r>
+            <a:endParaRPr/>
+          </a:p>
+          <a:p>
+            <a:pPr>
+              <a:lnSpc>
+                <a:spcPct val="100000"/>
+              </a:lnSpc>
+              <a:buFont typeface="Arial"/>
+              <a:buChar char="•"/>
+            </a:pPr>
+            <a:r>
+              <a:rPr lang="en-US"/>
+              <a:t>Release success criteria.  Time driven, scope driven, $ driven.</a:t>
+            </a:r>
+            <a:endParaRPr/>
+          </a:p>
+          <a:p>
+            <a:pPr>
+              <a:lnSpc>
+                <a:spcPct val="100000"/>
+              </a:lnSpc>
+              <a:buFont typeface="Arial"/>
+              <a:buChar char="•"/>
+            </a:pPr>
+            <a:r>
+              <a:rPr lang="en-US"/>
+              <a:t>Development capacity</a:t>
+            </a:r>
+            <a:endParaRPr/>
+          </a:p>
+          <a:p>
+            <a:pPr>
+              <a:lnSpc>
+                <a:spcPct val="100000"/>
+              </a:lnSpc>
+              <a:buFont typeface="Arial"/>
+              <a:buChar char="•"/>
+            </a:pPr>
+            <a:r>
+              <a:rPr lang="en-US"/>
+              <a:t>Constraints  - resource, technical, skill level</a:t>
+            </a:r>
+            <a:endParaRPr/>
+          </a:p>
+          <a:p>
+            <a:pPr>
+              <a:lnSpc>
+                <a:spcPct val="100000"/>
+              </a:lnSpc>
+              <a:buFont typeface="Arial"/>
+              <a:buChar char="•"/>
+            </a:pPr>
+            <a:r>
+              <a:rPr lang="en-US"/>
+              <a:t>Project dependencies</a:t>
+            </a:r>
+            <a:endParaRPr/>
+          </a:p>
+          <a:p>
+            <a:pPr>
+              <a:lnSpc>
+                <a:spcPct val="100000"/>
+              </a:lnSpc>
+              <a:buFont typeface="Arial"/>
+              <a:buChar char="•"/>
+            </a:pPr>
+            <a:r>
+              <a:rPr lang="en-US"/>
+              <a:t>A high level application architecture </a:t>
+            </a:r>
+            <a:endParaRPr/>
+          </a:p>
+          <a:p>
+            <a:pPr>
+              <a:lnSpc>
+                <a:spcPct val="100000"/>
+              </a:lnSpc>
+              <a:buFont typeface="Arial"/>
+              <a:buChar char="•"/>
+            </a:pPr>
+            <a:r>
+              <a:rPr lang="en-US"/>
+              <a:t>Non functional or cross functional requirements – all the ‘abilities</a:t>
+            </a:r>
+            <a:endParaRPr/>
+          </a:p>
+          <a:p>
+            <a:pPr>
+              <a:lnSpc>
+                <a:spcPct val="100000"/>
+              </a:lnSpc>
+            </a:pPr>
+            <a:r>
+              <a:rPr lang="en-US"/>
+              <a:t>----------------------------------------------------------------------------------------------------------</a:t>
+            </a:r>
+            <a:endParaRPr/>
+          </a:p>
+          <a:p>
+            <a:pPr>
+              <a:lnSpc>
+                <a:spcPct val="100000"/>
+              </a:lnSpc>
+            </a:pPr>
+            <a:endParaRPr/>
+          </a:p>
+          <a:p>
+            <a:pPr>
+              <a:lnSpc>
+                <a:spcPct val="100000"/>
+              </a:lnSpc>
+            </a:pPr>
+            <a:endParaRPr/>
+          </a:p>
+          <a:p>
+            <a:pPr>
+              <a:lnSpc>
+                <a:spcPct val="100000"/>
+              </a:lnSpc>
+            </a:pPr>
+            <a:endParaRPr/>
+          </a:p>
+          <a:p>
+            <a:pPr>
+              <a:lnSpc>
+                <a:spcPct val="100000"/>
+              </a:lnSpc>
+            </a:pPr>
+            <a:endParaRPr/>
+          </a:p>
+          <a:p>
+            <a:pPr>
+              <a:lnSpc>
+                <a:spcPct val="100000"/>
+              </a:lnSpc>
+            </a:pPr>
+            <a:r>
+              <a:rPr lang="en-US"/>
+              <a:t>Like most things in an Agile world, release planning is an iterative and adaptable process.  Depending on how the first cut at a release plan may look, more effort may be put into loosening the hold of external constraints (e.g., marketing schedules) or the success criteria for the release may be re-examined (e.g., perhaps another pass through MoSCoW on the story list).</a:t>
+            </a:r>
+            <a:endParaRPr/>
+          </a:p>
+          <a:p>
+            <a:pPr>
+              <a:lnSpc>
+                <a:spcPct val="100000"/>
+              </a:lnSpc>
+            </a:pPr>
+            <a:endParaRPr/>
+          </a:p>
+          <a:p>
+            <a:pPr>
+              <a:lnSpc>
+                <a:spcPct val="100000"/>
+              </a:lnSpc>
+            </a:pPr>
+            <a:r>
+              <a:rPr lang="en-US"/>
+              <a:t>Development Capacity can either be estimated (using a sampling of different story sizes and extrapolating) or determined using a spike iteration.  </a:t>
+            </a:r>
+            <a:endParaRPr/>
+          </a:p>
+          <a:p>
+            <a:pPr>
+              <a:lnSpc>
+                <a:spcPct val="100000"/>
+              </a:lnSpc>
+            </a:pPr>
+            <a:endParaRPr/>
+          </a:p>
+          <a:p>
+            <a:pPr>
+              <a:lnSpc>
+                <a:spcPct val="100000"/>
+              </a:lnSpc>
+            </a:pPr>
+            <a:r>
+              <a:rPr lang="en-US"/>
+              <a:t>The success criteria for the project are probably enumerated across the lines of scope (e.g., “we must have these features at least”), cost (e.g., “we only have budget for $200 of development”) and time (“we need to get something to market before the conference starts”).  </a:t>
+            </a:r>
+            <a:endParaRPr/>
+          </a:p>
+          <a:p>
+            <a:pPr>
+              <a:lnSpc>
+                <a:spcPct val="100000"/>
+              </a:lnSpc>
+            </a:pPr>
+            <a:endParaRPr/>
+          </a:p>
+          <a:p>
+            <a:pPr>
+              <a:lnSpc>
+                <a:spcPct val="100000"/>
+              </a:lnSpc>
+            </a:pPr>
+            <a:r>
+              <a:rPr lang="en-US"/>
+              <a:t>External constraints can have a big influence on the release plan and are often in the shape of project dependencies (i.e., integrating with Application X which only releases each quarter).</a:t>
+            </a:r>
+            <a:endParaRPr/>
+          </a:p>
+          <a:p>
+            <a:pPr>
+              <a:lnSpc>
+                <a:spcPct val="100000"/>
+              </a:lnSpc>
+            </a:pPr>
+            <a:endParaRPr/>
+          </a:p>
+          <a:p>
+            <a:pPr>
+              <a:lnSpc>
+                <a:spcPct val="100000"/>
+              </a:lnSpc>
+            </a:pPr>
+            <a:r>
+              <a:rPr lang="en-US"/>
+              <a:t>A release story wall can be used to show the distribution of stories between releases and between iterations within a release.  Obviously a release plan is a high level artifact, so the expectation should be set to allow considerable movement at this level.</a:t>
+            </a:r>
+            <a:endParaRPr/>
+          </a:p>
+          <a:p>
+            <a:pPr>
+              <a:lnSpc>
+                <a:spcPct val="100000"/>
+              </a:lnSpc>
+            </a:pPr>
+            <a:endParaRPr/>
+          </a:p>
+          <a:p>
+            <a:pPr>
+              <a:lnSpc>
+                <a:spcPct val="100000"/>
+              </a:lnSpc>
+            </a:pPr>
+            <a:r>
+              <a:rPr lang="en-US" b="1">
+                <a:latin typeface="Arial"/>
+              </a:rPr>
+              <a:t>Low: 2 min</a:t>
+            </a:r>
+            <a:endParaRPr/>
+          </a:p>
+          <a:p>
+            <a:pPr>
+              <a:lnSpc>
+                <a:spcPct val="100000"/>
+              </a:lnSpc>
+            </a:pPr>
+            <a:r>
+              <a:rPr lang="en-US" b="1">
+                <a:latin typeface="Arial"/>
+              </a:rPr>
+              <a:t>High: 5 min</a:t>
+            </a:r>
+            <a:endParaRPr/>
+          </a:p>
+          <a:p>
+            <a:pPr>
+              <a:lnSpc>
+                <a:spcPct val="100000"/>
+              </a:lnSpc>
+            </a:pPr>
+            <a:endParaRPr/>
+          </a:p>
+          <a:p>
+            <a:pPr>
+              <a:lnSpc>
+                <a:spcPct val="100000"/>
+              </a:lnSpc>
+            </a:pPr>
+            <a:endParaRPr/>
+          </a:p>
+        </p:txBody>
+      </p:sp>
+      <p:sp>
+        <p:nvSpPr>
+          <p:cNvPr id="303" name="TextShape 2"/>
           <p:cNvSpPr txBox="1"/>
           <p:nvPr/>
         </p:nvSpPr>
@@ -641,13 +1332,14 @@
         </p:spPr>
         <p:txBody>
           <a:bodyPr anchor="b"/>
+          <a:lstStyle/>
           <a:p>
             <a:pPr algn="r">
               <a:lnSpc>
                 <a:spcPct val="100000"/>
               </a:lnSpc>
             </a:pPr>
-            <a:fld id="{E521B051-D689-49B6-9357-B4050EC36C07}" type="slidenum">
+            <a:fld id="{FC9D2A28-4CD0-4CB3-BBE1-E21C060A94B9}" type="slidenum">
               <a:rPr lang="en-US" sz="1200">
                 <a:solidFill>
                   <a:srgbClr val="000000"/>
@@ -655,7 +1347,7 @@
                 <a:latin typeface="Arial"/>
                 <a:ea typeface="Arial"/>
               </a:rPr>
-              <a:t>&lt;number&gt;</a:t>
+              <a:t>4</a:t>
             </a:fld>
             <a:endParaRPr/>
           </a:p>
@@ -663,7 +1355,7 @@
       </p:sp>
       <p:sp>
         <p:nvSpPr>
-          <p:cNvPr id="296" name="TextShape 3"/>
+          <p:cNvPr id="304" name="TextShape 3"/>
           <p:cNvSpPr txBox="1"/>
           <p:nvPr/>
         </p:nvSpPr>
@@ -678,14 +1370,15 @@
         </p:spPr>
         <p:txBody>
           <a:bodyPr/>
-          <a:p>
-            <a:endParaRPr/>
-          </a:p>
-        </p:txBody>
-      </p:sp>
-      <p:sp>
-        <p:nvSpPr>
-          <p:cNvPr id="297" name="TextShape 4"/>
+          <a:lstStyle/>
+          <a:p>
+            <a:endParaRPr/>
+          </a:p>
+        </p:txBody>
+      </p:sp>
+      <p:sp>
+        <p:nvSpPr>
+          <p:cNvPr id="305" name="TextShape 4"/>
           <p:cNvSpPr txBox="1"/>
           <p:nvPr/>
         </p:nvSpPr>
@@ -700,6 +1393,7 @@
         </p:spPr>
         <p:txBody>
           <a:bodyPr anchor="b"/>
+          <a:lstStyle/>
           <a:p>
             <a:pPr>
               <a:lnSpc>
@@ -721,12 +1415,20 @@
         </p:txBody>
       </p:sp>
     </p:spTree>
+    <p:extLst>
+      <p:ext uri="{BB962C8B-B14F-4D97-AF65-F5344CB8AC3E}">
+        <p14:creationId xmlns:p14="http://schemas.microsoft.com/office/powerpoint/2010/main" val="1942887736"/>
+      </p:ext>
+    </p:extLst>
   </p:cSld>
+  <p:clrMapOvr>
+    <a:masterClrMapping/>
+  </p:clrMapOvr>
 </p:notes>
 </file>
 
-<file path=ppt/notesSlides/notesSlide3.xml><?xml version="1.0" encoding="utf-8"?>
-<p:notes xmlns:a="http://schemas.openxmlformats.org/drawingml/2006/main" xmlns:p="http://schemas.openxmlformats.org/presentationml/2006/main" xmlns:r="http://schemas.openxmlformats.org/officeDocument/2006/relationships">
+<file path=ppt/notesSlides/notesSlide5.xml><?xml version="1.0" encoding="utf-8"?>
+<p:notes xmlns:a="http://schemas.openxmlformats.org/drawingml/2006/main" xmlns:r="http://schemas.openxmlformats.org/officeDocument/2006/relationships" xmlns:p="http://schemas.openxmlformats.org/presentationml/2006/main">
   <p:cSld>
     <p:spTree>
       <p:nvGrpSpPr>
@@ -744,7 +1446,7 @@
       </p:grpSpPr>
       <p:sp>
         <p:nvSpPr>
-          <p:cNvPr id="298" name="PlaceHolder 1"/>
+          <p:cNvPr id="306" name="PlaceHolder 1"/>
           <p:cNvSpPr>
             <a:spLocks noGrp="1"/>
           </p:cNvSpPr>
@@ -763,46 +1465,19 @@
         </p:spPr>
         <p:txBody>
           <a:bodyPr/>
+          <a:lstStyle/>
           <a:p>
             <a:r>
               <a:rPr lang="en-US"/>
-              <a:t>What is driving the Release?</a:t>
-            </a:r>
-            <a:endParaRPr/>
-          </a:p>
-          <a:p>
-            <a:r>
-              <a:rPr lang="en-US"/>
-              <a:t>Time, budget, scope</a:t>
-            </a:r>
-            <a:endParaRPr/>
-          </a:p>
-          <a:p>
-            <a:r>
-              <a:rPr lang="en-US"/>
-              <a:t>Market pressure for functionality</a:t>
-            </a:r>
-            <a:endParaRPr/>
-          </a:p>
-          <a:p>
-            <a:r>
-              <a:rPr lang="en-US"/>
-              <a:t>Launch of a new project</a:t>
-            </a:r>
-            <a:endParaRPr/>
-          </a:p>
-          <a:p>
-            <a:r>
-              <a:rPr lang="en-US"/>
-              <a:t>Are there quantifiable objectives / ROI that need to be met?</a:t>
-            </a:r>
-            <a:endParaRPr/>
-          </a:p>
-        </p:txBody>
-      </p:sp>
-      <p:sp>
-        <p:nvSpPr>
-          <p:cNvPr id="299" name="TextShape 2"/>
+              <a:t>Most likely the total bucket of stories will can be categorized into these four buckets. For the purposes of planning the first release, the MMR should be the Must Have bucket.</a:t>
+            </a:r>
+            <a:endParaRPr/>
+          </a:p>
+        </p:txBody>
+      </p:sp>
+      <p:sp>
+        <p:nvSpPr>
+          <p:cNvPr id="307" name="TextShape 2"/>
           <p:cNvSpPr txBox="1"/>
           <p:nvPr/>
         </p:nvSpPr>
@@ -817,13 +1492,14 @@
         </p:spPr>
         <p:txBody>
           <a:bodyPr anchor="b"/>
+          <a:lstStyle/>
           <a:p>
             <a:pPr algn="r">
               <a:lnSpc>
                 <a:spcPct val="100000"/>
               </a:lnSpc>
             </a:pPr>
-            <a:fld id="{991E733F-7B18-4D41-9EBE-3F3CB8131EB6}" type="slidenum">
+            <a:fld id="{1F93DD41-2C0B-4ECD-8F69-09C3101631FB}" type="slidenum">
               <a:rPr lang="en-US" sz="1200">
                 <a:solidFill>
                   <a:srgbClr val="000000"/>
@@ -831,7 +1507,7 @@
                 <a:latin typeface="Arial"/>
                 <a:ea typeface="Arial"/>
               </a:rPr>
-              <a:t>&lt;number&gt;</a:t>
+              <a:t>5</a:t>
             </a:fld>
             <a:endParaRPr/>
           </a:p>
@@ -839,7 +1515,7 @@
       </p:sp>
       <p:sp>
         <p:nvSpPr>
-          <p:cNvPr id="300" name="TextShape 3"/>
+          <p:cNvPr id="308" name="TextShape 3"/>
           <p:cNvSpPr txBox="1"/>
           <p:nvPr/>
         </p:nvSpPr>
@@ -854,14 +1530,15 @@
         </p:spPr>
         <p:txBody>
           <a:bodyPr/>
-          <a:p>
-            <a:endParaRPr/>
-          </a:p>
-        </p:txBody>
-      </p:sp>
-      <p:sp>
-        <p:nvSpPr>
-          <p:cNvPr id="301" name="TextShape 4"/>
+          <a:lstStyle/>
+          <a:p>
+            <a:endParaRPr/>
+          </a:p>
+        </p:txBody>
+      </p:sp>
+      <p:sp>
+        <p:nvSpPr>
+          <p:cNvPr id="309" name="TextShape 4"/>
           <p:cNvSpPr txBox="1"/>
           <p:nvPr/>
         </p:nvSpPr>
@@ -876,6 +1553,7 @@
         </p:spPr>
         <p:txBody>
           <a:bodyPr anchor="b"/>
+          <a:lstStyle/>
           <a:p>
             <a:pPr>
               <a:lnSpc>
@@ -897,12 +1575,20 @@
         </p:txBody>
       </p:sp>
     </p:spTree>
+    <p:extLst>
+      <p:ext uri="{BB962C8B-B14F-4D97-AF65-F5344CB8AC3E}">
+        <p14:creationId xmlns:p14="http://schemas.microsoft.com/office/powerpoint/2010/main" val="1625326317"/>
+      </p:ext>
+    </p:extLst>
   </p:cSld>
+  <p:clrMapOvr>
+    <a:masterClrMapping/>
+  </p:clrMapOvr>
 </p:notes>
 </file>
 
-<file path=ppt/notesSlides/notesSlide4.xml><?xml version="1.0" encoding="utf-8"?>
-<p:notes xmlns:a="http://schemas.openxmlformats.org/drawingml/2006/main" xmlns:p="http://schemas.openxmlformats.org/presentationml/2006/main" xmlns:r="http://schemas.openxmlformats.org/officeDocument/2006/relationships">
+<file path=ppt/notesSlides/notesSlide6.xml><?xml version="1.0" encoding="utf-8"?>
+<p:notes xmlns:a="http://schemas.openxmlformats.org/drawingml/2006/main" xmlns:r="http://schemas.openxmlformats.org/officeDocument/2006/relationships" xmlns:p="http://schemas.openxmlformats.org/presentationml/2006/main">
   <p:cSld>
     <p:spTree>
       <p:nvGrpSpPr>
@@ -920,7 +1606,7 @@
       </p:grpSpPr>
       <p:sp>
         <p:nvSpPr>
-          <p:cNvPr id="302" name="PlaceHolder 1"/>
+          <p:cNvPr id="310" name="PlaceHolder 1"/>
           <p:cNvSpPr>
             <a:spLocks noGrp="1"/>
           </p:cNvSpPr>
@@ -939,10 +1625,34 @@
         </p:spPr>
         <p:txBody>
           <a:bodyPr/>
+          <a:lstStyle/>
           <a:p>
             <a:r>
               <a:rPr lang="en-US"/>
-              <a:t>We need to understand the:</a:t>
+              <a:t>There are many versions of this approach, but in essence its about laying out the stories so that you can see where the MMF is.</a:t>
+            </a:r>
+            <a:endParaRPr/>
+          </a:p>
+          <a:p>
+            <a:r>
+              <a:rPr lang="en-US"/>
+              <a:t>The next slide shows an example from Jeff Patton</a:t>
+            </a:r>
+            <a:endParaRPr/>
+          </a:p>
+          <a:p>
+            <a:endParaRPr/>
+          </a:p>
+          <a:p>
+            <a:r>
+              <a:rPr lang="en-US" sz="1200">
+                <a:solidFill>
+                  <a:srgbClr val="000000"/>
+                </a:solidFill>
+                <a:latin typeface="+mn-lt"/>
+                <a:ea typeface="+mn-ea"/>
+              </a:rPr>
+              <a:t>When prioritizing stories and building the Release Plan, consider the following:</a:t>
             </a:r>
             <a:endParaRPr/>
           </a:p>
@@ -955,8 +1665,14 @@
               <a:buChar char="•"/>
             </a:pPr>
             <a:r>
-              <a:rPr lang="en-US"/>
-              <a:t>Release success criteria.  Time driven, scope driven, $ driven.</a:t>
+              <a:rPr lang="en-US" sz="1200">
+                <a:solidFill>
+                  <a:srgbClr val="000000"/>
+                </a:solidFill>
+                <a:latin typeface="+mn-lt"/>
+                <a:ea typeface="+mn-ea"/>
+              </a:rPr>
+              <a:t>Business Value – does this contribute to the ROI.  What is the Minimum Marketable Feature set?</a:t>
             </a:r>
             <a:endParaRPr/>
           </a:p>
@@ -969,8 +1685,14 @@
               <a:buChar char="•"/>
             </a:pPr>
             <a:r>
-              <a:rPr lang="en-US"/>
-              <a:t>Development capacity</a:t>
+              <a:rPr lang="en-US" sz="1200">
+                <a:solidFill>
+                  <a:srgbClr val="000000"/>
+                </a:solidFill>
+                <a:latin typeface="+mn-lt"/>
+                <a:ea typeface="+mn-ea"/>
+              </a:rPr>
+              <a:t>Risk – does the item carry either technical or functional risk</a:t>
             </a:r>
             <a:endParaRPr/>
           </a:p>
@@ -983,8 +1705,14 @@
               <a:buChar char="•"/>
             </a:pPr>
             <a:r>
-              <a:rPr lang="en-US"/>
-              <a:t>Constraints  - resource, technical, skill level</a:t>
+              <a:rPr lang="en-US" sz="1200">
+                <a:solidFill>
+                  <a:srgbClr val="000000"/>
+                </a:solidFill>
+                <a:latin typeface="+mn-lt"/>
+                <a:ea typeface="+mn-ea"/>
+              </a:rPr>
+              <a:t>Usage – How often is this feature set used and by how many different roles/personas?  </a:t>
             </a:r>
             <a:endParaRPr/>
           </a:p>
@@ -997,8 +1725,14 @@
               <a:buChar char="•"/>
             </a:pPr>
             <a:r>
-              <a:rPr lang="en-US"/>
-              <a:t>Project dependencies</a:t>
+              <a:rPr lang="en-US" sz="1200">
+                <a:solidFill>
+                  <a:srgbClr val="000000"/>
+                </a:solidFill>
+                <a:latin typeface="+mn-lt"/>
+                <a:ea typeface="+mn-ea"/>
+              </a:rPr>
+              <a:t>Compliance – is the feature set required to avoid possible financial penalties? </a:t>
             </a:r>
             <a:endParaRPr/>
           </a:p>
@@ -1011,8 +1745,14 @@
               <a:buChar char="•"/>
             </a:pPr>
             <a:r>
-              <a:rPr lang="en-US"/>
-              <a:t>A high level application architecture </a:t>
+              <a:rPr lang="en-US" sz="1200">
+                <a:solidFill>
+                  <a:srgbClr val="000000"/>
+                </a:solidFill>
+                <a:latin typeface="+mn-lt"/>
+                <a:ea typeface="+mn-ea"/>
+              </a:rPr>
+              <a:t>Dependencies -  is this feature set dependent on or required by another team?</a:t>
             </a:r>
             <a:endParaRPr/>
           </a:p>
@@ -1025,8 +1765,14 @@
               <a:buChar char="•"/>
             </a:pPr>
             <a:r>
-              <a:rPr lang="en-US"/>
-              <a:t>Non functional or cross functional requirements – all the ‘abilities</a:t>
+              <a:rPr lang="en-US" sz="1200">
+                <a:solidFill>
+                  <a:srgbClr val="000000"/>
+                </a:solidFill>
+                <a:latin typeface="+mn-lt"/>
+                <a:ea typeface="+mn-ea"/>
+              </a:rPr>
+              <a:t>Simplicity – do we need all parts/stories for this feature set?  Or can we go Live with a subset?</a:t>
             </a:r>
             <a:endParaRPr/>
           </a:p>
@@ -1036,193 +1782,13 @@
                 <a:spcPct val="100000"/>
               </a:lnSpc>
             </a:pPr>
-            <a:r>
-              <a:rPr lang="en-US"/>
-              <a:t>----------------------------------------------------------------------------------------------------------</a:t>
-            </a:r>
-            <a:endParaRPr/>
-          </a:p>
-          <a:p>
-            <a:pPr>
-              <a:lnSpc>
-                <a:spcPct val="100000"/>
-              </a:lnSpc>
-            </a:pPr>
-            <a:endParaRPr/>
-          </a:p>
-          <a:p>
-            <a:pPr>
-              <a:lnSpc>
-                <a:spcPct val="100000"/>
-              </a:lnSpc>
-            </a:pPr>
-            <a:endParaRPr/>
-          </a:p>
-          <a:p>
-            <a:pPr>
-              <a:lnSpc>
-                <a:spcPct val="100000"/>
-              </a:lnSpc>
-            </a:pPr>
-            <a:endParaRPr/>
-          </a:p>
-          <a:p>
-            <a:pPr>
-              <a:lnSpc>
-                <a:spcPct val="100000"/>
-              </a:lnSpc>
-            </a:pPr>
-            <a:endParaRPr/>
-          </a:p>
-          <a:p>
-            <a:pPr>
-              <a:lnSpc>
-                <a:spcPct val="100000"/>
-              </a:lnSpc>
-            </a:pPr>
-            <a:r>
-              <a:rPr lang="en-US"/>
-              <a:t>Like most things in an Agile world, release planning is an iterative and adaptable process.  Depending on how the first cut at a release plan may look, more effort may be put into loosening the hold of external constraints (e.g., marketing schedules) or the success criteria for the release may be re-examined (e.g., perhaps another pass through MoSCoW on the story list).</a:t>
-            </a:r>
-            <a:endParaRPr/>
-          </a:p>
-          <a:p>
-            <a:pPr>
-              <a:lnSpc>
-                <a:spcPct val="100000"/>
-              </a:lnSpc>
-            </a:pPr>
-            <a:endParaRPr/>
-          </a:p>
-          <a:p>
-            <a:pPr>
-              <a:lnSpc>
-                <a:spcPct val="100000"/>
-              </a:lnSpc>
-            </a:pPr>
-            <a:r>
-              <a:rPr lang="en-US"/>
-              <a:t>Development Capacity can either be estimated (using a sampling of different story sizes and extrapolating) or determined using a spike iteration.  </a:t>
-            </a:r>
-            <a:endParaRPr/>
-          </a:p>
-          <a:p>
-            <a:pPr>
-              <a:lnSpc>
-                <a:spcPct val="100000"/>
-              </a:lnSpc>
-            </a:pPr>
-            <a:endParaRPr/>
-          </a:p>
-          <a:p>
-            <a:pPr>
-              <a:lnSpc>
-                <a:spcPct val="100000"/>
-              </a:lnSpc>
-            </a:pPr>
-            <a:r>
-              <a:rPr lang="en-US"/>
-              <a:t>The success criteria for the project are probably enumerated across the lines of scope (e.g., “we must have these features at least”), cost (e.g., “we only have budget for $200 of development”) and time (“we need to get something to market before the conference starts”).  </a:t>
-            </a:r>
-            <a:endParaRPr/>
-          </a:p>
-          <a:p>
-            <a:pPr>
-              <a:lnSpc>
-                <a:spcPct val="100000"/>
-              </a:lnSpc>
-            </a:pPr>
-            <a:endParaRPr/>
-          </a:p>
-          <a:p>
-            <a:pPr>
-              <a:lnSpc>
-                <a:spcPct val="100000"/>
-              </a:lnSpc>
-            </a:pPr>
-            <a:r>
-              <a:rPr lang="en-US"/>
-              <a:t>External constraints can have a big influence on the release plan and are often in the shape of project dependencies (i.e., integrating with Application X which only releases each quarter).</a:t>
-            </a:r>
-            <a:endParaRPr/>
-          </a:p>
-          <a:p>
-            <a:pPr>
-              <a:lnSpc>
-                <a:spcPct val="100000"/>
-              </a:lnSpc>
-            </a:pPr>
-            <a:endParaRPr/>
-          </a:p>
-          <a:p>
-            <a:pPr>
-              <a:lnSpc>
-                <a:spcPct val="100000"/>
-              </a:lnSpc>
-            </a:pPr>
-            <a:r>
-              <a:rPr lang="en-US"/>
-              <a:t>A release story wall can be used to show the distribution of stories between releases and between iterations within a release.  Obviously a release plan is a high level artifact, so the expectation should be set to allow considerable movement at this level.</a:t>
-            </a:r>
-            <a:endParaRPr/>
-          </a:p>
-          <a:p>
-            <a:pPr>
-              <a:lnSpc>
-                <a:spcPct val="100000"/>
-              </a:lnSpc>
-            </a:pPr>
-            <a:endParaRPr/>
-          </a:p>
-          <a:p>
-            <a:pPr>
-              <a:lnSpc>
-                <a:spcPct val="100000"/>
-              </a:lnSpc>
-            </a:pPr>
-            <a:r>
-              <a:rPr b="1" lang="en-US">
-                <a:latin typeface="Arial"/>
-              </a:rPr>
-              <a:t>Low: 2 min</a:t>
-            </a:r>
-            <a:endParaRPr/>
-          </a:p>
-          <a:p>
-            <a:pPr>
-              <a:lnSpc>
-                <a:spcPct val="100000"/>
-              </a:lnSpc>
-            </a:pPr>
-            <a:r>
-              <a:rPr b="1" lang="en-US">
-                <a:latin typeface="Arial"/>
-              </a:rPr>
-              <a:t>High: 5 min</a:t>
-            </a:r>
-            <a:endParaRPr/>
-          </a:p>
-          <a:p>
-            <a:pPr>
-              <a:lnSpc>
-                <a:spcPct val="100000"/>
-              </a:lnSpc>
-            </a:pPr>
-            <a:endParaRPr/>
-          </a:p>
-          <a:p>
-            <a:pPr>
-              <a:lnSpc>
-                <a:spcPct val="100000"/>
-              </a:lnSpc>
-            </a:pPr>
-            <a:endParaRPr/>
-          </a:p>
-        </p:txBody>
-      </p:sp>
-      <p:sp>
-        <p:nvSpPr>
-          <p:cNvPr id="303" name="TextShape 2"/>
+            <a:endParaRPr/>
+          </a:p>
+        </p:txBody>
+      </p:sp>
+      <p:sp>
+        <p:nvSpPr>
+          <p:cNvPr id="311" name="TextShape 2"/>
           <p:cNvSpPr txBox="1"/>
           <p:nvPr/>
         </p:nvSpPr>
@@ -1237,13 +1803,14 @@
         </p:spPr>
         <p:txBody>
           <a:bodyPr anchor="b"/>
+          <a:lstStyle/>
           <a:p>
             <a:pPr algn="r">
               <a:lnSpc>
                 <a:spcPct val="100000"/>
               </a:lnSpc>
             </a:pPr>
-            <a:fld id="{FC9D2A28-4CD0-4CB3-BBE1-E21C060A94B9}" type="slidenum">
+            <a:fld id="{37486029-9C7B-44D8-ADEA-5EA6C9DB1B24}" type="slidenum">
               <a:rPr lang="en-US" sz="1200">
                 <a:solidFill>
                   <a:srgbClr val="000000"/>
@@ -1251,7 +1818,7 @@
                 <a:latin typeface="Arial"/>
                 <a:ea typeface="Arial"/>
               </a:rPr>
-              <a:t>&lt;number&gt;</a:t>
+              <a:t>6</a:t>
             </a:fld>
             <a:endParaRPr/>
           </a:p>
@@ -1259,7 +1826,7 @@
       </p:sp>
       <p:sp>
         <p:nvSpPr>
-          <p:cNvPr id="304" name="TextShape 3"/>
+          <p:cNvPr id="312" name="TextShape 3"/>
           <p:cNvSpPr txBox="1"/>
           <p:nvPr/>
         </p:nvSpPr>
@@ -1274,14 +1841,15 @@
         </p:spPr>
         <p:txBody>
           <a:bodyPr/>
-          <a:p>
-            <a:endParaRPr/>
-          </a:p>
-        </p:txBody>
-      </p:sp>
-      <p:sp>
-        <p:nvSpPr>
-          <p:cNvPr id="305" name="TextShape 4"/>
+          <a:lstStyle/>
+          <a:p>
+            <a:endParaRPr/>
+          </a:p>
+        </p:txBody>
+      </p:sp>
+      <p:sp>
+        <p:nvSpPr>
+          <p:cNvPr id="313" name="TextShape 4"/>
           <p:cNvSpPr txBox="1"/>
           <p:nvPr/>
         </p:nvSpPr>
@@ -1296,6 +1864,7 @@
         </p:spPr>
         <p:txBody>
           <a:bodyPr anchor="b"/>
+          <a:lstStyle/>
           <a:p>
             <a:pPr>
               <a:lnSpc>
@@ -1317,12 +1886,20 @@
         </p:txBody>
       </p:sp>
     </p:spTree>
+    <p:extLst>
+      <p:ext uri="{BB962C8B-B14F-4D97-AF65-F5344CB8AC3E}">
+        <p14:creationId xmlns:p14="http://schemas.microsoft.com/office/powerpoint/2010/main" val="867419979"/>
+      </p:ext>
+    </p:extLst>
   </p:cSld>
+  <p:clrMapOvr>
+    <a:masterClrMapping/>
+  </p:clrMapOvr>
 </p:notes>
 </file>
 
-<file path=ppt/notesSlides/notesSlide5.xml><?xml version="1.0" encoding="utf-8"?>
-<p:notes xmlns:a="http://schemas.openxmlformats.org/drawingml/2006/main" xmlns:p="http://schemas.openxmlformats.org/presentationml/2006/main" xmlns:r="http://schemas.openxmlformats.org/officeDocument/2006/relationships">
+<file path=ppt/notesSlides/notesSlide7.xml><?xml version="1.0" encoding="utf-8"?>
+<p:notes xmlns:a="http://schemas.openxmlformats.org/drawingml/2006/main" xmlns:r="http://schemas.openxmlformats.org/officeDocument/2006/relationships" xmlns:p="http://schemas.openxmlformats.org/presentationml/2006/main">
   <p:cSld>
     <p:spTree>
       <p:nvGrpSpPr>
@@ -1340,7 +1917,7 @@
       </p:grpSpPr>
       <p:sp>
         <p:nvSpPr>
-          <p:cNvPr id="306" name="PlaceHolder 1"/>
+          <p:cNvPr id="314" name="PlaceHolder 1"/>
           <p:cNvSpPr>
             <a:spLocks noGrp="1"/>
           </p:cNvSpPr>
@@ -1359,18 +1936,244 @@
         </p:spPr>
         <p:txBody>
           <a:bodyPr/>
-          <a:p>
+          <a:lstStyle/>
+          <a:p>
+            <a:pPr>
+              <a:lnSpc>
+                <a:spcPct val="100000"/>
+              </a:lnSpc>
+              <a:buFont typeface="Arial"/>
+              <a:buChar char="•"/>
+            </a:pPr>
             <a:r>
               <a:rPr lang="en-US"/>
-              <a:t>Most likely the total bucket of stories will can be categorized into these four buckets. For the purposes of planning the first release, the MMR should be the Must Have bucket.</a:t>
-            </a:r>
-            <a:endParaRPr/>
-          </a:p>
-        </p:txBody>
-      </p:sp>
-      <p:sp>
-        <p:nvSpPr>
-          <p:cNvPr id="307" name="TextShape 2"/>
+              <a:t>Another type of requirement that has to be captured on all projects is the NFR.</a:t>
+            </a:r>
+            <a:endParaRPr/>
+          </a:p>
+          <a:p>
+            <a:pPr>
+              <a:lnSpc>
+                <a:spcPct val="100000"/>
+              </a:lnSpc>
+              <a:buFont typeface="Arial"/>
+              <a:buChar char="•"/>
+            </a:pPr>
+            <a:r>
+              <a:rPr lang="en-US"/>
+              <a:t>We all know what these are. They creep up on us near the end.</a:t>
+            </a:r>
+            <a:endParaRPr/>
+          </a:p>
+          <a:p>
+            <a:pPr>
+              <a:lnSpc>
+                <a:spcPct val="100000"/>
+              </a:lnSpc>
+              <a:buFont typeface="Arial"/>
+              <a:buChar char="•"/>
+            </a:pPr>
+            <a:r>
+              <a:rPr lang="en-US"/>
+              <a:t>Execution qualities of a system – security, usability</a:t>
+            </a:r>
+            <a:endParaRPr/>
+          </a:p>
+          <a:p>
+            <a:pPr>
+              <a:lnSpc>
+                <a:spcPct val="100000"/>
+              </a:lnSpc>
+              <a:buFont typeface="Arial"/>
+              <a:buChar char="•"/>
+            </a:pPr>
+            <a:r>
+              <a:rPr lang="en-US"/>
+              <a:t>Evolution qualities – testability, extensibility, scalability</a:t>
+            </a:r>
+            <a:endParaRPr/>
+          </a:p>
+          <a:p>
+            <a:pPr>
+              <a:lnSpc>
+                <a:spcPct val="100000"/>
+              </a:lnSpc>
+              <a:buFont typeface="Arial"/>
+              <a:buChar char="•"/>
+            </a:pPr>
+            <a:r>
+              <a:rPr lang="en-US"/>
+              <a:t>NFRs are typically technical or usage based and usually follow policy or documented guidelines</a:t>
+            </a:r>
+            <a:endParaRPr/>
+          </a:p>
+          <a:p>
+            <a:pPr>
+              <a:lnSpc>
+                <a:spcPct val="100000"/>
+              </a:lnSpc>
+              <a:buFont typeface="Arial"/>
+              <a:buChar char="•"/>
+            </a:pPr>
+            <a:r>
+              <a:rPr lang="en-US"/>
+              <a:t>Make them cards.</a:t>
+            </a:r>
+            <a:endParaRPr/>
+          </a:p>
+          <a:p>
+            <a:pPr>
+              <a:lnSpc>
+                <a:spcPct val="100000"/>
+              </a:lnSpc>
+              <a:buFont typeface="Arial"/>
+              <a:buChar char="•"/>
+            </a:pPr>
+            <a:r>
+              <a:rPr lang="en-US"/>
+              <a:t>Its work you have to do.</a:t>
+            </a:r>
+            <a:endParaRPr/>
+          </a:p>
+          <a:p>
+            <a:pPr>
+              <a:lnSpc>
+                <a:spcPct val="100000"/>
+              </a:lnSpc>
+            </a:pPr>
+            <a:endParaRPr/>
+          </a:p>
+          <a:p>
+            <a:pPr>
+              <a:lnSpc>
+                <a:spcPct val="100000"/>
+              </a:lnSpc>
+              <a:buFont typeface="Arial"/>
+              <a:buChar char="•"/>
+            </a:pPr>
+            <a:r>
+              <a:rPr lang="en-US"/>
+              <a:t>HAVE SOME DISCUSSION HERE as to what you can do about these.</a:t>
+            </a:r>
+            <a:endParaRPr/>
+          </a:p>
+          <a:p>
+            <a:pPr>
+              <a:lnSpc>
+                <a:spcPct val="100000"/>
+              </a:lnSpc>
+            </a:pPr>
+            <a:endParaRPr/>
+          </a:p>
+          <a:p>
+            <a:pPr>
+              <a:lnSpc>
+                <a:spcPct val="100000"/>
+              </a:lnSpc>
+            </a:pPr>
+            <a:r>
+              <a:rPr lang="en-US"/>
+              <a:t>Technique- </a:t>
+            </a:r>
+            <a:endParaRPr/>
+          </a:p>
+          <a:p>
+            <a:pPr>
+              <a:lnSpc>
+                <a:spcPct val="100000"/>
+              </a:lnSpc>
+            </a:pPr>
+            <a:r>
+              <a:rPr lang="en-US"/>
+              <a:t>Send out a questionnaire first for folks to do their homework.</a:t>
+            </a:r>
+            <a:endParaRPr/>
+          </a:p>
+          <a:p>
+            <a:pPr>
+              <a:lnSpc>
+                <a:spcPct val="100000"/>
+              </a:lnSpc>
+            </a:pPr>
+            <a:r>
+              <a:rPr lang="en-US"/>
+              <a:t>How many transactions/users/countries/whatever?  </a:t>
+            </a:r>
+            <a:endParaRPr/>
+          </a:p>
+          <a:p>
+            <a:pPr>
+              <a:lnSpc>
+                <a:spcPct val="100000"/>
+              </a:lnSpc>
+            </a:pPr>
+            <a:r>
+              <a:rPr lang="en-US"/>
+              <a:t>Response time?  </a:t>
+            </a:r>
+            <a:endParaRPr/>
+          </a:p>
+          <a:p>
+            <a:pPr>
+              <a:lnSpc>
+                <a:spcPct val="100000"/>
+              </a:lnSpc>
+            </a:pPr>
+            <a:r>
+              <a:rPr lang="en-US"/>
+              <a:t>What platforms?</a:t>
+            </a:r>
+            <a:endParaRPr/>
+          </a:p>
+          <a:p>
+            <a:pPr>
+              <a:lnSpc>
+                <a:spcPct val="100000"/>
+              </a:lnSpc>
+            </a:pPr>
+            <a:r>
+              <a:rPr lang="en-US"/>
+              <a:t>Compliance </a:t>
+            </a:r>
+            <a:endParaRPr/>
+          </a:p>
+          <a:p>
+            <a:pPr>
+              <a:lnSpc>
+                <a:spcPct val="100000"/>
+              </a:lnSpc>
+            </a:pPr>
+            <a:endParaRPr/>
+          </a:p>
+          <a:p>
+            <a:pPr>
+              <a:lnSpc>
+                <a:spcPct val="100000"/>
+              </a:lnSpc>
+            </a:pPr>
+            <a:r>
+              <a:rPr lang="en-US"/>
+              <a:t>Low: 5min</a:t>
+            </a:r>
+            <a:endParaRPr/>
+          </a:p>
+          <a:p>
+            <a:pPr>
+              <a:lnSpc>
+                <a:spcPct val="100000"/>
+              </a:lnSpc>
+            </a:pPr>
+            <a:r>
+              <a:rPr lang="en-US"/>
+              <a:t>High: 15min</a:t>
+            </a:r>
+            <a:endParaRPr/>
+          </a:p>
+        </p:txBody>
+      </p:sp>
+      <p:sp>
+        <p:nvSpPr>
+          <p:cNvPr id="315" name="TextShape 2"/>
           <p:cNvSpPr txBox="1"/>
           <p:nvPr/>
         </p:nvSpPr>
@@ -1385,13 +2188,14 @@
         </p:spPr>
         <p:txBody>
           <a:bodyPr anchor="b"/>
+          <a:lstStyle/>
           <a:p>
             <a:pPr algn="r">
               <a:lnSpc>
                 <a:spcPct val="100000"/>
               </a:lnSpc>
             </a:pPr>
-            <a:fld id="{1F93DD41-2C0B-4ECD-8F69-09C3101631FB}" type="slidenum">
+            <a:fld id="{6D6C6AAF-1F50-454E-9179-6482E121BA84}" type="slidenum">
               <a:rPr lang="en-US" sz="1200">
                 <a:solidFill>
                   <a:srgbClr val="000000"/>
@@ -1399,7 +2203,7 @@
                 <a:latin typeface="Arial"/>
                 <a:ea typeface="Arial"/>
               </a:rPr>
-              <a:t>&lt;number&gt;</a:t>
+              <a:t>8</a:t>
             </a:fld>
             <a:endParaRPr/>
           </a:p>
@@ -1407,7 +2211,7 @@
       </p:sp>
       <p:sp>
         <p:nvSpPr>
-          <p:cNvPr id="308" name="TextShape 3"/>
+          <p:cNvPr id="316" name="TextShape 3"/>
           <p:cNvSpPr txBox="1"/>
           <p:nvPr/>
         </p:nvSpPr>
@@ -1422,14 +2226,15 @@
         </p:spPr>
         <p:txBody>
           <a:bodyPr/>
-          <a:p>
-            <a:endParaRPr/>
-          </a:p>
-        </p:txBody>
-      </p:sp>
-      <p:sp>
-        <p:nvSpPr>
-          <p:cNvPr id="309" name="TextShape 4"/>
+          <a:lstStyle/>
+          <a:p>
+            <a:endParaRPr/>
+          </a:p>
+        </p:txBody>
+      </p:sp>
+      <p:sp>
+        <p:nvSpPr>
+          <p:cNvPr id="317" name="TextShape 4"/>
           <p:cNvSpPr txBox="1"/>
           <p:nvPr/>
         </p:nvSpPr>
@@ -1444,6 +2249,7 @@
         </p:spPr>
         <p:txBody>
           <a:bodyPr anchor="b"/>
+          <a:lstStyle/>
           <a:p>
             <a:pPr>
               <a:lnSpc>
@@ -1465,12 +2271,20 @@
         </p:txBody>
       </p:sp>
     </p:spTree>
+    <p:extLst>
+      <p:ext uri="{BB962C8B-B14F-4D97-AF65-F5344CB8AC3E}">
+        <p14:creationId xmlns:p14="http://schemas.microsoft.com/office/powerpoint/2010/main" val="920952036"/>
+      </p:ext>
+    </p:extLst>
   </p:cSld>
+  <p:clrMapOvr>
+    <a:masterClrMapping/>
+  </p:clrMapOvr>
 </p:notes>
 </file>
 
-<file path=ppt/notesSlides/notesSlide6.xml><?xml version="1.0" encoding="utf-8"?>
-<p:notes xmlns:a="http://schemas.openxmlformats.org/drawingml/2006/main" xmlns:p="http://schemas.openxmlformats.org/presentationml/2006/main" xmlns:r="http://schemas.openxmlformats.org/officeDocument/2006/relationships">
+<file path=ppt/notesSlides/notesSlide8.xml><?xml version="1.0" encoding="utf-8"?>
+<p:notes xmlns:a="http://schemas.openxmlformats.org/drawingml/2006/main" xmlns:r="http://schemas.openxmlformats.org/officeDocument/2006/relationships" xmlns:p="http://schemas.openxmlformats.org/presentationml/2006/main">
   <p:cSld>
     <p:spTree>
       <p:nvGrpSpPr>
@@ -1488,7 +2302,7 @@
       </p:grpSpPr>
       <p:sp>
         <p:nvSpPr>
-          <p:cNvPr id="310" name="PlaceHolder 1"/>
+          <p:cNvPr id="318" name="PlaceHolder 1"/>
           <p:cNvSpPr>
             <a:spLocks noGrp="1"/>
           </p:cNvSpPr>
@@ -1507,169 +2321,15 @@
         </p:spPr>
         <p:txBody>
           <a:bodyPr/>
-          <a:p>
-            <a:r>
-              <a:rPr lang="en-US"/>
-              <a:t>There are many versions of this approach, but in essence its about laying out the stories so that you can see where the MMF is.</a:t>
-            </a:r>
-            <a:endParaRPr/>
-          </a:p>
-          <a:p>
-            <a:r>
-              <a:rPr lang="en-US"/>
-              <a:t>The next slide shows an example from Jeff Patton</a:t>
-            </a:r>
-            <a:endParaRPr/>
-          </a:p>
-          <a:p>
-            <a:endParaRPr/>
-          </a:p>
-          <a:p>
-            <a:r>
-              <a:rPr lang="en-US" sz="1200">
-                <a:solidFill>
-                  <a:srgbClr val="000000"/>
-                </a:solidFill>
-                <a:latin typeface="+mn-lt"/>
-                <a:ea typeface="+mn-ea"/>
-              </a:rPr>
-              <a:t>When prioritizing stories and building the Release Plan, consider the following:</a:t>
-            </a:r>
-            <a:endParaRPr/>
-          </a:p>
-          <a:p>
-            <a:pPr>
-              <a:lnSpc>
-                <a:spcPct val="100000"/>
-              </a:lnSpc>
-              <a:buFont typeface="Arial"/>
-              <a:buChar char="•"/>
-            </a:pPr>
-            <a:r>
-              <a:rPr lang="en-US" sz="1200">
-                <a:solidFill>
-                  <a:srgbClr val="000000"/>
-                </a:solidFill>
-                <a:latin typeface="+mn-lt"/>
-                <a:ea typeface="+mn-ea"/>
-              </a:rPr>
-              <a:t>Business Value – does this contribute to the ROI.  What is the Minimum Marketable Feature set?</a:t>
-            </a:r>
-            <a:endParaRPr/>
-          </a:p>
-          <a:p>
-            <a:pPr>
-              <a:lnSpc>
-                <a:spcPct val="100000"/>
-              </a:lnSpc>
-              <a:buFont typeface="Arial"/>
-              <a:buChar char="•"/>
-            </a:pPr>
-            <a:r>
-              <a:rPr lang="en-US" sz="1200">
-                <a:solidFill>
-                  <a:srgbClr val="000000"/>
-                </a:solidFill>
-                <a:latin typeface="+mn-lt"/>
-                <a:ea typeface="+mn-ea"/>
-              </a:rPr>
-              <a:t>Risk – does the item carry either technical or functional risk</a:t>
-            </a:r>
-            <a:endParaRPr/>
-          </a:p>
-          <a:p>
-            <a:pPr>
-              <a:lnSpc>
-                <a:spcPct val="100000"/>
-              </a:lnSpc>
-              <a:buFont typeface="Arial"/>
-              <a:buChar char="•"/>
-            </a:pPr>
-            <a:r>
-              <a:rPr lang="en-US" sz="1200">
-                <a:solidFill>
-                  <a:srgbClr val="000000"/>
-                </a:solidFill>
-                <a:latin typeface="+mn-lt"/>
-                <a:ea typeface="+mn-ea"/>
-              </a:rPr>
-              <a:t>Usage – How often is this feature set used and by how many different roles/personas?  </a:t>
-            </a:r>
-            <a:endParaRPr/>
-          </a:p>
-          <a:p>
-            <a:pPr>
-              <a:lnSpc>
-                <a:spcPct val="100000"/>
-              </a:lnSpc>
-              <a:buFont typeface="Arial"/>
-              <a:buChar char="•"/>
-            </a:pPr>
-            <a:r>
-              <a:rPr lang="en-US" sz="1200">
-                <a:solidFill>
-                  <a:srgbClr val="000000"/>
-                </a:solidFill>
-                <a:latin typeface="+mn-lt"/>
-                <a:ea typeface="+mn-ea"/>
-              </a:rPr>
-              <a:t>Compliance – is the feature set required to avoid possible financial penalties? </a:t>
-            </a:r>
-            <a:endParaRPr/>
-          </a:p>
-          <a:p>
-            <a:pPr>
-              <a:lnSpc>
-                <a:spcPct val="100000"/>
-              </a:lnSpc>
-              <a:buFont typeface="Arial"/>
-              <a:buChar char="•"/>
-            </a:pPr>
-            <a:r>
-              <a:rPr lang="en-US" sz="1200">
-                <a:solidFill>
-                  <a:srgbClr val="000000"/>
-                </a:solidFill>
-                <a:latin typeface="+mn-lt"/>
-                <a:ea typeface="+mn-ea"/>
-              </a:rPr>
-              <a:t>Dependencies -  is this feature set dependent on or required by another team?</a:t>
-            </a:r>
-            <a:endParaRPr/>
-          </a:p>
-          <a:p>
-            <a:pPr>
-              <a:lnSpc>
-                <a:spcPct val="100000"/>
-              </a:lnSpc>
-              <a:buFont typeface="Arial"/>
-              <a:buChar char="•"/>
-            </a:pPr>
-            <a:r>
-              <a:rPr lang="en-US" sz="1200">
-                <a:solidFill>
-                  <a:srgbClr val="000000"/>
-                </a:solidFill>
-                <a:latin typeface="+mn-lt"/>
-                <a:ea typeface="+mn-ea"/>
-              </a:rPr>
-              <a:t>Simplicity – do we need all parts/stories for this feature set?  Or can we go Live with a subset?</a:t>
-            </a:r>
-            <a:endParaRPr/>
-          </a:p>
-          <a:p>
-            <a:pPr>
-              <a:lnSpc>
-                <a:spcPct val="100000"/>
-              </a:lnSpc>
-            </a:pPr>
-            <a:endParaRPr/>
-          </a:p>
-        </p:txBody>
-      </p:sp>
-      <p:sp>
-        <p:nvSpPr>
-          <p:cNvPr id="311" name="TextShape 2"/>
+          <a:lstStyle/>
+          <a:p>
+            <a:endParaRPr/>
+          </a:p>
+        </p:txBody>
+      </p:sp>
+      <p:sp>
+        <p:nvSpPr>
+          <p:cNvPr id="319" name="TextShape 2"/>
           <p:cNvSpPr txBox="1"/>
           <p:nvPr/>
         </p:nvSpPr>
@@ -1684,13 +2344,14 @@
         </p:spPr>
         <p:txBody>
           <a:bodyPr anchor="b"/>
+          <a:lstStyle/>
           <a:p>
             <a:pPr algn="r">
               <a:lnSpc>
                 <a:spcPct val="100000"/>
               </a:lnSpc>
             </a:pPr>
-            <a:fld id="{37486029-9C7B-44D8-ADEA-5EA6C9DB1B24}" type="slidenum">
+            <a:fld id="{6E006ACC-55B6-41A0-8DE6-5FBC15E46EBF}" type="slidenum">
               <a:rPr lang="en-US" sz="1200">
                 <a:solidFill>
                   <a:srgbClr val="000000"/>
@@ -1698,7 +2359,7 @@
                 <a:latin typeface="Arial"/>
                 <a:ea typeface="Arial"/>
               </a:rPr>
-              <a:t>&lt;number&gt;</a:t>
+              <a:t>9</a:t>
             </a:fld>
             <a:endParaRPr/>
           </a:p>
@@ -1706,7 +2367,7 @@
       </p:sp>
       <p:sp>
         <p:nvSpPr>
-          <p:cNvPr id="312" name="TextShape 3"/>
+          <p:cNvPr id="320" name="TextShape 3"/>
           <p:cNvSpPr txBox="1"/>
           <p:nvPr/>
         </p:nvSpPr>
@@ -1721,14 +2382,15 @@
         </p:spPr>
         <p:txBody>
           <a:bodyPr/>
-          <a:p>
-            <a:endParaRPr/>
-          </a:p>
-        </p:txBody>
-      </p:sp>
-      <p:sp>
-        <p:nvSpPr>
-          <p:cNvPr id="313" name="TextShape 4"/>
+          <a:lstStyle/>
+          <a:p>
+            <a:endParaRPr/>
+          </a:p>
+        </p:txBody>
+      </p:sp>
+      <p:sp>
+        <p:nvSpPr>
+          <p:cNvPr id="321" name="TextShape 4"/>
           <p:cNvSpPr txBox="1"/>
           <p:nvPr/>
         </p:nvSpPr>
@@ -1743,6 +2405,7 @@
         </p:spPr>
         <p:txBody>
           <a:bodyPr anchor="b"/>
+          <a:lstStyle/>
           <a:p>
             <a:pPr>
               <a:lnSpc>
@@ -1764,12 +2427,20 @@
         </p:txBody>
       </p:sp>
     </p:spTree>
+    <p:extLst>
+      <p:ext uri="{BB962C8B-B14F-4D97-AF65-F5344CB8AC3E}">
+        <p14:creationId xmlns:p14="http://schemas.microsoft.com/office/powerpoint/2010/main" val="1526225123"/>
+      </p:ext>
+    </p:extLst>
   </p:cSld>
+  <p:clrMapOvr>
+    <a:masterClrMapping/>
+  </p:clrMapOvr>
 </p:notes>
 </file>
 
-<file path=ppt/notesSlides/notesSlide8.xml><?xml version="1.0" encoding="utf-8"?>
-<p:notes xmlns:a="http://schemas.openxmlformats.org/drawingml/2006/main" xmlns:p="http://schemas.openxmlformats.org/presentationml/2006/main" xmlns:r="http://schemas.openxmlformats.org/officeDocument/2006/relationships">
+<file path=ppt/notesSlides/notesSlide9.xml><?xml version="1.0" encoding="utf-8"?>
+<p:notes xmlns:a="http://schemas.openxmlformats.org/drawingml/2006/main" xmlns:r="http://schemas.openxmlformats.org/officeDocument/2006/relationships" xmlns:p="http://schemas.openxmlformats.org/presentationml/2006/main">
   <p:cSld>
     <p:spTree>
       <p:nvGrpSpPr>
@@ -1787,7 +2458,7 @@
       </p:grpSpPr>
       <p:sp>
         <p:nvSpPr>
-          <p:cNvPr id="314" name="PlaceHolder 1"/>
+          <p:cNvPr id="322" name="PlaceHolder 1"/>
           <p:cNvSpPr>
             <a:spLocks noGrp="1"/>
           </p:cNvSpPr>
@@ -1806,243 +2477,15 @@
         </p:spPr>
         <p:txBody>
           <a:bodyPr/>
-          <a:p>
-            <a:pPr>
-              <a:lnSpc>
-                <a:spcPct val="100000"/>
-              </a:lnSpc>
-              <a:buFont typeface="Arial"/>
-              <a:buChar char="•"/>
-            </a:pPr>
-            <a:r>
-              <a:rPr lang="en-US"/>
-              <a:t>Another type of requirement that has to be captured on all projects is the NFR.</a:t>
-            </a:r>
-            <a:endParaRPr/>
-          </a:p>
-          <a:p>
-            <a:pPr>
-              <a:lnSpc>
-                <a:spcPct val="100000"/>
-              </a:lnSpc>
-              <a:buFont typeface="Arial"/>
-              <a:buChar char="•"/>
-            </a:pPr>
-            <a:r>
-              <a:rPr lang="en-US"/>
-              <a:t>We all know what these are. They creep up on us near the end.</a:t>
-            </a:r>
-            <a:endParaRPr/>
-          </a:p>
-          <a:p>
-            <a:pPr>
-              <a:lnSpc>
-                <a:spcPct val="100000"/>
-              </a:lnSpc>
-              <a:buFont typeface="Arial"/>
-              <a:buChar char="•"/>
-            </a:pPr>
-            <a:r>
-              <a:rPr lang="en-US"/>
-              <a:t>Execution qualities of a system – security, usability</a:t>
-            </a:r>
-            <a:endParaRPr/>
-          </a:p>
-          <a:p>
-            <a:pPr>
-              <a:lnSpc>
-                <a:spcPct val="100000"/>
-              </a:lnSpc>
-              <a:buFont typeface="Arial"/>
-              <a:buChar char="•"/>
-            </a:pPr>
-            <a:r>
-              <a:rPr lang="en-US"/>
-              <a:t>Evolution qualities – testability, extensibility, scalability</a:t>
-            </a:r>
-            <a:endParaRPr/>
-          </a:p>
-          <a:p>
-            <a:pPr>
-              <a:lnSpc>
-                <a:spcPct val="100000"/>
-              </a:lnSpc>
-              <a:buFont typeface="Arial"/>
-              <a:buChar char="•"/>
-            </a:pPr>
-            <a:r>
-              <a:rPr lang="en-US"/>
-              <a:t>NFRs are typically technical or usage based and usually follow policy or documented guidelines</a:t>
-            </a:r>
-            <a:endParaRPr/>
-          </a:p>
-          <a:p>
-            <a:pPr>
-              <a:lnSpc>
-                <a:spcPct val="100000"/>
-              </a:lnSpc>
-              <a:buFont typeface="Arial"/>
-              <a:buChar char="•"/>
-            </a:pPr>
-            <a:r>
-              <a:rPr lang="en-US"/>
-              <a:t>Make them cards.</a:t>
-            </a:r>
-            <a:endParaRPr/>
-          </a:p>
-          <a:p>
-            <a:pPr>
-              <a:lnSpc>
-                <a:spcPct val="100000"/>
-              </a:lnSpc>
-              <a:buFont typeface="Arial"/>
-              <a:buChar char="•"/>
-            </a:pPr>
-            <a:r>
-              <a:rPr lang="en-US"/>
-              <a:t>Its work you have to do.</a:t>
-            </a:r>
-            <a:endParaRPr/>
-          </a:p>
-          <a:p>
-            <a:pPr>
-              <a:lnSpc>
-                <a:spcPct val="100000"/>
-              </a:lnSpc>
-            </a:pPr>
-            <a:endParaRPr/>
-          </a:p>
-          <a:p>
-            <a:pPr>
-              <a:lnSpc>
-                <a:spcPct val="100000"/>
-              </a:lnSpc>
-              <a:buFont typeface="Arial"/>
-              <a:buChar char="•"/>
-            </a:pPr>
-            <a:r>
-              <a:rPr lang="en-US"/>
-              <a:t>HAVE SOME DISCUSSION HERE as to what you can do about these.</a:t>
-            </a:r>
-            <a:endParaRPr/>
-          </a:p>
-          <a:p>
-            <a:pPr>
-              <a:lnSpc>
-                <a:spcPct val="100000"/>
-              </a:lnSpc>
-            </a:pPr>
-            <a:endParaRPr/>
-          </a:p>
-          <a:p>
-            <a:pPr>
-              <a:lnSpc>
-                <a:spcPct val="100000"/>
-              </a:lnSpc>
-            </a:pPr>
-            <a:r>
-              <a:rPr lang="en-US"/>
-              <a:t>Technique- </a:t>
-            </a:r>
-            <a:endParaRPr/>
-          </a:p>
-          <a:p>
-            <a:pPr>
-              <a:lnSpc>
-                <a:spcPct val="100000"/>
-              </a:lnSpc>
-            </a:pPr>
-            <a:r>
-              <a:rPr lang="en-US"/>
-              <a:t>Send out a questionnaire first for folks to do their homework.</a:t>
-            </a:r>
-            <a:endParaRPr/>
-          </a:p>
-          <a:p>
-            <a:pPr>
-              <a:lnSpc>
-                <a:spcPct val="100000"/>
-              </a:lnSpc>
-            </a:pPr>
-            <a:r>
-              <a:rPr lang="en-US"/>
-              <a:t>How many transactions/users/countries/whatever?  </a:t>
-            </a:r>
-            <a:endParaRPr/>
-          </a:p>
-          <a:p>
-            <a:pPr>
-              <a:lnSpc>
-                <a:spcPct val="100000"/>
-              </a:lnSpc>
-            </a:pPr>
-            <a:r>
-              <a:rPr lang="en-US"/>
-              <a:t>Response time?  </a:t>
-            </a:r>
-            <a:endParaRPr/>
-          </a:p>
-          <a:p>
-            <a:pPr>
-              <a:lnSpc>
-                <a:spcPct val="100000"/>
-              </a:lnSpc>
-            </a:pPr>
-            <a:r>
-              <a:rPr lang="en-US"/>
-              <a:t>What platforms?</a:t>
-            </a:r>
-            <a:endParaRPr/>
-          </a:p>
-          <a:p>
-            <a:pPr>
-              <a:lnSpc>
-                <a:spcPct val="100000"/>
-              </a:lnSpc>
-            </a:pPr>
-            <a:r>
-              <a:rPr lang="en-US"/>
-              <a:t>Compliance </a:t>
-            </a:r>
-            <a:endParaRPr/>
-          </a:p>
-          <a:p>
-            <a:pPr>
-              <a:lnSpc>
-                <a:spcPct val="100000"/>
-              </a:lnSpc>
-            </a:pPr>
-            <a:endParaRPr/>
-          </a:p>
-          <a:p>
-            <a:pPr>
-              <a:lnSpc>
-                <a:spcPct val="100000"/>
-              </a:lnSpc>
-            </a:pPr>
-            <a:r>
-              <a:rPr lang="en-US"/>
-              <a:t>Low: 5min</a:t>
-            </a:r>
-            <a:endParaRPr/>
-          </a:p>
-          <a:p>
-            <a:pPr>
-              <a:lnSpc>
-                <a:spcPct val="100000"/>
-              </a:lnSpc>
-            </a:pPr>
-            <a:r>
-              <a:rPr lang="en-US"/>
-              <a:t>High: 15min</a:t>
-            </a:r>
-            <a:endParaRPr/>
-          </a:p>
-        </p:txBody>
-      </p:sp>
-      <p:sp>
-        <p:nvSpPr>
-          <p:cNvPr id="315" name="TextShape 2"/>
+          <a:lstStyle/>
+          <a:p>
+            <a:endParaRPr/>
+          </a:p>
+        </p:txBody>
+      </p:sp>
+      <p:sp>
+        <p:nvSpPr>
+          <p:cNvPr id="323" name="TextShape 2"/>
           <p:cNvSpPr txBox="1"/>
           <p:nvPr/>
         </p:nvSpPr>
@@ -2057,13 +2500,14 @@
         </p:spPr>
         <p:txBody>
           <a:bodyPr anchor="b"/>
+          <a:lstStyle/>
           <a:p>
             <a:pPr algn="r">
               <a:lnSpc>
                 <a:spcPct val="100000"/>
               </a:lnSpc>
             </a:pPr>
-            <a:fld id="{6D6C6AAF-1F50-454E-9179-6482E121BA84}" type="slidenum">
+            <a:fld id="{FC395E1D-8095-4330-B670-FF0CCBDC517F}" type="slidenum">
               <a:rPr lang="en-US" sz="1200">
                 <a:solidFill>
                   <a:srgbClr val="000000"/>
@@ -2071,7 +2515,7 @@
                 <a:latin typeface="Arial"/>
                 <a:ea typeface="Arial"/>
               </a:rPr>
-              <a:t>&lt;number&gt;</a:t>
+              <a:t>11</a:t>
             </a:fld>
             <a:endParaRPr/>
           </a:p>
@@ -2079,7 +2523,7 @@
       </p:sp>
       <p:sp>
         <p:nvSpPr>
-          <p:cNvPr id="316" name="TextShape 3"/>
+          <p:cNvPr id="324" name="TextShape 3"/>
           <p:cNvSpPr txBox="1"/>
           <p:nvPr/>
         </p:nvSpPr>
@@ -2094,14 +2538,15 @@
         </p:spPr>
         <p:txBody>
           <a:bodyPr/>
-          <a:p>
-            <a:endParaRPr/>
-          </a:p>
-        </p:txBody>
-      </p:sp>
-      <p:sp>
-        <p:nvSpPr>
-          <p:cNvPr id="317" name="TextShape 4"/>
+          <a:lstStyle/>
+          <a:p>
+            <a:endParaRPr/>
+          </a:p>
+        </p:txBody>
+      </p:sp>
+      <p:sp>
+        <p:nvSpPr>
+          <p:cNvPr id="325" name="TextShape 4"/>
           <p:cNvSpPr txBox="1"/>
           <p:nvPr/>
         </p:nvSpPr>
@@ -2116,6 +2561,7 @@
         </p:spPr>
         <p:txBody>
           <a:bodyPr anchor="b"/>
+          <a:lstStyle/>
           <a:p>
             <a:pPr>
               <a:lnSpc>
@@ -2137,156 +2583,20 @@
         </p:txBody>
       </p:sp>
     </p:spTree>
+    <p:extLst>
+      <p:ext uri="{BB962C8B-B14F-4D97-AF65-F5344CB8AC3E}">
+        <p14:creationId xmlns:p14="http://schemas.microsoft.com/office/powerpoint/2010/main" val="1720962493"/>
+      </p:ext>
+    </p:extLst>
   </p:cSld>
-</p:notes>
-</file>
-
-<file path=ppt/notesSlides/notesSlide9.xml><?xml version="1.0" encoding="utf-8"?>
-<p:notes xmlns:a="http://schemas.openxmlformats.org/drawingml/2006/main" xmlns:p="http://schemas.openxmlformats.org/presentationml/2006/main" xmlns:r="http://schemas.openxmlformats.org/officeDocument/2006/relationships">
-  <p:cSld>
-    <p:spTree>
-      <p:nvGrpSpPr>
-        <p:cNvPr id="1" name=""/>
-        <p:cNvGrpSpPr/>
-        <p:nvPr/>
-      </p:nvGrpSpPr>
-      <p:grpSpPr>
-        <a:xfrm>
-          <a:off x="0" y="0"/>
-          <a:ext cx="0" cy="0"/>
-          <a:chOff x="0" y="0"/>
-          <a:chExt cx="0" cy="0"/>
-        </a:xfrm>
-      </p:grpSpPr>
-      <p:sp>
-        <p:nvSpPr>
-          <p:cNvPr id="318" name="PlaceHolder 1"/>
-          <p:cNvSpPr>
-            <a:spLocks noGrp="1"/>
-          </p:cNvSpPr>
-          <p:nvPr>
-            <p:ph type="body"/>
-          </p:nvPr>
-        </p:nvSpPr>
-        <p:spPr>
-          <a:xfrm>
-            <a:off x="685800" y="4343400"/>
-            <a:ext cx="5486040" cy="4114440"/>
-          </a:xfrm>
-          <a:prstGeom prst="rect">
-            <a:avLst/>
-          </a:prstGeom>
-        </p:spPr>
-        <p:txBody>
-          <a:bodyPr/>
-          <a:p>
-            <a:endParaRPr/>
-          </a:p>
-        </p:txBody>
-      </p:sp>
-      <p:sp>
-        <p:nvSpPr>
-          <p:cNvPr id="319" name="TextShape 2"/>
-          <p:cNvSpPr txBox="1"/>
-          <p:nvPr/>
-        </p:nvSpPr>
-        <p:spPr>
-          <a:xfrm>
-            <a:off x="3884760" y="8685360"/>
-            <a:ext cx="2971440" cy="456840"/>
-          </a:xfrm>
-          <a:prstGeom prst="rect">
-            <a:avLst/>
-          </a:prstGeom>
-        </p:spPr>
-        <p:txBody>
-          <a:bodyPr anchor="b"/>
-          <a:p>
-            <a:pPr algn="r">
-              <a:lnSpc>
-                <a:spcPct val="100000"/>
-              </a:lnSpc>
-            </a:pPr>
-            <a:fld id="{6E006ACC-55B6-41A0-8DE6-5FBC15E46EBF}" type="slidenum">
-              <a:rPr lang="en-US" sz="1200">
-                <a:solidFill>
-                  <a:srgbClr val="000000"/>
-                </a:solidFill>
-                <a:latin typeface="Arial"/>
-                <a:ea typeface="Arial"/>
-              </a:rPr>
-              <a:t>&lt;number&gt;</a:t>
-            </a:fld>
-            <a:endParaRPr/>
-          </a:p>
-        </p:txBody>
-      </p:sp>
-      <p:sp>
-        <p:nvSpPr>
-          <p:cNvPr id="320" name="TextShape 3"/>
-          <p:cNvSpPr txBox="1"/>
-          <p:nvPr/>
-        </p:nvSpPr>
-        <p:spPr>
-          <a:xfrm>
-            <a:off x="3884760" y="0"/>
-            <a:ext cx="2971440" cy="456840"/>
-          </a:xfrm>
-          <a:prstGeom prst="rect">
-            <a:avLst/>
-          </a:prstGeom>
-        </p:spPr>
-        <p:txBody>
-          <a:bodyPr/>
-          <a:p>
-            <a:endParaRPr/>
-          </a:p>
-        </p:txBody>
-      </p:sp>
-      <p:sp>
-        <p:nvSpPr>
-          <p:cNvPr id="321" name="TextShape 4"/>
-          <p:cNvSpPr txBox="1"/>
-          <p:nvPr/>
-        </p:nvSpPr>
-        <p:spPr>
-          <a:xfrm>
-            <a:off x="0" y="8685360"/>
-            <a:ext cx="2971440" cy="456840"/>
-          </a:xfrm>
-          <a:prstGeom prst="rect">
-            <a:avLst/>
-          </a:prstGeom>
-        </p:spPr>
-        <p:txBody>
-          <a:bodyPr anchor="b"/>
-          <a:p>
-            <a:pPr>
-              <a:lnSpc>
-                <a:spcPct val="100000"/>
-              </a:lnSpc>
-            </a:pPr>
-            <a:r>
-              <a:rPr lang="en-US" sz="1200">
-                <a:solidFill>
-                  <a:srgbClr val="000000"/>
-                </a:solidFill>
-                <a:latin typeface="Arial"/>
-                <a:ea typeface="Arial"/>
-              </a:rPr>
-              <a:t>Release and Iteration Planning</a:t>
-            </a:r>
-            <a:endParaRPr/>
-          </a:p>
-        </p:txBody>
-      </p:sp>
-    </p:spTree>
-  </p:cSld>
+  <p:clrMapOvr>
+    <a:masterClrMapping/>
+  </p:clrMapOvr>
 </p:notes>
 </file>
 
 <file path=ppt/slideLayouts/slideLayout1.xml><?xml version="1.0" encoding="utf-8"?>
-<p:sldLayout xmlns:a="http://schemas.openxmlformats.org/drawingml/2006/main" xmlns:p="http://schemas.openxmlformats.org/presentationml/2006/main" xmlns:r="http://schemas.openxmlformats.org/officeDocument/2006/relationships" preserve="1" type="blank">
+<p:sldLayout xmlns:a="http://schemas.openxmlformats.org/drawingml/2006/main" xmlns:r="http://schemas.openxmlformats.org/officeDocument/2006/relationships" xmlns:p="http://schemas.openxmlformats.org/presentationml/2006/main" type="blank" preserve="1">
   <p:cSld name="Blank Slide">
     <p:spTree>
       <p:nvGrpSpPr>
@@ -2304,11 +2614,14 @@
       </p:grpSpPr>
     </p:spTree>
   </p:cSld>
+  <p:clrMapOvr>
+    <a:masterClrMapping/>
+  </p:clrMapOvr>
 </p:sldLayout>
 </file>
 
 <file path=ppt/slideLayouts/slideLayout10.xml><?xml version="1.0" encoding="utf-8"?>
-<p:sldLayout xmlns:a="http://schemas.openxmlformats.org/drawingml/2006/main" xmlns:p="http://schemas.openxmlformats.org/presentationml/2006/main" xmlns:r="http://schemas.openxmlformats.org/officeDocument/2006/relationships" preserve="1" type="objOverTx">
+<p:sldLayout xmlns:a="http://schemas.openxmlformats.org/drawingml/2006/main" xmlns:r="http://schemas.openxmlformats.org/officeDocument/2006/relationships" xmlns:p="http://schemas.openxmlformats.org/presentationml/2006/main" type="objOverTx" preserve="1">
   <p:cSld name="Title, Content over Content">
     <p:spTree>
       <p:nvGrpSpPr>
@@ -2344,7 +2657,8 @@
           </a:prstGeom>
         </p:spPr>
         <p:txBody>
-          <a:bodyPr anchor="ctr" bIns="0" lIns="0" rIns="0" tIns="0" wrap="none"/>
+          <a:bodyPr wrap="none" lIns="0" tIns="0" rIns="0" bIns="0" anchor="ctr"/>
+          <a:lstStyle/>
           <a:p>
             <a:endParaRPr/>
           </a:p>
@@ -2370,7 +2684,8 @@
           </a:prstGeom>
         </p:spPr>
         <p:txBody>
-          <a:bodyPr bIns="0" lIns="0" rIns="0" tIns="0" wrap="none"/>
+          <a:bodyPr wrap="none" lIns="0" tIns="0" rIns="0" bIns="0"/>
+          <a:lstStyle/>
           <a:p>
             <a:endParaRPr/>
           </a:p>
@@ -2396,7 +2711,8 @@
           </a:prstGeom>
         </p:spPr>
         <p:txBody>
-          <a:bodyPr bIns="0" lIns="0" rIns="0" tIns="0" wrap="none"/>
+          <a:bodyPr wrap="none" lIns="0" tIns="0" rIns="0" bIns="0"/>
+          <a:lstStyle/>
           <a:p>
             <a:endParaRPr/>
           </a:p>
@@ -2404,11 +2720,14 @@
       </p:sp>
     </p:spTree>
   </p:cSld>
+  <p:clrMapOvr>
+    <a:masterClrMapping/>
+  </p:clrMapOvr>
 </p:sldLayout>
 </file>
 
 <file path=ppt/slideLayouts/slideLayout11.xml><?xml version="1.0" encoding="utf-8"?>
-<p:sldLayout xmlns:a="http://schemas.openxmlformats.org/drawingml/2006/main" xmlns:p="http://schemas.openxmlformats.org/presentationml/2006/main" xmlns:r="http://schemas.openxmlformats.org/officeDocument/2006/relationships" preserve="1" type="fourObj">
+<p:sldLayout xmlns:a="http://schemas.openxmlformats.org/drawingml/2006/main" xmlns:r="http://schemas.openxmlformats.org/officeDocument/2006/relationships" xmlns:p="http://schemas.openxmlformats.org/presentationml/2006/main" type="fourObj" preserve="1">
   <p:cSld name="Title, 4 Content">
     <p:spTree>
       <p:nvGrpSpPr>
@@ -2444,7 +2763,8 @@
           </a:prstGeom>
         </p:spPr>
         <p:txBody>
-          <a:bodyPr anchor="ctr" bIns="0" lIns="0" rIns="0" tIns="0" wrap="none"/>
+          <a:bodyPr wrap="none" lIns="0" tIns="0" rIns="0" bIns="0" anchor="ctr"/>
+          <a:lstStyle/>
           <a:p>
             <a:endParaRPr/>
           </a:p>
@@ -2470,7 +2790,8 @@
           </a:prstGeom>
         </p:spPr>
         <p:txBody>
-          <a:bodyPr bIns="0" lIns="0" rIns="0" tIns="0" wrap="none"/>
+          <a:bodyPr wrap="none" lIns="0" tIns="0" rIns="0" bIns="0"/>
+          <a:lstStyle/>
           <a:p>
             <a:endParaRPr/>
           </a:p>
@@ -2496,7 +2817,8 @@
           </a:prstGeom>
         </p:spPr>
         <p:txBody>
-          <a:bodyPr bIns="0" lIns="0" rIns="0" tIns="0" wrap="none"/>
+          <a:bodyPr wrap="none" lIns="0" tIns="0" rIns="0" bIns="0"/>
+          <a:lstStyle/>
           <a:p>
             <a:endParaRPr/>
           </a:p>
@@ -2522,7 +2844,8 @@
           </a:prstGeom>
         </p:spPr>
         <p:txBody>
-          <a:bodyPr bIns="0" lIns="0" rIns="0" tIns="0" wrap="none"/>
+          <a:bodyPr wrap="none" lIns="0" tIns="0" rIns="0" bIns="0"/>
+          <a:lstStyle/>
           <a:p>
             <a:endParaRPr/>
           </a:p>
@@ -2548,7 +2871,8 @@
           </a:prstGeom>
         </p:spPr>
         <p:txBody>
-          <a:bodyPr bIns="0" lIns="0" rIns="0" tIns="0" wrap="none"/>
+          <a:bodyPr wrap="none" lIns="0" tIns="0" rIns="0" bIns="0"/>
+          <a:lstStyle/>
           <a:p>
             <a:endParaRPr/>
           </a:p>
@@ -2556,11 +2880,14 @@
       </p:sp>
     </p:spTree>
   </p:cSld>
+  <p:clrMapOvr>
+    <a:masterClrMapping/>
+  </p:clrMapOvr>
 </p:sldLayout>
 </file>
 
 <file path=ppt/slideLayouts/slideLayout12.xml><?xml version="1.0" encoding="utf-8"?>
-<p:sldLayout xmlns:a="http://schemas.openxmlformats.org/drawingml/2006/main" xmlns:p="http://schemas.openxmlformats.org/presentationml/2006/main" xmlns:r="http://schemas.openxmlformats.org/officeDocument/2006/relationships" preserve="1" type="blank">
+<p:sldLayout xmlns:a="http://schemas.openxmlformats.org/drawingml/2006/main" xmlns:r="http://schemas.openxmlformats.org/officeDocument/2006/relationships" xmlns:p="http://schemas.openxmlformats.org/presentationml/2006/main" type="blank" preserve="1">
   <p:cSld name="Title, 6 Content">
     <p:spTree>
       <p:nvGrpSpPr>
@@ -2596,7 +2923,8 @@
           </a:prstGeom>
         </p:spPr>
         <p:txBody>
-          <a:bodyPr anchor="ctr" bIns="0" lIns="0" rIns="0" tIns="0" wrap="none"/>
+          <a:bodyPr wrap="none" lIns="0" tIns="0" rIns="0" bIns="0" anchor="ctr"/>
+          <a:lstStyle/>
           <a:p>
             <a:endParaRPr/>
           </a:p>
@@ -2622,7 +2950,8 @@
           </a:prstGeom>
         </p:spPr>
         <p:txBody>
-          <a:bodyPr bIns="0" lIns="0" rIns="0" tIns="0" wrap="none"/>
+          <a:bodyPr wrap="none" lIns="0" tIns="0" rIns="0" bIns="0"/>
+          <a:lstStyle/>
           <a:p>
             <a:endParaRPr/>
           </a:p>
@@ -2648,7 +2977,8 @@
           </a:prstGeom>
         </p:spPr>
         <p:txBody>
-          <a:bodyPr bIns="0" lIns="0" rIns="0" tIns="0" wrap="none"/>
+          <a:bodyPr wrap="none" lIns="0" tIns="0" rIns="0" bIns="0"/>
+          <a:lstStyle/>
           <a:p>
             <a:endParaRPr/>
           </a:p>
@@ -2656,7 +2986,7 @@
       </p:sp>
       <p:pic>
         <p:nvPicPr>
-          <p:cNvPr descr="" id="36" name=""/>
+          <p:cNvPr id="36" name="Picture 35"/>
           <p:cNvPicPr/>
           <p:nvPr/>
         </p:nvPicPr>
@@ -2681,12 +3011,12 @@
       </p:pic>
       <p:pic>
         <p:nvPicPr>
-          <p:cNvPr descr="" id="37" name=""/>
+          <p:cNvPr id="37" name="Picture 36"/>
           <p:cNvPicPr/>
           <p:nvPr/>
         </p:nvPicPr>
         <p:blipFill>
-          <a:blip r:embed="rId3"/>
+          <a:blip r:embed="rId2"/>
           <a:stretch>
             <a:fillRect/>
           </a:stretch>
@@ -2706,11 +3036,14 @@
       </p:pic>
     </p:spTree>
   </p:cSld>
+  <p:clrMapOvr>
+    <a:masterClrMapping/>
+  </p:clrMapOvr>
 </p:sldLayout>
 </file>
 
 <file path=ppt/slideLayouts/slideLayout13.xml><?xml version="1.0" encoding="utf-8"?>
-<p:sldLayout xmlns:a="http://schemas.openxmlformats.org/drawingml/2006/main" xmlns:p="http://schemas.openxmlformats.org/presentationml/2006/main" xmlns:r="http://schemas.openxmlformats.org/officeDocument/2006/relationships" preserve="1" type="blank">
+<p:sldLayout xmlns:a="http://schemas.openxmlformats.org/drawingml/2006/main" xmlns:r="http://schemas.openxmlformats.org/officeDocument/2006/relationships" xmlns:p="http://schemas.openxmlformats.org/presentationml/2006/main" type="blank" preserve="1">
   <p:cSld name="Blank Slide">
     <p:spTree>
       <p:nvGrpSpPr>
@@ -2728,11 +3061,14 @@
       </p:grpSpPr>
     </p:spTree>
   </p:cSld>
+  <p:clrMapOvr>
+    <a:masterClrMapping/>
+  </p:clrMapOvr>
 </p:sldLayout>
 </file>
 
 <file path=ppt/slideLayouts/slideLayout14.xml><?xml version="1.0" encoding="utf-8"?>
-<p:sldLayout xmlns:a="http://schemas.openxmlformats.org/drawingml/2006/main" xmlns:p="http://schemas.openxmlformats.org/presentationml/2006/main" xmlns:r="http://schemas.openxmlformats.org/officeDocument/2006/relationships" preserve="1" type="tx">
+<p:sldLayout xmlns:a="http://schemas.openxmlformats.org/drawingml/2006/main" xmlns:r="http://schemas.openxmlformats.org/officeDocument/2006/relationships" xmlns:p="http://schemas.openxmlformats.org/presentationml/2006/main" type="tx" preserve="1">
   <p:cSld name="Title Slide">
     <p:spTree>
       <p:nvGrpSpPr>
@@ -2768,7 +3104,8 @@
           </a:prstGeom>
         </p:spPr>
         <p:txBody>
-          <a:bodyPr anchor="ctr" bIns="0" lIns="0" rIns="0" tIns="0" wrap="none"/>
+          <a:bodyPr wrap="none" lIns="0" tIns="0" rIns="0" bIns="0" anchor="ctr"/>
+          <a:lstStyle/>
           <a:p>
             <a:endParaRPr/>
           </a:p>
@@ -2794,7 +3131,8 @@
           </a:prstGeom>
         </p:spPr>
         <p:txBody>
-          <a:bodyPr anchor="ctr" bIns="0" lIns="0" rIns="0" tIns="0" wrap="none"/>
+          <a:bodyPr wrap="none" lIns="0" tIns="0" rIns="0" bIns="0" anchor="ctr"/>
+          <a:lstStyle/>
           <a:p>
             <a:pPr algn="ctr"/>
             <a:endParaRPr/>
@@ -2803,11 +3141,14 @@
       </p:sp>
     </p:spTree>
   </p:cSld>
+  <p:clrMapOvr>
+    <a:masterClrMapping/>
+  </p:clrMapOvr>
 </p:sldLayout>
 </file>
 
 <file path=ppt/slideLayouts/slideLayout15.xml><?xml version="1.0" encoding="utf-8"?>
-<p:sldLayout xmlns:a="http://schemas.openxmlformats.org/drawingml/2006/main" xmlns:p="http://schemas.openxmlformats.org/presentationml/2006/main" xmlns:r="http://schemas.openxmlformats.org/officeDocument/2006/relationships" preserve="1" type="obj">
+<p:sldLayout xmlns:a="http://schemas.openxmlformats.org/drawingml/2006/main" xmlns:r="http://schemas.openxmlformats.org/officeDocument/2006/relationships" xmlns:p="http://schemas.openxmlformats.org/presentationml/2006/main" type="obj" preserve="1">
   <p:cSld name="Title, Content">
     <p:spTree>
       <p:nvGrpSpPr>
@@ -2843,7 +3184,8 @@
           </a:prstGeom>
         </p:spPr>
         <p:txBody>
-          <a:bodyPr anchor="ctr" bIns="0" lIns="0" rIns="0" tIns="0" wrap="none"/>
+          <a:bodyPr wrap="none" lIns="0" tIns="0" rIns="0" bIns="0" anchor="ctr"/>
+          <a:lstStyle/>
           <a:p>
             <a:endParaRPr/>
           </a:p>
@@ -2869,7 +3211,8 @@
           </a:prstGeom>
         </p:spPr>
         <p:txBody>
-          <a:bodyPr bIns="0" lIns="0" rIns="0" tIns="0" wrap="none"/>
+          <a:bodyPr wrap="none" lIns="0" tIns="0" rIns="0" bIns="0"/>
+          <a:lstStyle/>
           <a:p>
             <a:endParaRPr/>
           </a:p>
@@ -2877,11 +3220,14 @@
       </p:sp>
     </p:spTree>
   </p:cSld>
+  <p:clrMapOvr>
+    <a:masterClrMapping/>
+  </p:clrMapOvr>
 </p:sldLayout>
 </file>
 
 <file path=ppt/slideLayouts/slideLayout16.xml><?xml version="1.0" encoding="utf-8"?>
-<p:sldLayout xmlns:a="http://schemas.openxmlformats.org/drawingml/2006/main" xmlns:p="http://schemas.openxmlformats.org/presentationml/2006/main" xmlns:r="http://schemas.openxmlformats.org/officeDocument/2006/relationships" preserve="1" type="twoObj">
+<p:sldLayout xmlns:a="http://schemas.openxmlformats.org/drawingml/2006/main" xmlns:r="http://schemas.openxmlformats.org/officeDocument/2006/relationships" xmlns:p="http://schemas.openxmlformats.org/presentationml/2006/main" type="twoObj" preserve="1">
   <p:cSld name="Title, 2 Content">
     <p:spTree>
       <p:nvGrpSpPr>
@@ -2917,7 +3263,8 @@
           </a:prstGeom>
         </p:spPr>
         <p:txBody>
-          <a:bodyPr anchor="ctr" bIns="0" lIns="0" rIns="0" tIns="0" wrap="none"/>
+          <a:bodyPr wrap="none" lIns="0" tIns="0" rIns="0" bIns="0" anchor="ctr"/>
+          <a:lstStyle/>
           <a:p>
             <a:endParaRPr/>
           </a:p>
@@ -2943,7 +3290,8 @@
           </a:prstGeom>
         </p:spPr>
         <p:txBody>
-          <a:bodyPr bIns="0" lIns="0" rIns="0" tIns="0" wrap="none"/>
+          <a:bodyPr wrap="none" lIns="0" tIns="0" rIns="0" bIns="0"/>
+          <a:lstStyle/>
           <a:p>
             <a:endParaRPr/>
           </a:p>
@@ -2969,7 +3317,8 @@
           </a:prstGeom>
         </p:spPr>
         <p:txBody>
-          <a:bodyPr bIns="0" lIns="0" rIns="0" tIns="0" wrap="none"/>
+          <a:bodyPr wrap="none" lIns="0" tIns="0" rIns="0" bIns="0"/>
+          <a:lstStyle/>
           <a:p>
             <a:endParaRPr/>
           </a:p>
@@ -2977,11 +3326,14 @@
       </p:sp>
     </p:spTree>
   </p:cSld>
+  <p:clrMapOvr>
+    <a:masterClrMapping/>
+  </p:clrMapOvr>
 </p:sldLayout>
 </file>
 
 <file path=ppt/slideLayouts/slideLayout17.xml><?xml version="1.0" encoding="utf-8"?>
-<p:sldLayout xmlns:a="http://schemas.openxmlformats.org/drawingml/2006/main" xmlns:p="http://schemas.openxmlformats.org/presentationml/2006/main" xmlns:r="http://schemas.openxmlformats.org/officeDocument/2006/relationships" preserve="1" type="titleOnly">
+<p:sldLayout xmlns:a="http://schemas.openxmlformats.org/drawingml/2006/main" xmlns:r="http://schemas.openxmlformats.org/officeDocument/2006/relationships" xmlns:p="http://schemas.openxmlformats.org/presentationml/2006/main" type="titleOnly" preserve="1">
   <p:cSld name="Title Only">
     <p:spTree>
       <p:nvGrpSpPr>
@@ -3017,7 +3369,8 @@
           </a:prstGeom>
         </p:spPr>
         <p:txBody>
-          <a:bodyPr anchor="ctr" bIns="0" lIns="0" rIns="0" tIns="0" wrap="none"/>
+          <a:bodyPr wrap="none" lIns="0" tIns="0" rIns="0" bIns="0" anchor="ctr"/>
+          <a:lstStyle/>
           <a:p>
             <a:endParaRPr/>
           </a:p>
@@ -3025,11 +3378,14 @@
       </p:sp>
     </p:spTree>
   </p:cSld>
+  <p:clrMapOvr>
+    <a:masterClrMapping/>
+  </p:clrMapOvr>
 </p:sldLayout>
 </file>
 
 <file path=ppt/slideLayouts/slideLayout18.xml><?xml version="1.0" encoding="utf-8"?>
-<p:sldLayout xmlns:a="http://schemas.openxmlformats.org/drawingml/2006/main" xmlns:p="http://schemas.openxmlformats.org/presentationml/2006/main" xmlns:r="http://schemas.openxmlformats.org/officeDocument/2006/relationships" preserve="1" type="objOnly">
+<p:sldLayout xmlns:a="http://schemas.openxmlformats.org/drawingml/2006/main" xmlns:r="http://schemas.openxmlformats.org/officeDocument/2006/relationships" xmlns:p="http://schemas.openxmlformats.org/presentationml/2006/main" type="objOnly" preserve="1">
   <p:cSld name="Centered Text">
     <p:spTree>
       <p:nvGrpSpPr>
@@ -3065,7 +3421,8 @@
           </a:prstGeom>
         </p:spPr>
         <p:txBody>
-          <a:bodyPr anchor="ctr" bIns="0" lIns="0" rIns="0" tIns="0" wrap="none"/>
+          <a:bodyPr wrap="none" lIns="0" tIns="0" rIns="0" bIns="0" anchor="ctr"/>
+          <a:lstStyle/>
           <a:p>
             <a:pPr algn="ctr"/>
             <a:endParaRPr/>
@@ -3074,11 +3431,14 @@
       </p:sp>
     </p:spTree>
   </p:cSld>
+  <p:clrMapOvr>
+    <a:masterClrMapping/>
+  </p:clrMapOvr>
 </p:sldLayout>
 </file>
 
 <file path=ppt/slideLayouts/slideLayout19.xml><?xml version="1.0" encoding="utf-8"?>
-<p:sldLayout xmlns:a="http://schemas.openxmlformats.org/drawingml/2006/main" xmlns:p="http://schemas.openxmlformats.org/presentationml/2006/main" xmlns:r="http://schemas.openxmlformats.org/officeDocument/2006/relationships" preserve="1" type="twoObjAndObj">
+<p:sldLayout xmlns:a="http://schemas.openxmlformats.org/drawingml/2006/main" xmlns:r="http://schemas.openxmlformats.org/officeDocument/2006/relationships" xmlns:p="http://schemas.openxmlformats.org/presentationml/2006/main" type="twoObjAndObj" preserve="1">
   <p:cSld name="Title, 2 Content and Content">
     <p:spTree>
       <p:nvGrpSpPr>
@@ -3114,7 +3474,8 @@
           </a:prstGeom>
         </p:spPr>
         <p:txBody>
-          <a:bodyPr anchor="ctr" bIns="0" lIns="0" rIns="0" tIns="0" wrap="none"/>
+          <a:bodyPr wrap="none" lIns="0" tIns="0" rIns="0" bIns="0" anchor="ctr"/>
+          <a:lstStyle/>
           <a:p>
             <a:endParaRPr/>
           </a:p>
@@ -3140,7 +3501,8 @@
           </a:prstGeom>
         </p:spPr>
         <p:txBody>
-          <a:bodyPr bIns="0" lIns="0" rIns="0" tIns="0" wrap="none"/>
+          <a:bodyPr wrap="none" lIns="0" tIns="0" rIns="0" bIns="0"/>
+          <a:lstStyle/>
           <a:p>
             <a:endParaRPr/>
           </a:p>
@@ -3166,7 +3528,8 @@
           </a:prstGeom>
         </p:spPr>
         <p:txBody>
-          <a:bodyPr bIns="0" lIns="0" rIns="0" tIns="0" wrap="none"/>
+          <a:bodyPr wrap="none" lIns="0" tIns="0" rIns="0" bIns="0"/>
+          <a:lstStyle/>
           <a:p>
             <a:endParaRPr/>
           </a:p>
@@ -3192,7 +3555,8 @@
           </a:prstGeom>
         </p:spPr>
         <p:txBody>
-          <a:bodyPr bIns="0" lIns="0" rIns="0" tIns="0" wrap="none"/>
+          <a:bodyPr wrap="none" lIns="0" tIns="0" rIns="0" bIns="0"/>
+          <a:lstStyle/>
           <a:p>
             <a:endParaRPr/>
           </a:p>
@@ -3200,11 +3564,14 @@
       </p:sp>
     </p:spTree>
   </p:cSld>
+  <p:clrMapOvr>
+    <a:masterClrMapping/>
+  </p:clrMapOvr>
 </p:sldLayout>
 </file>
 
 <file path=ppt/slideLayouts/slideLayout2.xml><?xml version="1.0" encoding="utf-8"?>
-<p:sldLayout xmlns:a="http://schemas.openxmlformats.org/drawingml/2006/main" xmlns:p="http://schemas.openxmlformats.org/presentationml/2006/main" xmlns:r="http://schemas.openxmlformats.org/officeDocument/2006/relationships" preserve="1" type="tx">
+<p:sldLayout xmlns:a="http://schemas.openxmlformats.org/drawingml/2006/main" xmlns:r="http://schemas.openxmlformats.org/officeDocument/2006/relationships" xmlns:p="http://schemas.openxmlformats.org/presentationml/2006/main" type="tx" preserve="1">
   <p:cSld name="Title Slide">
     <p:spTree>
       <p:nvGrpSpPr>
@@ -3240,7 +3607,8 @@
           </a:prstGeom>
         </p:spPr>
         <p:txBody>
-          <a:bodyPr anchor="ctr" bIns="0" lIns="0" rIns="0" tIns="0" wrap="none"/>
+          <a:bodyPr wrap="none" lIns="0" tIns="0" rIns="0" bIns="0" anchor="ctr"/>
+          <a:lstStyle/>
           <a:p>
             <a:endParaRPr/>
           </a:p>
@@ -3266,7 +3634,8 @@
           </a:prstGeom>
         </p:spPr>
         <p:txBody>
-          <a:bodyPr anchor="ctr" bIns="0" lIns="0" rIns="0" tIns="0" wrap="none"/>
+          <a:bodyPr wrap="none" lIns="0" tIns="0" rIns="0" bIns="0" anchor="ctr"/>
+          <a:lstStyle/>
           <a:p>
             <a:pPr algn="ctr"/>
             <a:endParaRPr/>
@@ -3275,11 +3644,14 @@
       </p:sp>
     </p:spTree>
   </p:cSld>
+  <p:clrMapOvr>
+    <a:masterClrMapping/>
+  </p:clrMapOvr>
 </p:sldLayout>
 </file>
 
 <file path=ppt/slideLayouts/slideLayout20.xml><?xml version="1.0" encoding="utf-8"?>
-<p:sldLayout xmlns:a="http://schemas.openxmlformats.org/drawingml/2006/main" xmlns:p="http://schemas.openxmlformats.org/presentationml/2006/main" xmlns:r="http://schemas.openxmlformats.org/officeDocument/2006/relationships" preserve="1" type="objAndTwoObj">
+<p:sldLayout xmlns:a="http://schemas.openxmlformats.org/drawingml/2006/main" xmlns:r="http://schemas.openxmlformats.org/officeDocument/2006/relationships" xmlns:p="http://schemas.openxmlformats.org/presentationml/2006/main" type="objAndTwoObj" preserve="1">
   <p:cSld name="Title Content and 2 Content">
     <p:spTree>
       <p:nvGrpSpPr>
@@ -3315,7 +3687,8 @@
           </a:prstGeom>
         </p:spPr>
         <p:txBody>
-          <a:bodyPr anchor="ctr" bIns="0" lIns="0" rIns="0" tIns="0" wrap="none"/>
+          <a:bodyPr wrap="none" lIns="0" tIns="0" rIns="0" bIns="0" anchor="ctr"/>
+          <a:lstStyle/>
           <a:p>
             <a:endParaRPr/>
           </a:p>
@@ -3341,7 +3714,8 @@
           </a:prstGeom>
         </p:spPr>
         <p:txBody>
-          <a:bodyPr bIns="0" lIns="0" rIns="0" tIns="0" wrap="none"/>
+          <a:bodyPr wrap="none" lIns="0" tIns="0" rIns="0" bIns="0"/>
+          <a:lstStyle/>
           <a:p>
             <a:endParaRPr/>
           </a:p>
@@ -3367,7 +3741,8 @@
           </a:prstGeom>
         </p:spPr>
         <p:txBody>
-          <a:bodyPr bIns="0" lIns="0" rIns="0" tIns="0" wrap="none"/>
+          <a:bodyPr wrap="none" lIns="0" tIns="0" rIns="0" bIns="0"/>
+          <a:lstStyle/>
           <a:p>
             <a:endParaRPr/>
           </a:p>
@@ -3393,7 +3768,8 @@
           </a:prstGeom>
         </p:spPr>
         <p:txBody>
-          <a:bodyPr bIns="0" lIns="0" rIns="0" tIns="0" wrap="none"/>
+          <a:bodyPr wrap="none" lIns="0" tIns="0" rIns="0" bIns="0"/>
+          <a:lstStyle/>
           <a:p>
             <a:endParaRPr/>
           </a:p>
@@ -3401,11 +3777,14 @@
       </p:sp>
     </p:spTree>
   </p:cSld>
+  <p:clrMapOvr>
+    <a:masterClrMapping/>
+  </p:clrMapOvr>
 </p:sldLayout>
 </file>
 
 <file path=ppt/slideLayouts/slideLayout21.xml><?xml version="1.0" encoding="utf-8"?>
-<p:sldLayout xmlns:a="http://schemas.openxmlformats.org/drawingml/2006/main" xmlns:p="http://schemas.openxmlformats.org/presentationml/2006/main" xmlns:r="http://schemas.openxmlformats.org/officeDocument/2006/relationships" preserve="1" type="twoObjOverTx">
+<p:sldLayout xmlns:a="http://schemas.openxmlformats.org/drawingml/2006/main" xmlns:r="http://schemas.openxmlformats.org/officeDocument/2006/relationships" xmlns:p="http://schemas.openxmlformats.org/presentationml/2006/main" type="twoObjOverTx" preserve="1">
   <p:cSld name="Title, 2 Content over Content">
     <p:spTree>
       <p:nvGrpSpPr>
@@ -3441,7 +3820,8 @@
           </a:prstGeom>
         </p:spPr>
         <p:txBody>
-          <a:bodyPr anchor="ctr" bIns="0" lIns="0" rIns="0" tIns="0" wrap="none"/>
+          <a:bodyPr wrap="none" lIns="0" tIns="0" rIns="0" bIns="0" anchor="ctr"/>
+          <a:lstStyle/>
           <a:p>
             <a:endParaRPr/>
           </a:p>
@@ -3467,7 +3847,8 @@
           </a:prstGeom>
         </p:spPr>
         <p:txBody>
-          <a:bodyPr bIns="0" lIns="0" rIns="0" tIns="0" wrap="none"/>
+          <a:bodyPr wrap="none" lIns="0" tIns="0" rIns="0" bIns="0"/>
+          <a:lstStyle/>
           <a:p>
             <a:endParaRPr/>
           </a:p>
@@ -3493,7 +3874,8 @@
           </a:prstGeom>
         </p:spPr>
         <p:txBody>
-          <a:bodyPr bIns="0" lIns="0" rIns="0" tIns="0" wrap="none"/>
+          <a:bodyPr wrap="none" lIns="0" tIns="0" rIns="0" bIns="0"/>
+          <a:lstStyle/>
           <a:p>
             <a:endParaRPr/>
           </a:p>
@@ -3519,7 +3901,8 @@
           </a:prstGeom>
         </p:spPr>
         <p:txBody>
-          <a:bodyPr bIns="0" lIns="0" rIns="0" tIns="0" wrap="none"/>
+          <a:bodyPr wrap="none" lIns="0" tIns="0" rIns="0" bIns="0"/>
+          <a:lstStyle/>
           <a:p>
             <a:endParaRPr/>
           </a:p>
@@ -3527,11 +3910,14 @@
       </p:sp>
     </p:spTree>
   </p:cSld>
+  <p:clrMapOvr>
+    <a:masterClrMapping/>
+  </p:clrMapOvr>
 </p:sldLayout>
 </file>
 
 <file path=ppt/slideLayouts/slideLayout22.xml><?xml version="1.0" encoding="utf-8"?>
-<p:sldLayout xmlns:a="http://schemas.openxmlformats.org/drawingml/2006/main" xmlns:p="http://schemas.openxmlformats.org/presentationml/2006/main" xmlns:r="http://schemas.openxmlformats.org/officeDocument/2006/relationships" preserve="1" type="objOverTx">
+<p:sldLayout xmlns:a="http://schemas.openxmlformats.org/drawingml/2006/main" xmlns:r="http://schemas.openxmlformats.org/officeDocument/2006/relationships" xmlns:p="http://schemas.openxmlformats.org/presentationml/2006/main" type="objOverTx" preserve="1">
   <p:cSld name="Title, Content over Content">
     <p:spTree>
       <p:nvGrpSpPr>
@@ -3567,7 +3953,8 @@
           </a:prstGeom>
         </p:spPr>
         <p:txBody>
-          <a:bodyPr anchor="ctr" bIns="0" lIns="0" rIns="0" tIns="0" wrap="none"/>
+          <a:bodyPr wrap="none" lIns="0" tIns="0" rIns="0" bIns="0" anchor="ctr"/>
+          <a:lstStyle/>
           <a:p>
             <a:endParaRPr/>
           </a:p>
@@ -3593,7 +3980,8 @@
           </a:prstGeom>
         </p:spPr>
         <p:txBody>
-          <a:bodyPr bIns="0" lIns="0" rIns="0" tIns="0" wrap="none"/>
+          <a:bodyPr wrap="none" lIns="0" tIns="0" rIns="0" bIns="0"/>
+          <a:lstStyle/>
           <a:p>
             <a:endParaRPr/>
           </a:p>
@@ -3619,7 +4007,8 @@
           </a:prstGeom>
         </p:spPr>
         <p:txBody>
-          <a:bodyPr bIns="0" lIns="0" rIns="0" tIns="0" wrap="none"/>
+          <a:bodyPr wrap="none" lIns="0" tIns="0" rIns="0" bIns="0"/>
+          <a:lstStyle/>
           <a:p>
             <a:endParaRPr/>
           </a:p>
@@ -3627,11 +4016,14 @@
       </p:sp>
     </p:spTree>
   </p:cSld>
+  <p:clrMapOvr>
+    <a:masterClrMapping/>
+  </p:clrMapOvr>
 </p:sldLayout>
 </file>
 
 <file path=ppt/slideLayouts/slideLayout23.xml><?xml version="1.0" encoding="utf-8"?>
-<p:sldLayout xmlns:a="http://schemas.openxmlformats.org/drawingml/2006/main" xmlns:p="http://schemas.openxmlformats.org/presentationml/2006/main" xmlns:r="http://schemas.openxmlformats.org/officeDocument/2006/relationships" preserve="1" type="fourObj">
+<p:sldLayout xmlns:a="http://schemas.openxmlformats.org/drawingml/2006/main" xmlns:r="http://schemas.openxmlformats.org/officeDocument/2006/relationships" xmlns:p="http://schemas.openxmlformats.org/presentationml/2006/main" type="fourObj" preserve="1">
   <p:cSld name="Title, 4 Content">
     <p:spTree>
       <p:nvGrpSpPr>
@@ -3667,7 +4059,8 @@
           </a:prstGeom>
         </p:spPr>
         <p:txBody>
-          <a:bodyPr anchor="ctr" bIns="0" lIns="0" rIns="0" tIns="0" wrap="none"/>
+          <a:bodyPr wrap="none" lIns="0" tIns="0" rIns="0" bIns="0" anchor="ctr"/>
+          <a:lstStyle/>
           <a:p>
             <a:endParaRPr/>
           </a:p>
@@ -3693,7 +4086,8 @@
           </a:prstGeom>
         </p:spPr>
         <p:txBody>
-          <a:bodyPr bIns="0" lIns="0" rIns="0" tIns="0" wrap="none"/>
+          <a:bodyPr wrap="none" lIns="0" tIns="0" rIns="0" bIns="0"/>
+          <a:lstStyle/>
           <a:p>
             <a:endParaRPr/>
           </a:p>
@@ -3719,7 +4113,8 @@
           </a:prstGeom>
         </p:spPr>
         <p:txBody>
-          <a:bodyPr bIns="0" lIns="0" rIns="0" tIns="0" wrap="none"/>
+          <a:bodyPr wrap="none" lIns="0" tIns="0" rIns="0" bIns="0"/>
+          <a:lstStyle/>
           <a:p>
             <a:endParaRPr/>
           </a:p>
@@ -3745,7 +4140,8 @@
           </a:prstGeom>
         </p:spPr>
         <p:txBody>
-          <a:bodyPr bIns="0" lIns="0" rIns="0" tIns="0" wrap="none"/>
+          <a:bodyPr wrap="none" lIns="0" tIns="0" rIns="0" bIns="0"/>
+          <a:lstStyle/>
           <a:p>
             <a:endParaRPr/>
           </a:p>
@@ -3771,7 +4167,8 @@
           </a:prstGeom>
         </p:spPr>
         <p:txBody>
-          <a:bodyPr bIns="0" lIns="0" rIns="0" tIns="0" wrap="none"/>
+          <a:bodyPr wrap="none" lIns="0" tIns="0" rIns="0" bIns="0"/>
+          <a:lstStyle/>
           <a:p>
             <a:endParaRPr/>
           </a:p>
@@ -3779,11 +4176,14 @@
       </p:sp>
     </p:spTree>
   </p:cSld>
+  <p:clrMapOvr>
+    <a:masterClrMapping/>
+  </p:clrMapOvr>
 </p:sldLayout>
 </file>
 
 <file path=ppt/slideLayouts/slideLayout24.xml><?xml version="1.0" encoding="utf-8"?>
-<p:sldLayout xmlns:a="http://schemas.openxmlformats.org/drawingml/2006/main" xmlns:p="http://schemas.openxmlformats.org/presentationml/2006/main" xmlns:r="http://schemas.openxmlformats.org/officeDocument/2006/relationships" preserve="1" type="blank">
+<p:sldLayout xmlns:a="http://schemas.openxmlformats.org/drawingml/2006/main" xmlns:r="http://schemas.openxmlformats.org/officeDocument/2006/relationships" xmlns:p="http://schemas.openxmlformats.org/presentationml/2006/main" type="blank" preserve="1">
   <p:cSld name="Title, 6 Content">
     <p:spTree>
       <p:nvGrpSpPr>
@@ -3819,7 +4219,8 @@
           </a:prstGeom>
         </p:spPr>
         <p:txBody>
-          <a:bodyPr anchor="ctr" bIns="0" lIns="0" rIns="0" tIns="0" wrap="none"/>
+          <a:bodyPr wrap="none" lIns="0" tIns="0" rIns="0" bIns="0" anchor="ctr"/>
+          <a:lstStyle/>
           <a:p>
             <a:endParaRPr/>
           </a:p>
@@ -3845,7 +4246,8 @@
           </a:prstGeom>
         </p:spPr>
         <p:txBody>
-          <a:bodyPr bIns="0" lIns="0" rIns="0" tIns="0" wrap="none"/>
+          <a:bodyPr wrap="none" lIns="0" tIns="0" rIns="0" bIns="0"/>
+          <a:lstStyle/>
           <a:p>
             <a:endParaRPr/>
           </a:p>
@@ -3871,7 +4273,8 @@
           </a:prstGeom>
         </p:spPr>
         <p:txBody>
-          <a:bodyPr bIns="0" lIns="0" rIns="0" tIns="0" wrap="none"/>
+          <a:bodyPr wrap="none" lIns="0" tIns="0" rIns="0" bIns="0"/>
+          <a:lstStyle/>
           <a:p>
             <a:endParaRPr/>
           </a:p>
@@ -3879,7 +4282,7 @@
       </p:sp>
       <p:pic>
         <p:nvPicPr>
-          <p:cNvPr descr="" id="76" name=""/>
+          <p:cNvPr id="76" name="Picture 75"/>
           <p:cNvPicPr/>
           <p:nvPr/>
         </p:nvPicPr>
@@ -3904,12 +4307,12 @@
       </p:pic>
       <p:pic>
         <p:nvPicPr>
-          <p:cNvPr descr="" id="77" name=""/>
+          <p:cNvPr id="77" name="Picture 76"/>
           <p:cNvPicPr/>
           <p:nvPr/>
         </p:nvPicPr>
         <p:blipFill>
-          <a:blip r:embed="rId3"/>
+          <a:blip r:embed="rId2"/>
           <a:stretch>
             <a:fillRect/>
           </a:stretch>
@@ -3929,11 +4332,14 @@
       </p:pic>
     </p:spTree>
   </p:cSld>
+  <p:clrMapOvr>
+    <a:masterClrMapping/>
+  </p:clrMapOvr>
 </p:sldLayout>
 </file>
 
 <file path=ppt/slideLayouts/slideLayout25.xml><?xml version="1.0" encoding="utf-8"?>
-<p:sldLayout xmlns:a="http://schemas.openxmlformats.org/drawingml/2006/main" xmlns:p="http://schemas.openxmlformats.org/presentationml/2006/main" xmlns:r="http://schemas.openxmlformats.org/officeDocument/2006/relationships" preserve="1" type="blank">
+<p:sldLayout xmlns:a="http://schemas.openxmlformats.org/drawingml/2006/main" xmlns:r="http://schemas.openxmlformats.org/officeDocument/2006/relationships" xmlns:p="http://schemas.openxmlformats.org/presentationml/2006/main" type="blank" preserve="1">
   <p:cSld name="Blank Slide">
     <p:spTree>
       <p:nvGrpSpPr>
@@ -3951,11 +4357,14 @@
       </p:grpSpPr>
     </p:spTree>
   </p:cSld>
+  <p:clrMapOvr>
+    <a:masterClrMapping/>
+  </p:clrMapOvr>
 </p:sldLayout>
 </file>
 
 <file path=ppt/slideLayouts/slideLayout26.xml><?xml version="1.0" encoding="utf-8"?>
-<p:sldLayout xmlns:a="http://schemas.openxmlformats.org/drawingml/2006/main" xmlns:p="http://schemas.openxmlformats.org/presentationml/2006/main" xmlns:r="http://schemas.openxmlformats.org/officeDocument/2006/relationships" preserve="1" type="tx">
+<p:sldLayout xmlns:a="http://schemas.openxmlformats.org/drawingml/2006/main" xmlns:r="http://schemas.openxmlformats.org/officeDocument/2006/relationships" xmlns:p="http://schemas.openxmlformats.org/presentationml/2006/main" type="tx" preserve="1">
   <p:cSld name="Title Slide">
     <p:spTree>
       <p:nvGrpSpPr>
@@ -3991,7 +4400,8 @@
           </a:prstGeom>
         </p:spPr>
         <p:txBody>
-          <a:bodyPr anchor="ctr" bIns="0" lIns="0" rIns="0" tIns="0" wrap="none"/>
+          <a:bodyPr wrap="none" lIns="0" tIns="0" rIns="0" bIns="0" anchor="ctr"/>
+          <a:lstStyle/>
           <a:p>
             <a:endParaRPr/>
           </a:p>
@@ -4017,7 +4427,8 @@
           </a:prstGeom>
         </p:spPr>
         <p:txBody>
-          <a:bodyPr anchor="ctr" bIns="0" lIns="0" rIns="0" tIns="0" wrap="none"/>
+          <a:bodyPr wrap="none" lIns="0" tIns="0" rIns="0" bIns="0" anchor="ctr"/>
+          <a:lstStyle/>
           <a:p>
             <a:pPr algn="ctr"/>
             <a:endParaRPr/>
@@ -4026,11 +4437,14 @@
       </p:sp>
     </p:spTree>
   </p:cSld>
+  <p:clrMapOvr>
+    <a:masterClrMapping/>
+  </p:clrMapOvr>
 </p:sldLayout>
 </file>
 
 <file path=ppt/slideLayouts/slideLayout27.xml><?xml version="1.0" encoding="utf-8"?>
-<p:sldLayout xmlns:a="http://schemas.openxmlformats.org/drawingml/2006/main" xmlns:p="http://schemas.openxmlformats.org/presentationml/2006/main" xmlns:r="http://schemas.openxmlformats.org/officeDocument/2006/relationships" preserve="1" type="obj">
+<p:sldLayout xmlns:a="http://schemas.openxmlformats.org/drawingml/2006/main" xmlns:r="http://schemas.openxmlformats.org/officeDocument/2006/relationships" xmlns:p="http://schemas.openxmlformats.org/presentationml/2006/main" type="obj" preserve="1">
   <p:cSld name="Title, Content">
     <p:spTree>
       <p:nvGrpSpPr>
@@ -4066,7 +4480,8 @@
           </a:prstGeom>
         </p:spPr>
         <p:txBody>
-          <a:bodyPr anchor="ctr" bIns="0" lIns="0" rIns="0" tIns="0" wrap="none"/>
+          <a:bodyPr wrap="none" lIns="0" tIns="0" rIns="0" bIns="0" anchor="ctr"/>
+          <a:lstStyle/>
           <a:p>
             <a:endParaRPr/>
           </a:p>
@@ -4092,7 +4507,8 @@
           </a:prstGeom>
         </p:spPr>
         <p:txBody>
-          <a:bodyPr bIns="0" lIns="0" rIns="0" tIns="0" wrap="none"/>
+          <a:bodyPr wrap="none" lIns="0" tIns="0" rIns="0" bIns="0"/>
+          <a:lstStyle/>
           <a:p>
             <a:endParaRPr/>
           </a:p>
@@ -4100,11 +4516,14 @@
       </p:sp>
     </p:spTree>
   </p:cSld>
+  <p:clrMapOvr>
+    <a:masterClrMapping/>
+  </p:clrMapOvr>
 </p:sldLayout>
 </file>
 
 <file path=ppt/slideLayouts/slideLayout28.xml><?xml version="1.0" encoding="utf-8"?>
-<p:sldLayout xmlns:a="http://schemas.openxmlformats.org/drawingml/2006/main" xmlns:p="http://schemas.openxmlformats.org/presentationml/2006/main" xmlns:r="http://schemas.openxmlformats.org/officeDocument/2006/relationships" preserve="1" type="twoObj">
+<p:sldLayout xmlns:a="http://schemas.openxmlformats.org/drawingml/2006/main" xmlns:r="http://schemas.openxmlformats.org/officeDocument/2006/relationships" xmlns:p="http://schemas.openxmlformats.org/presentationml/2006/main" type="twoObj" preserve="1">
   <p:cSld name="Title, 2 Content">
     <p:spTree>
       <p:nvGrpSpPr>
@@ -4140,7 +4559,8 @@
           </a:prstGeom>
         </p:spPr>
         <p:txBody>
-          <a:bodyPr anchor="ctr" bIns="0" lIns="0" rIns="0" tIns="0" wrap="none"/>
+          <a:bodyPr wrap="none" lIns="0" tIns="0" rIns="0" bIns="0" anchor="ctr"/>
+          <a:lstStyle/>
           <a:p>
             <a:endParaRPr/>
           </a:p>
@@ -4166,7 +4586,8 @@
           </a:prstGeom>
         </p:spPr>
         <p:txBody>
-          <a:bodyPr bIns="0" lIns="0" rIns="0" tIns="0" wrap="none"/>
+          <a:bodyPr wrap="none" lIns="0" tIns="0" rIns="0" bIns="0"/>
+          <a:lstStyle/>
           <a:p>
             <a:endParaRPr/>
           </a:p>
@@ -4192,7 +4613,8 @@
           </a:prstGeom>
         </p:spPr>
         <p:txBody>
-          <a:bodyPr bIns="0" lIns="0" rIns="0" tIns="0" wrap="none"/>
+          <a:bodyPr wrap="none" lIns="0" tIns="0" rIns="0" bIns="0"/>
+          <a:lstStyle/>
           <a:p>
             <a:endParaRPr/>
           </a:p>
@@ -4200,11 +4622,14 @@
       </p:sp>
     </p:spTree>
   </p:cSld>
+  <p:clrMapOvr>
+    <a:masterClrMapping/>
+  </p:clrMapOvr>
 </p:sldLayout>
 </file>
 
 <file path=ppt/slideLayouts/slideLayout29.xml><?xml version="1.0" encoding="utf-8"?>
-<p:sldLayout xmlns:a="http://schemas.openxmlformats.org/drawingml/2006/main" xmlns:p="http://schemas.openxmlformats.org/presentationml/2006/main" xmlns:r="http://schemas.openxmlformats.org/officeDocument/2006/relationships" preserve="1" type="titleOnly">
+<p:sldLayout xmlns:a="http://schemas.openxmlformats.org/drawingml/2006/main" xmlns:r="http://schemas.openxmlformats.org/officeDocument/2006/relationships" xmlns:p="http://schemas.openxmlformats.org/presentationml/2006/main" type="titleOnly" preserve="1">
   <p:cSld name="Title Only">
     <p:spTree>
       <p:nvGrpSpPr>
@@ -4240,7 +4665,8 @@
           </a:prstGeom>
         </p:spPr>
         <p:txBody>
-          <a:bodyPr anchor="ctr" bIns="0" lIns="0" rIns="0" tIns="0" wrap="none"/>
+          <a:bodyPr wrap="none" lIns="0" tIns="0" rIns="0" bIns="0" anchor="ctr"/>
+          <a:lstStyle/>
           <a:p>
             <a:endParaRPr/>
           </a:p>
@@ -4248,11 +4674,14 @@
       </p:sp>
     </p:spTree>
   </p:cSld>
+  <p:clrMapOvr>
+    <a:masterClrMapping/>
+  </p:clrMapOvr>
 </p:sldLayout>
 </file>
 
 <file path=ppt/slideLayouts/slideLayout3.xml><?xml version="1.0" encoding="utf-8"?>
-<p:sldLayout xmlns:a="http://schemas.openxmlformats.org/drawingml/2006/main" xmlns:p="http://schemas.openxmlformats.org/presentationml/2006/main" xmlns:r="http://schemas.openxmlformats.org/officeDocument/2006/relationships" preserve="1" type="obj">
+<p:sldLayout xmlns:a="http://schemas.openxmlformats.org/drawingml/2006/main" xmlns:r="http://schemas.openxmlformats.org/officeDocument/2006/relationships" xmlns:p="http://schemas.openxmlformats.org/presentationml/2006/main" type="obj" preserve="1">
   <p:cSld name="Title, Content">
     <p:spTree>
       <p:nvGrpSpPr>
@@ -4288,7 +4717,8 @@
           </a:prstGeom>
         </p:spPr>
         <p:txBody>
-          <a:bodyPr anchor="ctr" bIns="0" lIns="0" rIns="0" tIns="0" wrap="none"/>
+          <a:bodyPr wrap="none" lIns="0" tIns="0" rIns="0" bIns="0" anchor="ctr"/>
+          <a:lstStyle/>
           <a:p>
             <a:endParaRPr/>
           </a:p>
@@ -4314,7 +4744,8 @@
           </a:prstGeom>
         </p:spPr>
         <p:txBody>
-          <a:bodyPr bIns="0" lIns="0" rIns="0" tIns="0" wrap="none"/>
+          <a:bodyPr wrap="none" lIns="0" tIns="0" rIns="0" bIns="0"/>
+          <a:lstStyle/>
           <a:p>
             <a:endParaRPr/>
           </a:p>
@@ -4322,11 +4753,14 @@
       </p:sp>
     </p:spTree>
   </p:cSld>
+  <p:clrMapOvr>
+    <a:masterClrMapping/>
+  </p:clrMapOvr>
 </p:sldLayout>
 </file>
 
 <file path=ppt/slideLayouts/slideLayout30.xml><?xml version="1.0" encoding="utf-8"?>
-<p:sldLayout xmlns:a="http://schemas.openxmlformats.org/drawingml/2006/main" xmlns:p="http://schemas.openxmlformats.org/presentationml/2006/main" xmlns:r="http://schemas.openxmlformats.org/officeDocument/2006/relationships" preserve="1" type="objOnly">
+<p:sldLayout xmlns:a="http://schemas.openxmlformats.org/drawingml/2006/main" xmlns:r="http://schemas.openxmlformats.org/officeDocument/2006/relationships" xmlns:p="http://schemas.openxmlformats.org/presentationml/2006/main" type="objOnly" preserve="1">
   <p:cSld name="Centered Text">
     <p:spTree>
       <p:nvGrpSpPr>
@@ -4362,7 +4796,8 @@
           </a:prstGeom>
         </p:spPr>
         <p:txBody>
-          <a:bodyPr anchor="ctr" bIns="0" lIns="0" rIns="0" tIns="0" wrap="none"/>
+          <a:bodyPr wrap="none" lIns="0" tIns="0" rIns="0" bIns="0" anchor="ctr"/>
+          <a:lstStyle/>
           <a:p>
             <a:pPr algn="ctr"/>
             <a:endParaRPr/>
@@ -4371,11 +4806,14 @@
       </p:sp>
     </p:spTree>
   </p:cSld>
+  <p:clrMapOvr>
+    <a:masterClrMapping/>
+  </p:clrMapOvr>
 </p:sldLayout>
 </file>
 
 <file path=ppt/slideLayouts/slideLayout31.xml><?xml version="1.0" encoding="utf-8"?>
-<p:sldLayout xmlns:a="http://schemas.openxmlformats.org/drawingml/2006/main" xmlns:p="http://schemas.openxmlformats.org/presentationml/2006/main" xmlns:r="http://schemas.openxmlformats.org/officeDocument/2006/relationships" preserve="1" type="twoObjAndObj">
+<p:sldLayout xmlns:a="http://schemas.openxmlformats.org/drawingml/2006/main" xmlns:r="http://schemas.openxmlformats.org/officeDocument/2006/relationships" xmlns:p="http://schemas.openxmlformats.org/presentationml/2006/main" type="twoObjAndObj" preserve="1">
   <p:cSld name="Title, 2 Content and Content">
     <p:spTree>
       <p:nvGrpSpPr>
@@ -4411,7 +4849,8 @@
           </a:prstGeom>
         </p:spPr>
         <p:txBody>
-          <a:bodyPr anchor="ctr" bIns="0" lIns="0" rIns="0" tIns="0" wrap="none"/>
+          <a:bodyPr wrap="none" lIns="0" tIns="0" rIns="0" bIns="0" anchor="ctr"/>
+          <a:lstStyle/>
           <a:p>
             <a:endParaRPr/>
           </a:p>
@@ -4437,7 +4876,8 @@
           </a:prstGeom>
         </p:spPr>
         <p:txBody>
-          <a:bodyPr bIns="0" lIns="0" rIns="0" tIns="0" wrap="none"/>
+          <a:bodyPr wrap="none" lIns="0" tIns="0" rIns="0" bIns="0"/>
+          <a:lstStyle/>
           <a:p>
             <a:endParaRPr/>
           </a:p>
@@ -4463,7 +4903,8 @@
           </a:prstGeom>
         </p:spPr>
         <p:txBody>
-          <a:bodyPr bIns="0" lIns="0" rIns="0" tIns="0" wrap="none"/>
+          <a:bodyPr wrap="none" lIns="0" tIns="0" rIns="0" bIns="0"/>
+          <a:lstStyle/>
           <a:p>
             <a:endParaRPr/>
           </a:p>
@@ -4489,7 +4930,8 @@
           </a:prstGeom>
         </p:spPr>
         <p:txBody>
-          <a:bodyPr bIns="0" lIns="0" rIns="0" tIns="0" wrap="none"/>
+          <a:bodyPr wrap="none" lIns="0" tIns="0" rIns="0" bIns="0"/>
+          <a:lstStyle/>
           <a:p>
             <a:endParaRPr/>
           </a:p>
@@ -4497,11 +4939,14 @@
       </p:sp>
     </p:spTree>
   </p:cSld>
+  <p:clrMapOvr>
+    <a:masterClrMapping/>
+  </p:clrMapOvr>
 </p:sldLayout>
 </file>
 
 <file path=ppt/slideLayouts/slideLayout32.xml><?xml version="1.0" encoding="utf-8"?>
-<p:sldLayout xmlns:a="http://schemas.openxmlformats.org/drawingml/2006/main" xmlns:p="http://schemas.openxmlformats.org/presentationml/2006/main" xmlns:r="http://schemas.openxmlformats.org/officeDocument/2006/relationships" preserve="1" type="objAndTwoObj">
+<p:sldLayout xmlns:a="http://schemas.openxmlformats.org/drawingml/2006/main" xmlns:r="http://schemas.openxmlformats.org/officeDocument/2006/relationships" xmlns:p="http://schemas.openxmlformats.org/presentationml/2006/main" type="objAndTwoObj" preserve="1">
   <p:cSld name="Title Content and 2 Content">
     <p:spTree>
       <p:nvGrpSpPr>
@@ -4537,7 +4982,8 @@
           </a:prstGeom>
         </p:spPr>
         <p:txBody>
-          <a:bodyPr anchor="ctr" bIns="0" lIns="0" rIns="0" tIns="0" wrap="none"/>
+          <a:bodyPr wrap="none" lIns="0" tIns="0" rIns="0" bIns="0" anchor="ctr"/>
+          <a:lstStyle/>
           <a:p>
             <a:endParaRPr/>
           </a:p>
@@ -4563,7 +5009,8 @@
           </a:prstGeom>
         </p:spPr>
         <p:txBody>
-          <a:bodyPr bIns="0" lIns="0" rIns="0" tIns="0" wrap="none"/>
+          <a:bodyPr wrap="none" lIns="0" tIns="0" rIns="0" bIns="0"/>
+          <a:lstStyle/>
           <a:p>
             <a:endParaRPr/>
           </a:p>
@@ -4589,7 +5036,8 @@
           </a:prstGeom>
         </p:spPr>
         <p:txBody>
-          <a:bodyPr bIns="0" lIns="0" rIns="0" tIns="0" wrap="none"/>
+          <a:bodyPr wrap="none" lIns="0" tIns="0" rIns="0" bIns="0"/>
+          <a:lstStyle/>
           <a:p>
             <a:endParaRPr/>
           </a:p>
@@ -4615,7 +5063,8 @@
           </a:prstGeom>
         </p:spPr>
         <p:txBody>
-          <a:bodyPr bIns="0" lIns="0" rIns="0" tIns="0" wrap="none"/>
+          <a:bodyPr wrap="none" lIns="0" tIns="0" rIns="0" bIns="0"/>
+          <a:lstStyle/>
           <a:p>
             <a:endParaRPr/>
           </a:p>
@@ -4623,11 +5072,14 @@
       </p:sp>
     </p:spTree>
   </p:cSld>
+  <p:clrMapOvr>
+    <a:masterClrMapping/>
+  </p:clrMapOvr>
 </p:sldLayout>
 </file>
 
 <file path=ppt/slideLayouts/slideLayout33.xml><?xml version="1.0" encoding="utf-8"?>
-<p:sldLayout xmlns:a="http://schemas.openxmlformats.org/drawingml/2006/main" xmlns:p="http://schemas.openxmlformats.org/presentationml/2006/main" xmlns:r="http://schemas.openxmlformats.org/officeDocument/2006/relationships" preserve="1" type="twoObjOverTx">
+<p:sldLayout xmlns:a="http://schemas.openxmlformats.org/drawingml/2006/main" xmlns:r="http://schemas.openxmlformats.org/officeDocument/2006/relationships" xmlns:p="http://schemas.openxmlformats.org/presentationml/2006/main" type="twoObjOverTx" preserve="1">
   <p:cSld name="Title, 2 Content over Content">
     <p:spTree>
       <p:nvGrpSpPr>
@@ -4663,7 +5115,8 @@
           </a:prstGeom>
         </p:spPr>
         <p:txBody>
-          <a:bodyPr anchor="ctr" bIns="0" lIns="0" rIns="0" tIns="0" wrap="none"/>
+          <a:bodyPr wrap="none" lIns="0" tIns="0" rIns="0" bIns="0" anchor="ctr"/>
+          <a:lstStyle/>
           <a:p>
             <a:endParaRPr/>
           </a:p>
@@ -4689,7 +5142,8 @@
           </a:prstGeom>
         </p:spPr>
         <p:txBody>
-          <a:bodyPr bIns="0" lIns="0" rIns="0" tIns="0" wrap="none"/>
+          <a:bodyPr wrap="none" lIns="0" tIns="0" rIns="0" bIns="0"/>
+          <a:lstStyle/>
           <a:p>
             <a:endParaRPr/>
           </a:p>
@@ -4715,7 +5169,8 @@
           </a:prstGeom>
         </p:spPr>
         <p:txBody>
-          <a:bodyPr bIns="0" lIns="0" rIns="0" tIns="0" wrap="none"/>
+          <a:bodyPr wrap="none" lIns="0" tIns="0" rIns="0" bIns="0"/>
+          <a:lstStyle/>
           <a:p>
             <a:endParaRPr/>
           </a:p>
@@ -4741,7 +5196,8 @@
           </a:prstGeom>
         </p:spPr>
         <p:txBody>
-          <a:bodyPr bIns="0" lIns="0" rIns="0" tIns="0" wrap="none"/>
+          <a:bodyPr wrap="none" lIns="0" tIns="0" rIns="0" bIns="0"/>
+          <a:lstStyle/>
           <a:p>
             <a:endParaRPr/>
           </a:p>
@@ -4749,11 +5205,14 @@
       </p:sp>
     </p:spTree>
   </p:cSld>
+  <p:clrMapOvr>
+    <a:masterClrMapping/>
+  </p:clrMapOvr>
 </p:sldLayout>
 </file>
 
 <file path=ppt/slideLayouts/slideLayout34.xml><?xml version="1.0" encoding="utf-8"?>
-<p:sldLayout xmlns:a="http://schemas.openxmlformats.org/drawingml/2006/main" xmlns:p="http://schemas.openxmlformats.org/presentationml/2006/main" xmlns:r="http://schemas.openxmlformats.org/officeDocument/2006/relationships" preserve="1" type="objOverTx">
+<p:sldLayout xmlns:a="http://schemas.openxmlformats.org/drawingml/2006/main" xmlns:r="http://schemas.openxmlformats.org/officeDocument/2006/relationships" xmlns:p="http://schemas.openxmlformats.org/presentationml/2006/main" type="objOverTx" preserve="1">
   <p:cSld name="Title, Content over Content">
     <p:spTree>
       <p:nvGrpSpPr>
@@ -4789,7 +5248,8 @@
           </a:prstGeom>
         </p:spPr>
         <p:txBody>
-          <a:bodyPr anchor="ctr" bIns="0" lIns="0" rIns="0" tIns="0" wrap="none"/>
+          <a:bodyPr wrap="none" lIns="0" tIns="0" rIns="0" bIns="0" anchor="ctr"/>
+          <a:lstStyle/>
           <a:p>
             <a:endParaRPr/>
           </a:p>
@@ -4815,7 +5275,8 @@
           </a:prstGeom>
         </p:spPr>
         <p:txBody>
-          <a:bodyPr bIns="0" lIns="0" rIns="0" tIns="0" wrap="none"/>
+          <a:bodyPr wrap="none" lIns="0" tIns="0" rIns="0" bIns="0"/>
+          <a:lstStyle/>
           <a:p>
             <a:endParaRPr/>
           </a:p>
@@ -4841,7 +5302,8 @@
           </a:prstGeom>
         </p:spPr>
         <p:txBody>
-          <a:bodyPr bIns="0" lIns="0" rIns="0" tIns="0" wrap="none"/>
+          <a:bodyPr wrap="none" lIns="0" tIns="0" rIns="0" bIns="0"/>
+          <a:lstStyle/>
           <a:p>
             <a:endParaRPr/>
           </a:p>
@@ -4849,11 +5311,14 @@
       </p:sp>
     </p:spTree>
   </p:cSld>
+  <p:clrMapOvr>
+    <a:masterClrMapping/>
+  </p:clrMapOvr>
 </p:sldLayout>
 </file>
 
 <file path=ppt/slideLayouts/slideLayout35.xml><?xml version="1.0" encoding="utf-8"?>
-<p:sldLayout xmlns:a="http://schemas.openxmlformats.org/drawingml/2006/main" xmlns:p="http://schemas.openxmlformats.org/presentationml/2006/main" xmlns:r="http://schemas.openxmlformats.org/officeDocument/2006/relationships" preserve="1" type="fourObj">
+<p:sldLayout xmlns:a="http://schemas.openxmlformats.org/drawingml/2006/main" xmlns:r="http://schemas.openxmlformats.org/officeDocument/2006/relationships" xmlns:p="http://schemas.openxmlformats.org/presentationml/2006/main" type="fourObj" preserve="1">
   <p:cSld name="Title, 4 Content">
     <p:spTree>
       <p:nvGrpSpPr>
@@ -4889,7 +5354,8 @@
           </a:prstGeom>
         </p:spPr>
         <p:txBody>
-          <a:bodyPr anchor="ctr" bIns="0" lIns="0" rIns="0" tIns="0" wrap="none"/>
+          <a:bodyPr wrap="none" lIns="0" tIns="0" rIns="0" bIns="0" anchor="ctr"/>
+          <a:lstStyle/>
           <a:p>
             <a:endParaRPr/>
           </a:p>
@@ -4915,7 +5381,8 @@
           </a:prstGeom>
         </p:spPr>
         <p:txBody>
-          <a:bodyPr bIns="0" lIns="0" rIns="0" tIns="0" wrap="none"/>
+          <a:bodyPr wrap="none" lIns="0" tIns="0" rIns="0" bIns="0"/>
+          <a:lstStyle/>
           <a:p>
             <a:endParaRPr/>
           </a:p>
@@ -4941,7 +5408,8 @@
           </a:prstGeom>
         </p:spPr>
         <p:txBody>
-          <a:bodyPr bIns="0" lIns="0" rIns="0" tIns="0" wrap="none"/>
+          <a:bodyPr wrap="none" lIns="0" tIns="0" rIns="0" bIns="0"/>
+          <a:lstStyle/>
           <a:p>
             <a:endParaRPr/>
           </a:p>
@@ -4967,7 +5435,8 @@
           </a:prstGeom>
         </p:spPr>
         <p:txBody>
-          <a:bodyPr bIns="0" lIns="0" rIns="0" tIns="0" wrap="none"/>
+          <a:bodyPr wrap="none" lIns="0" tIns="0" rIns="0" bIns="0"/>
+          <a:lstStyle/>
           <a:p>
             <a:endParaRPr/>
           </a:p>
@@ -4993,7 +5462,8 @@
           </a:prstGeom>
         </p:spPr>
         <p:txBody>
-          <a:bodyPr bIns="0" lIns="0" rIns="0" tIns="0" wrap="none"/>
+          <a:bodyPr wrap="none" lIns="0" tIns="0" rIns="0" bIns="0"/>
+          <a:lstStyle/>
           <a:p>
             <a:endParaRPr/>
           </a:p>
@@ -5001,11 +5471,14 @@
       </p:sp>
     </p:spTree>
   </p:cSld>
+  <p:clrMapOvr>
+    <a:masterClrMapping/>
+  </p:clrMapOvr>
 </p:sldLayout>
 </file>
 
 <file path=ppt/slideLayouts/slideLayout36.xml><?xml version="1.0" encoding="utf-8"?>
-<p:sldLayout xmlns:a="http://schemas.openxmlformats.org/drawingml/2006/main" xmlns:p="http://schemas.openxmlformats.org/presentationml/2006/main" xmlns:r="http://schemas.openxmlformats.org/officeDocument/2006/relationships" preserve="1" type="blank">
+<p:sldLayout xmlns:a="http://schemas.openxmlformats.org/drawingml/2006/main" xmlns:r="http://schemas.openxmlformats.org/officeDocument/2006/relationships" xmlns:p="http://schemas.openxmlformats.org/presentationml/2006/main" type="blank" preserve="1">
   <p:cSld name="Title, 6 Content">
     <p:spTree>
       <p:nvGrpSpPr>
@@ -5041,7 +5514,8 @@
           </a:prstGeom>
         </p:spPr>
         <p:txBody>
-          <a:bodyPr anchor="ctr" bIns="0" lIns="0" rIns="0" tIns="0" wrap="none"/>
+          <a:bodyPr wrap="none" lIns="0" tIns="0" rIns="0" bIns="0" anchor="ctr"/>
+          <a:lstStyle/>
           <a:p>
             <a:endParaRPr/>
           </a:p>
@@ -5067,7 +5541,8 @@
           </a:prstGeom>
         </p:spPr>
         <p:txBody>
-          <a:bodyPr bIns="0" lIns="0" rIns="0" tIns="0" wrap="none"/>
+          <a:bodyPr wrap="none" lIns="0" tIns="0" rIns="0" bIns="0"/>
+          <a:lstStyle/>
           <a:p>
             <a:endParaRPr/>
           </a:p>
@@ -5093,7 +5568,8 @@
           </a:prstGeom>
         </p:spPr>
         <p:txBody>
-          <a:bodyPr bIns="0" lIns="0" rIns="0" tIns="0" wrap="none"/>
+          <a:bodyPr wrap="none" lIns="0" tIns="0" rIns="0" bIns="0"/>
+          <a:lstStyle/>
           <a:p>
             <a:endParaRPr/>
           </a:p>
@@ -5101,7 +5577,7 @@
       </p:sp>
       <p:pic>
         <p:nvPicPr>
-          <p:cNvPr descr="" id="114" name=""/>
+          <p:cNvPr id="114" name="Picture 113"/>
           <p:cNvPicPr/>
           <p:nvPr/>
         </p:nvPicPr>
@@ -5126,12 +5602,12 @@
       </p:pic>
       <p:pic>
         <p:nvPicPr>
-          <p:cNvPr descr="" id="115" name=""/>
+          <p:cNvPr id="115" name="Picture 114"/>
           <p:cNvPicPr/>
           <p:nvPr/>
         </p:nvPicPr>
         <p:blipFill>
-          <a:blip r:embed="rId3"/>
+          <a:blip r:embed="rId2"/>
           <a:stretch>
             <a:fillRect/>
           </a:stretch>
@@ -5151,11 +5627,14 @@
       </p:pic>
     </p:spTree>
   </p:cSld>
+  <p:clrMapOvr>
+    <a:masterClrMapping/>
+  </p:clrMapOvr>
 </p:sldLayout>
 </file>
 
 <file path=ppt/slideLayouts/slideLayout4.xml><?xml version="1.0" encoding="utf-8"?>
-<p:sldLayout xmlns:a="http://schemas.openxmlformats.org/drawingml/2006/main" xmlns:p="http://schemas.openxmlformats.org/presentationml/2006/main" xmlns:r="http://schemas.openxmlformats.org/officeDocument/2006/relationships" preserve="1" type="twoObj">
+<p:sldLayout xmlns:a="http://schemas.openxmlformats.org/drawingml/2006/main" xmlns:r="http://schemas.openxmlformats.org/officeDocument/2006/relationships" xmlns:p="http://schemas.openxmlformats.org/presentationml/2006/main" type="twoObj" preserve="1">
   <p:cSld name="Title, 2 Content">
     <p:spTree>
       <p:nvGrpSpPr>
@@ -5191,7 +5670,8 @@
           </a:prstGeom>
         </p:spPr>
         <p:txBody>
-          <a:bodyPr anchor="ctr" bIns="0" lIns="0" rIns="0" tIns="0" wrap="none"/>
+          <a:bodyPr wrap="none" lIns="0" tIns="0" rIns="0" bIns="0" anchor="ctr"/>
+          <a:lstStyle/>
           <a:p>
             <a:endParaRPr/>
           </a:p>
@@ -5217,7 +5697,8 @@
           </a:prstGeom>
         </p:spPr>
         <p:txBody>
-          <a:bodyPr bIns="0" lIns="0" rIns="0" tIns="0" wrap="none"/>
+          <a:bodyPr wrap="none" lIns="0" tIns="0" rIns="0" bIns="0"/>
+          <a:lstStyle/>
           <a:p>
             <a:endParaRPr/>
           </a:p>
@@ -5243,7 +5724,8 @@
           </a:prstGeom>
         </p:spPr>
         <p:txBody>
-          <a:bodyPr bIns="0" lIns="0" rIns="0" tIns="0" wrap="none"/>
+          <a:bodyPr wrap="none" lIns="0" tIns="0" rIns="0" bIns="0"/>
+          <a:lstStyle/>
           <a:p>
             <a:endParaRPr/>
           </a:p>
@@ -5251,11 +5733,14 @@
       </p:sp>
     </p:spTree>
   </p:cSld>
+  <p:clrMapOvr>
+    <a:masterClrMapping/>
+  </p:clrMapOvr>
 </p:sldLayout>
 </file>
 
 <file path=ppt/slideLayouts/slideLayout5.xml><?xml version="1.0" encoding="utf-8"?>
-<p:sldLayout xmlns:a="http://schemas.openxmlformats.org/drawingml/2006/main" xmlns:p="http://schemas.openxmlformats.org/presentationml/2006/main" xmlns:r="http://schemas.openxmlformats.org/officeDocument/2006/relationships" preserve="1" type="titleOnly">
+<p:sldLayout xmlns:a="http://schemas.openxmlformats.org/drawingml/2006/main" xmlns:r="http://schemas.openxmlformats.org/officeDocument/2006/relationships" xmlns:p="http://schemas.openxmlformats.org/presentationml/2006/main" type="titleOnly" preserve="1">
   <p:cSld name="Title Only">
     <p:spTree>
       <p:nvGrpSpPr>
@@ -5291,7 +5776,8 @@
           </a:prstGeom>
         </p:spPr>
         <p:txBody>
-          <a:bodyPr anchor="ctr" bIns="0" lIns="0" rIns="0" tIns="0" wrap="none"/>
+          <a:bodyPr wrap="none" lIns="0" tIns="0" rIns="0" bIns="0" anchor="ctr"/>
+          <a:lstStyle/>
           <a:p>
             <a:endParaRPr/>
           </a:p>
@@ -5299,11 +5785,14 @@
       </p:sp>
     </p:spTree>
   </p:cSld>
+  <p:clrMapOvr>
+    <a:masterClrMapping/>
+  </p:clrMapOvr>
 </p:sldLayout>
 </file>
 
 <file path=ppt/slideLayouts/slideLayout6.xml><?xml version="1.0" encoding="utf-8"?>
-<p:sldLayout xmlns:a="http://schemas.openxmlformats.org/drawingml/2006/main" xmlns:p="http://schemas.openxmlformats.org/presentationml/2006/main" xmlns:r="http://schemas.openxmlformats.org/officeDocument/2006/relationships" preserve="1" type="objOnly">
+<p:sldLayout xmlns:a="http://schemas.openxmlformats.org/drawingml/2006/main" xmlns:r="http://schemas.openxmlformats.org/officeDocument/2006/relationships" xmlns:p="http://schemas.openxmlformats.org/presentationml/2006/main" type="objOnly" preserve="1">
   <p:cSld name="Centered Text">
     <p:spTree>
       <p:nvGrpSpPr>
@@ -5339,7 +5828,8 @@
           </a:prstGeom>
         </p:spPr>
         <p:txBody>
-          <a:bodyPr anchor="ctr" bIns="0" lIns="0" rIns="0" tIns="0" wrap="none"/>
+          <a:bodyPr wrap="none" lIns="0" tIns="0" rIns="0" bIns="0" anchor="ctr"/>
+          <a:lstStyle/>
           <a:p>
             <a:pPr algn="ctr"/>
             <a:endParaRPr/>
@@ -5348,11 +5838,14 @@
       </p:sp>
     </p:spTree>
   </p:cSld>
+  <p:clrMapOvr>
+    <a:masterClrMapping/>
+  </p:clrMapOvr>
 </p:sldLayout>
 </file>
 
 <file path=ppt/slideLayouts/slideLayout7.xml><?xml version="1.0" encoding="utf-8"?>
-<p:sldLayout xmlns:a="http://schemas.openxmlformats.org/drawingml/2006/main" xmlns:p="http://schemas.openxmlformats.org/presentationml/2006/main" xmlns:r="http://schemas.openxmlformats.org/officeDocument/2006/relationships" preserve="1" type="twoObjAndObj">
+<p:sldLayout xmlns:a="http://schemas.openxmlformats.org/drawingml/2006/main" xmlns:r="http://schemas.openxmlformats.org/officeDocument/2006/relationships" xmlns:p="http://schemas.openxmlformats.org/presentationml/2006/main" type="twoObjAndObj" preserve="1">
   <p:cSld name="Title, 2 Content and Content">
     <p:spTree>
       <p:nvGrpSpPr>
@@ -5388,7 +5881,8 @@
           </a:prstGeom>
         </p:spPr>
         <p:txBody>
-          <a:bodyPr anchor="ctr" bIns="0" lIns="0" rIns="0" tIns="0" wrap="none"/>
+          <a:bodyPr wrap="none" lIns="0" tIns="0" rIns="0" bIns="0" anchor="ctr"/>
+          <a:lstStyle/>
           <a:p>
             <a:endParaRPr/>
           </a:p>
@@ -5414,7 +5908,8 @@
           </a:prstGeom>
         </p:spPr>
         <p:txBody>
-          <a:bodyPr bIns="0" lIns="0" rIns="0" tIns="0" wrap="none"/>
+          <a:bodyPr wrap="none" lIns="0" tIns="0" rIns="0" bIns="0"/>
+          <a:lstStyle/>
           <a:p>
             <a:endParaRPr/>
           </a:p>
@@ -5440,7 +5935,8 @@
           </a:prstGeom>
         </p:spPr>
         <p:txBody>
-          <a:bodyPr bIns="0" lIns="0" rIns="0" tIns="0" wrap="none"/>
+          <a:bodyPr wrap="none" lIns="0" tIns="0" rIns="0" bIns="0"/>
+          <a:lstStyle/>
           <a:p>
             <a:endParaRPr/>
           </a:p>
@@ -5466,7 +5962,8 @@
           </a:prstGeom>
         </p:spPr>
         <p:txBody>
-          <a:bodyPr bIns="0" lIns="0" rIns="0" tIns="0" wrap="none"/>
+          <a:bodyPr wrap="none" lIns="0" tIns="0" rIns="0" bIns="0"/>
+          <a:lstStyle/>
           <a:p>
             <a:endParaRPr/>
           </a:p>
@@ -5474,11 +5971,14 @@
       </p:sp>
     </p:spTree>
   </p:cSld>
+  <p:clrMapOvr>
+    <a:masterClrMapping/>
+  </p:clrMapOvr>
 </p:sldLayout>
 </file>
 
 <file path=ppt/slideLayouts/slideLayout8.xml><?xml version="1.0" encoding="utf-8"?>
-<p:sldLayout xmlns:a="http://schemas.openxmlformats.org/drawingml/2006/main" xmlns:p="http://schemas.openxmlformats.org/presentationml/2006/main" xmlns:r="http://schemas.openxmlformats.org/officeDocument/2006/relationships" preserve="1" type="objAndTwoObj">
+<p:sldLayout xmlns:a="http://schemas.openxmlformats.org/drawingml/2006/main" xmlns:r="http://schemas.openxmlformats.org/officeDocument/2006/relationships" xmlns:p="http://schemas.openxmlformats.org/presentationml/2006/main" type="objAndTwoObj" preserve="1">
   <p:cSld name="Title Content and 2 Content">
     <p:spTree>
       <p:nvGrpSpPr>
@@ -5514,7 +6014,8 @@
           </a:prstGeom>
         </p:spPr>
         <p:txBody>
-          <a:bodyPr anchor="ctr" bIns="0" lIns="0" rIns="0" tIns="0" wrap="none"/>
+          <a:bodyPr wrap="none" lIns="0" tIns="0" rIns="0" bIns="0" anchor="ctr"/>
+          <a:lstStyle/>
           <a:p>
             <a:endParaRPr/>
           </a:p>
@@ -5540,7 +6041,8 @@
           </a:prstGeom>
         </p:spPr>
         <p:txBody>
-          <a:bodyPr bIns="0" lIns="0" rIns="0" tIns="0" wrap="none"/>
+          <a:bodyPr wrap="none" lIns="0" tIns="0" rIns="0" bIns="0"/>
+          <a:lstStyle/>
           <a:p>
             <a:endParaRPr/>
           </a:p>
@@ -5566,7 +6068,8 @@
           </a:prstGeom>
         </p:spPr>
         <p:txBody>
-          <a:bodyPr bIns="0" lIns="0" rIns="0" tIns="0" wrap="none"/>
+          <a:bodyPr wrap="none" lIns="0" tIns="0" rIns="0" bIns="0"/>
+          <a:lstStyle/>
           <a:p>
             <a:endParaRPr/>
           </a:p>
@@ -5592,7 +6095,8 @@
           </a:prstGeom>
         </p:spPr>
         <p:txBody>
-          <a:bodyPr bIns="0" lIns="0" rIns="0" tIns="0" wrap="none"/>
+          <a:bodyPr wrap="none" lIns="0" tIns="0" rIns="0" bIns="0"/>
+          <a:lstStyle/>
           <a:p>
             <a:endParaRPr/>
           </a:p>
@@ -5600,11 +6104,14 @@
       </p:sp>
     </p:spTree>
   </p:cSld>
+  <p:clrMapOvr>
+    <a:masterClrMapping/>
+  </p:clrMapOvr>
 </p:sldLayout>
 </file>
 
 <file path=ppt/slideLayouts/slideLayout9.xml><?xml version="1.0" encoding="utf-8"?>
-<p:sldLayout xmlns:a="http://schemas.openxmlformats.org/drawingml/2006/main" xmlns:p="http://schemas.openxmlformats.org/presentationml/2006/main" xmlns:r="http://schemas.openxmlformats.org/officeDocument/2006/relationships" preserve="1" type="twoObjOverTx">
+<p:sldLayout xmlns:a="http://schemas.openxmlformats.org/drawingml/2006/main" xmlns:r="http://schemas.openxmlformats.org/officeDocument/2006/relationships" xmlns:p="http://schemas.openxmlformats.org/presentationml/2006/main" type="twoObjOverTx" preserve="1">
   <p:cSld name="Title, 2 Content over Content">
     <p:spTree>
       <p:nvGrpSpPr>
@@ -5640,7 +6147,8 @@
           </a:prstGeom>
         </p:spPr>
         <p:txBody>
-          <a:bodyPr anchor="ctr" bIns="0" lIns="0" rIns="0" tIns="0" wrap="none"/>
+          <a:bodyPr wrap="none" lIns="0" tIns="0" rIns="0" bIns="0" anchor="ctr"/>
+          <a:lstStyle/>
           <a:p>
             <a:endParaRPr/>
           </a:p>
@@ -5666,7 +6174,8 @@
           </a:prstGeom>
         </p:spPr>
         <p:txBody>
-          <a:bodyPr bIns="0" lIns="0" rIns="0" tIns="0" wrap="none"/>
+          <a:bodyPr wrap="none" lIns="0" tIns="0" rIns="0" bIns="0"/>
+          <a:lstStyle/>
           <a:p>
             <a:endParaRPr/>
           </a:p>
@@ -5692,7 +6201,8 @@
           </a:prstGeom>
         </p:spPr>
         <p:txBody>
-          <a:bodyPr bIns="0" lIns="0" rIns="0" tIns="0" wrap="none"/>
+          <a:bodyPr wrap="none" lIns="0" tIns="0" rIns="0" bIns="0"/>
+          <a:lstStyle/>
           <a:p>
             <a:endParaRPr/>
           </a:p>
@@ -5718,7 +6228,8 @@
           </a:prstGeom>
         </p:spPr>
         <p:txBody>
-          <a:bodyPr bIns="0" lIns="0" rIns="0" tIns="0" wrap="none"/>
+          <a:bodyPr wrap="none" lIns="0" tIns="0" rIns="0" bIns="0"/>
+          <a:lstStyle/>
           <a:p>
             <a:endParaRPr/>
           </a:p>
@@ -5726,17 +6237,21 @@
       </p:sp>
     </p:spTree>
   </p:cSld>
+  <p:clrMapOvr>
+    <a:masterClrMapping/>
+  </p:clrMapOvr>
 </p:sldLayout>
 </file>
 
 <file path=ppt/slideMasters/slideMaster1.xml><?xml version="1.0" encoding="utf-8"?>
-<p:sldMaster xmlns:a="http://schemas.openxmlformats.org/drawingml/2006/main" xmlns:p="http://schemas.openxmlformats.org/presentationml/2006/main" xmlns:r="http://schemas.openxmlformats.org/officeDocument/2006/relationships">
+<p:sldMaster xmlns:a="http://schemas.openxmlformats.org/drawingml/2006/main" xmlns:r="http://schemas.openxmlformats.org/officeDocument/2006/relationships" xmlns:p="http://schemas.openxmlformats.org/presentationml/2006/main">
   <p:cSld>
     <p:bg>
       <p:bgPr>
         <a:solidFill>
-          <a:srgbClr val="ffffff"/>
+          <a:srgbClr val="FFFFFF"/>
         </a:solidFill>
+        <a:effectLst/>
       </p:bgPr>
     </p:bg>
     <p:spTree>
@@ -5755,12 +6270,12 @@
       </p:grpSpPr>
       <p:pic>
         <p:nvPicPr>
-          <p:cNvPr descr="" id="0" name="Picture 3"/>
+          <p:cNvPr id="4" name="Picture 3"/>
           <p:cNvPicPr/>
           <p:nvPr/>
         </p:nvPicPr>
         <p:blipFill>
-          <a:blip r:embed="rId2"/>
+          <a:blip r:embed="rId14"/>
           <a:stretch>
             <a:fillRect/>
           </a:stretch>
@@ -5780,12 +6295,12 @@
       </p:pic>
       <p:pic>
         <p:nvPicPr>
-          <p:cNvPr descr="" id="1" name="Picture 4"/>
+          <p:cNvPr id="5" name="Picture 4"/>
           <p:cNvPicPr/>
           <p:nvPr/>
         </p:nvPicPr>
         <p:blipFill>
-          <a:blip r:embed="rId3"/>
+          <a:blip r:embed="rId15"/>
           <a:stretch>
             <a:fillRect/>
           </a:stretch>
@@ -5824,6 +6339,7 @@
         </p:spPr>
         <p:txBody>
           <a:bodyPr anchor="ctr"/>
+          <a:lstStyle/>
           <a:p>
             <a:pPr algn="ctr">
               <a:lnSpc>
@@ -5863,7 +6379,8 @@
           </a:prstGeom>
         </p:spPr>
         <p:txBody>
-          <a:bodyPr bIns="0" lIns="0" rIns="0" tIns="0" wrap="none"/>
+          <a:bodyPr wrap="none" lIns="0" tIns="0" rIns="0" bIns="0"/>
+          <a:lstStyle/>
           <a:p>
             <a:pPr>
               <a:buSzPct val="25000"/>
@@ -5952,32 +6469,313 @@
       </p:sp>
     </p:spTree>
   </p:cSld>
-  <p:clrMap accent1="accent1" accent2="accent2" accent3="accent3" accent4="accent4" accent5="accent5" accent6="accent6" bg1="lt1" bg2="lt2" folHlink="folHlink" hlink="hlink" tx1="dk1" tx2="dk2"/>
+  <p:clrMap bg1="lt1" tx1="dk1" bg2="lt2" tx2="dk2" accent1="accent1" accent2="accent2" accent3="accent3" accent4="accent4" accent5="accent5" accent6="accent6" hlink="hlink" folHlink="folHlink"/>
   <p:sldLayoutIdLst>
-    <p:sldLayoutId id="2147483649" r:id="rId4"/>
-    <p:sldLayoutId id="2147483650" r:id="rId5"/>
-    <p:sldLayoutId id="2147483651" r:id="rId6"/>
-    <p:sldLayoutId id="2147483652" r:id="rId7"/>
-    <p:sldLayoutId id="2147483653" r:id="rId8"/>
-    <p:sldLayoutId id="2147483654" r:id="rId9"/>
-    <p:sldLayoutId id="2147483655" r:id="rId10"/>
-    <p:sldLayoutId id="2147483656" r:id="rId11"/>
-    <p:sldLayoutId id="2147483657" r:id="rId12"/>
-    <p:sldLayoutId id="2147483658" r:id="rId13"/>
-    <p:sldLayoutId id="2147483659" r:id="rId14"/>
-    <p:sldLayoutId id="2147483660" r:id="rId15"/>
+    <p:sldLayoutId id="2147483649" r:id="rId1"/>
+    <p:sldLayoutId id="2147483650" r:id="rId2"/>
+    <p:sldLayoutId id="2147483651" r:id="rId3"/>
+    <p:sldLayoutId id="2147483652" r:id="rId4"/>
+    <p:sldLayoutId id="2147483653" r:id="rId5"/>
+    <p:sldLayoutId id="2147483654" r:id="rId6"/>
+    <p:sldLayoutId id="2147483655" r:id="rId7"/>
+    <p:sldLayoutId id="2147483656" r:id="rId8"/>
+    <p:sldLayoutId id="2147483657" r:id="rId9"/>
+    <p:sldLayoutId id="2147483658" r:id="rId10"/>
+    <p:sldLayoutId id="2147483659" r:id="rId11"/>
+    <p:sldLayoutId id="2147483660" r:id="rId12"/>
   </p:sldLayoutIdLst>
+  <p:txStyles>
+    <p:titleStyle>
+      <a:lvl1pPr algn="l" defTabSz="914400" rtl="0" eaLnBrk="1" latinLnBrk="0" hangingPunct="1">
+        <a:lnSpc>
+          <a:spcPct val="90000"/>
+        </a:lnSpc>
+        <a:spcBef>
+          <a:spcPct val="0"/>
+        </a:spcBef>
+        <a:buNone/>
+        <a:defRPr sz="4400" kern="1200">
+          <a:solidFill>
+            <a:schemeClr val="tx1"/>
+          </a:solidFill>
+          <a:latin typeface="+mj-lt"/>
+          <a:ea typeface="+mj-ea"/>
+          <a:cs typeface="+mj-cs"/>
+        </a:defRPr>
+      </a:lvl1pPr>
+    </p:titleStyle>
+    <p:bodyStyle>
+      <a:lvl1pPr marL="228600" indent="-228600" algn="l" defTabSz="914400" rtl="0" eaLnBrk="1" latinLnBrk="0" hangingPunct="1">
+        <a:lnSpc>
+          <a:spcPct val="90000"/>
+        </a:lnSpc>
+        <a:spcBef>
+          <a:spcPts val="1000"/>
+        </a:spcBef>
+        <a:buFont typeface="Arial"/>
+        <a:buChar char="•"/>
+        <a:defRPr sz="2800" kern="1200">
+          <a:solidFill>
+            <a:schemeClr val="tx1"/>
+          </a:solidFill>
+          <a:latin typeface="+mn-lt"/>
+          <a:ea typeface="+mn-ea"/>
+          <a:cs typeface="+mn-cs"/>
+        </a:defRPr>
+      </a:lvl1pPr>
+      <a:lvl2pPr marL="685800" indent="-228600" algn="l" defTabSz="914400" rtl="0" eaLnBrk="1" latinLnBrk="0" hangingPunct="1">
+        <a:lnSpc>
+          <a:spcPct val="90000"/>
+        </a:lnSpc>
+        <a:spcBef>
+          <a:spcPts val="500"/>
+        </a:spcBef>
+        <a:buFont typeface="Arial"/>
+        <a:buChar char="•"/>
+        <a:defRPr sz="2400" kern="1200">
+          <a:solidFill>
+            <a:schemeClr val="tx1"/>
+          </a:solidFill>
+          <a:latin typeface="+mn-lt"/>
+          <a:ea typeface="+mn-ea"/>
+          <a:cs typeface="+mn-cs"/>
+        </a:defRPr>
+      </a:lvl2pPr>
+      <a:lvl3pPr marL="1143000" indent="-228600" algn="l" defTabSz="914400" rtl="0" eaLnBrk="1" latinLnBrk="0" hangingPunct="1">
+        <a:lnSpc>
+          <a:spcPct val="90000"/>
+        </a:lnSpc>
+        <a:spcBef>
+          <a:spcPts val="500"/>
+        </a:spcBef>
+        <a:buFont typeface="Arial"/>
+        <a:buChar char="•"/>
+        <a:defRPr sz="2000" kern="1200">
+          <a:solidFill>
+            <a:schemeClr val="tx1"/>
+          </a:solidFill>
+          <a:latin typeface="+mn-lt"/>
+          <a:ea typeface="+mn-ea"/>
+          <a:cs typeface="+mn-cs"/>
+        </a:defRPr>
+      </a:lvl3pPr>
+      <a:lvl4pPr marL="1600200" indent="-228600" algn="l" defTabSz="914400" rtl="0" eaLnBrk="1" latinLnBrk="0" hangingPunct="1">
+        <a:lnSpc>
+          <a:spcPct val="90000"/>
+        </a:lnSpc>
+        <a:spcBef>
+          <a:spcPts val="500"/>
+        </a:spcBef>
+        <a:buFont typeface="Arial"/>
+        <a:buChar char="•"/>
+        <a:defRPr sz="1800" kern="1200">
+          <a:solidFill>
+            <a:schemeClr val="tx1"/>
+          </a:solidFill>
+          <a:latin typeface="+mn-lt"/>
+          <a:ea typeface="+mn-ea"/>
+          <a:cs typeface="+mn-cs"/>
+        </a:defRPr>
+      </a:lvl4pPr>
+      <a:lvl5pPr marL="2057400" indent="-228600" algn="l" defTabSz="914400" rtl="0" eaLnBrk="1" latinLnBrk="0" hangingPunct="1">
+        <a:lnSpc>
+          <a:spcPct val="90000"/>
+        </a:lnSpc>
+        <a:spcBef>
+          <a:spcPts val="500"/>
+        </a:spcBef>
+        <a:buFont typeface="Arial"/>
+        <a:buChar char="•"/>
+        <a:defRPr sz="1800" kern="1200">
+          <a:solidFill>
+            <a:schemeClr val="tx1"/>
+          </a:solidFill>
+          <a:latin typeface="+mn-lt"/>
+          <a:ea typeface="+mn-ea"/>
+          <a:cs typeface="+mn-cs"/>
+        </a:defRPr>
+      </a:lvl5pPr>
+      <a:lvl6pPr marL="2514600" indent="-228600" algn="l" defTabSz="914400" rtl="0" eaLnBrk="1" latinLnBrk="0" hangingPunct="1">
+        <a:lnSpc>
+          <a:spcPct val="90000"/>
+        </a:lnSpc>
+        <a:spcBef>
+          <a:spcPts val="500"/>
+        </a:spcBef>
+        <a:buFont typeface="Arial"/>
+        <a:buChar char="•"/>
+        <a:defRPr sz="1800" kern="1200">
+          <a:solidFill>
+            <a:schemeClr val="tx1"/>
+          </a:solidFill>
+          <a:latin typeface="+mn-lt"/>
+          <a:ea typeface="+mn-ea"/>
+          <a:cs typeface="+mn-cs"/>
+        </a:defRPr>
+      </a:lvl6pPr>
+      <a:lvl7pPr marL="2971800" indent="-228600" algn="l" defTabSz="914400" rtl="0" eaLnBrk="1" latinLnBrk="0" hangingPunct="1">
+        <a:lnSpc>
+          <a:spcPct val="90000"/>
+        </a:lnSpc>
+        <a:spcBef>
+          <a:spcPts val="500"/>
+        </a:spcBef>
+        <a:buFont typeface="Arial"/>
+        <a:buChar char="•"/>
+        <a:defRPr sz="1800" kern="1200">
+          <a:solidFill>
+            <a:schemeClr val="tx1"/>
+          </a:solidFill>
+          <a:latin typeface="+mn-lt"/>
+          <a:ea typeface="+mn-ea"/>
+          <a:cs typeface="+mn-cs"/>
+        </a:defRPr>
+      </a:lvl7pPr>
+      <a:lvl8pPr marL="3429000" indent="-228600" algn="l" defTabSz="914400" rtl="0" eaLnBrk="1" latinLnBrk="0" hangingPunct="1">
+        <a:lnSpc>
+          <a:spcPct val="90000"/>
+        </a:lnSpc>
+        <a:spcBef>
+          <a:spcPts val="500"/>
+        </a:spcBef>
+        <a:buFont typeface="Arial"/>
+        <a:buChar char="•"/>
+        <a:defRPr sz="1800" kern="1200">
+          <a:solidFill>
+            <a:schemeClr val="tx1"/>
+          </a:solidFill>
+          <a:latin typeface="+mn-lt"/>
+          <a:ea typeface="+mn-ea"/>
+          <a:cs typeface="+mn-cs"/>
+        </a:defRPr>
+      </a:lvl8pPr>
+      <a:lvl9pPr marL="3886200" indent="-228600" algn="l" defTabSz="914400" rtl="0" eaLnBrk="1" latinLnBrk="0" hangingPunct="1">
+        <a:lnSpc>
+          <a:spcPct val="90000"/>
+        </a:lnSpc>
+        <a:spcBef>
+          <a:spcPts val="500"/>
+        </a:spcBef>
+        <a:buFont typeface="Arial"/>
+        <a:buChar char="•"/>
+        <a:defRPr sz="1800" kern="1200">
+          <a:solidFill>
+            <a:schemeClr val="tx1"/>
+          </a:solidFill>
+          <a:latin typeface="+mn-lt"/>
+          <a:ea typeface="+mn-ea"/>
+          <a:cs typeface="+mn-cs"/>
+        </a:defRPr>
+      </a:lvl9pPr>
+    </p:bodyStyle>
+    <p:otherStyle>
+      <a:defPPr>
+        <a:defRPr lang="en-US"/>
+      </a:defPPr>
+      <a:lvl1pPr marL="0" algn="l" defTabSz="914400" rtl="0" eaLnBrk="1" latinLnBrk="0" hangingPunct="1">
+        <a:defRPr sz="1800" kern="1200">
+          <a:solidFill>
+            <a:schemeClr val="tx1"/>
+          </a:solidFill>
+          <a:latin typeface="+mn-lt"/>
+          <a:ea typeface="+mn-ea"/>
+          <a:cs typeface="+mn-cs"/>
+        </a:defRPr>
+      </a:lvl1pPr>
+      <a:lvl2pPr marL="457200" algn="l" defTabSz="914400" rtl="0" eaLnBrk="1" latinLnBrk="0" hangingPunct="1">
+        <a:defRPr sz="1800" kern="1200">
+          <a:solidFill>
+            <a:schemeClr val="tx1"/>
+          </a:solidFill>
+          <a:latin typeface="+mn-lt"/>
+          <a:ea typeface="+mn-ea"/>
+          <a:cs typeface="+mn-cs"/>
+        </a:defRPr>
+      </a:lvl2pPr>
+      <a:lvl3pPr marL="914400" algn="l" defTabSz="914400" rtl="0" eaLnBrk="1" latinLnBrk="0" hangingPunct="1">
+        <a:defRPr sz="1800" kern="1200">
+          <a:solidFill>
+            <a:schemeClr val="tx1"/>
+          </a:solidFill>
+          <a:latin typeface="+mn-lt"/>
+          <a:ea typeface="+mn-ea"/>
+          <a:cs typeface="+mn-cs"/>
+        </a:defRPr>
+      </a:lvl3pPr>
+      <a:lvl4pPr marL="1371600" algn="l" defTabSz="914400" rtl="0" eaLnBrk="1" latinLnBrk="0" hangingPunct="1">
+        <a:defRPr sz="1800" kern="1200">
+          <a:solidFill>
+            <a:schemeClr val="tx1"/>
+          </a:solidFill>
+          <a:latin typeface="+mn-lt"/>
+          <a:ea typeface="+mn-ea"/>
+          <a:cs typeface="+mn-cs"/>
+        </a:defRPr>
+      </a:lvl4pPr>
+      <a:lvl5pPr marL="1828800" algn="l" defTabSz="914400" rtl="0" eaLnBrk="1" latinLnBrk="0" hangingPunct="1">
+        <a:defRPr sz="1800" kern="1200">
+          <a:solidFill>
+            <a:schemeClr val="tx1"/>
+          </a:solidFill>
+          <a:latin typeface="+mn-lt"/>
+          <a:ea typeface="+mn-ea"/>
+          <a:cs typeface="+mn-cs"/>
+        </a:defRPr>
+      </a:lvl5pPr>
+      <a:lvl6pPr marL="2286000" algn="l" defTabSz="914400" rtl="0" eaLnBrk="1" latinLnBrk="0" hangingPunct="1">
+        <a:defRPr sz="1800" kern="1200">
+          <a:solidFill>
+            <a:schemeClr val="tx1"/>
+          </a:solidFill>
+          <a:latin typeface="+mn-lt"/>
+          <a:ea typeface="+mn-ea"/>
+          <a:cs typeface="+mn-cs"/>
+        </a:defRPr>
+      </a:lvl6pPr>
+      <a:lvl7pPr marL="2743200" algn="l" defTabSz="914400" rtl="0" eaLnBrk="1" latinLnBrk="0" hangingPunct="1">
+        <a:defRPr sz="1800" kern="1200">
+          <a:solidFill>
+            <a:schemeClr val="tx1"/>
+          </a:solidFill>
+          <a:latin typeface="+mn-lt"/>
+          <a:ea typeface="+mn-ea"/>
+          <a:cs typeface="+mn-cs"/>
+        </a:defRPr>
+      </a:lvl7pPr>
+      <a:lvl8pPr marL="3200400" algn="l" defTabSz="914400" rtl="0" eaLnBrk="1" latinLnBrk="0" hangingPunct="1">
+        <a:defRPr sz="1800" kern="1200">
+          <a:solidFill>
+            <a:schemeClr val="tx1"/>
+          </a:solidFill>
+          <a:latin typeface="+mn-lt"/>
+          <a:ea typeface="+mn-ea"/>
+          <a:cs typeface="+mn-cs"/>
+        </a:defRPr>
+      </a:lvl8pPr>
+      <a:lvl9pPr marL="3657600" algn="l" defTabSz="914400" rtl="0" eaLnBrk="1" latinLnBrk="0" hangingPunct="1">
+        <a:defRPr sz="1800" kern="1200">
+          <a:solidFill>
+            <a:schemeClr val="tx1"/>
+          </a:solidFill>
+          <a:latin typeface="+mn-lt"/>
+          <a:ea typeface="+mn-ea"/>
+          <a:cs typeface="+mn-cs"/>
+        </a:defRPr>
+      </a:lvl9pPr>
+    </p:otherStyle>
+  </p:txStyles>
 </p:sldMaster>
 </file>
 
 <file path=ppt/slideMasters/slideMaster2.xml><?xml version="1.0" encoding="utf-8"?>
-<p:sldMaster xmlns:a="http://schemas.openxmlformats.org/drawingml/2006/main" xmlns:p="http://schemas.openxmlformats.org/presentationml/2006/main" xmlns:r="http://schemas.openxmlformats.org/officeDocument/2006/relationships">
+<p:sldMaster xmlns:a="http://schemas.openxmlformats.org/drawingml/2006/main" xmlns:r="http://schemas.openxmlformats.org/officeDocument/2006/relationships" xmlns:p="http://schemas.openxmlformats.org/presentationml/2006/main">
   <p:cSld>
     <p:bg>
       <p:bgPr>
         <a:solidFill>
-          <a:srgbClr val="ffffff"/>
+          <a:srgbClr val="FFFFFF"/>
         </a:solidFill>
+        <a:effectLst/>
       </p:bgPr>
     </p:bg>
     <p:spTree>
@@ -5996,12 +6794,12 @@
       </p:grpSpPr>
       <p:pic>
         <p:nvPicPr>
-          <p:cNvPr descr="" id="38" name="Picture 3"/>
+          <p:cNvPr id="38" name="Picture 3"/>
           <p:cNvPicPr/>
           <p:nvPr/>
         </p:nvPicPr>
         <p:blipFill>
-          <a:blip r:embed="rId2"/>
+          <a:blip r:embed="rId14"/>
           <a:stretch>
             <a:fillRect/>
           </a:stretch>
@@ -6021,12 +6819,12 @@
       </p:pic>
       <p:pic>
         <p:nvPicPr>
-          <p:cNvPr descr="" id="39" name="Picture 4"/>
+          <p:cNvPr id="39" name="Picture 4"/>
           <p:cNvPicPr/>
           <p:nvPr/>
         </p:nvPicPr>
         <p:blipFill>
-          <a:blip r:embed="rId3"/>
+          <a:blip r:embed="rId15"/>
           <a:stretch>
             <a:fillRect/>
           </a:stretch>
@@ -6065,6 +6863,7 @@
         </p:spPr>
         <p:txBody>
           <a:bodyPr anchor="ctr"/>
+          <a:lstStyle/>
           <a:p>
             <a:pPr>
               <a:lnSpc>
@@ -6105,6 +6904,7 @@
         </p:spPr>
         <p:txBody>
           <a:bodyPr/>
+          <a:lstStyle/>
           <a:p>
             <a:pPr>
               <a:buSzPct val="25000"/>
@@ -6320,7 +7120,7 @@
           </a:prstGeom>
           <a:ln w="12600">
             <a:solidFill>
-              <a:srgbClr val="cccccc"/>
+              <a:srgbClr val="CCCCCC"/>
             </a:solidFill>
             <a:round/>
           </a:ln>
@@ -6342,7 +7142,7 @@
           </a:prstGeom>
           <a:ln w="12600">
             <a:solidFill>
-              <a:srgbClr val="cccccc"/>
+              <a:srgbClr val="CCCCCC"/>
             </a:solidFill>
             <a:round/>
           </a:ln>
@@ -6350,32 +7150,313 @@
       </p:sp>
     </p:spTree>
   </p:cSld>
-  <p:clrMap accent1="accent1" accent2="accent2" accent3="accent3" accent4="accent4" accent5="accent5" accent6="accent6" bg1="lt1" bg2="lt2" folHlink="folHlink" hlink="hlink" tx1="dk1" tx2="dk2"/>
+  <p:clrMap bg1="lt1" tx1="dk1" bg2="lt2" tx2="dk2" accent1="accent1" accent2="accent2" accent3="accent3" accent4="accent4" accent5="accent5" accent6="accent6" hlink="hlink" folHlink="folHlink"/>
   <p:sldLayoutIdLst>
-    <p:sldLayoutId id="2147483662" r:id="rId4"/>
-    <p:sldLayoutId id="2147483663" r:id="rId5"/>
-    <p:sldLayoutId id="2147483664" r:id="rId6"/>
-    <p:sldLayoutId id="2147483665" r:id="rId7"/>
-    <p:sldLayoutId id="2147483666" r:id="rId8"/>
-    <p:sldLayoutId id="2147483667" r:id="rId9"/>
-    <p:sldLayoutId id="2147483668" r:id="rId10"/>
-    <p:sldLayoutId id="2147483669" r:id="rId11"/>
-    <p:sldLayoutId id="2147483670" r:id="rId12"/>
-    <p:sldLayoutId id="2147483671" r:id="rId13"/>
-    <p:sldLayoutId id="2147483672" r:id="rId14"/>
-    <p:sldLayoutId id="2147483673" r:id="rId15"/>
+    <p:sldLayoutId id="2147483662" r:id="rId1"/>
+    <p:sldLayoutId id="2147483663" r:id="rId2"/>
+    <p:sldLayoutId id="2147483664" r:id="rId3"/>
+    <p:sldLayoutId id="2147483665" r:id="rId4"/>
+    <p:sldLayoutId id="2147483666" r:id="rId5"/>
+    <p:sldLayoutId id="2147483667" r:id="rId6"/>
+    <p:sldLayoutId id="2147483668" r:id="rId7"/>
+    <p:sldLayoutId id="2147483669" r:id="rId8"/>
+    <p:sldLayoutId id="2147483670" r:id="rId9"/>
+    <p:sldLayoutId id="2147483671" r:id="rId10"/>
+    <p:sldLayoutId id="2147483672" r:id="rId11"/>
+    <p:sldLayoutId id="2147483673" r:id="rId12"/>
   </p:sldLayoutIdLst>
+  <p:txStyles>
+    <p:titleStyle>
+      <a:lvl1pPr algn="l" defTabSz="914400" rtl="0" eaLnBrk="1" latinLnBrk="0" hangingPunct="1">
+        <a:lnSpc>
+          <a:spcPct val="90000"/>
+        </a:lnSpc>
+        <a:spcBef>
+          <a:spcPct val="0"/>
+        </a:spcBef>
+        <a:buNone/>
+        <a:defRPr sz="4400" kern="1200">
+          <a:solidFill>
+            <a:schemeClr val="tx1"/>
+          </a:solidFill>
+          <a:latin typeface="+mj-lt"/>
+          <a:ea typeface="+mj-ea"/>
+          <a:cs typeface="+mj-cs"/>
+        </a:defRPr>
+      </a:lvl1pPr>
+    </p:titleStyle>
+    <p:bodyStyle>
+      <a:lvl1pPr marL="228600" indent="-228600" algn="l" defTabSz="914400" rtl="0" eaLnBrk="1" latinLnBrk="0" hangingPunct="1">
+        <a:lnSpc>
+          <a:spcPct val="90000"/>
+        </a:lnSpc>
+        <a:spcBef>
+          <a:spcPts val="1000"/>
+        </a:spcBef>
+        <a:buFont typeface="Arial"/>
+        <a:buChar char="•"/>
+        <a:defRPr sz="2800" kern="1200">
+          <a:solidFill>
+            <a:schemeClr val="tx1"/>
+          </a:solidFill>
+          <a:latin typeface="+mn-lt"/>
+          <a:ea typeface="+mn-ea"/>
+          <a:cs typeface="+mn-cs"/>
+        </a:defRPr>
+      </a:lvl1pPr>
+      <a:lvl2pPr marL="685800" indent="-228600" algn="l" defTabSz="914400" rtl="0" eaLnBrk="1" latinLnBrk="0" hangingPunct="1">
+        <a:lnSpc>
+          <a:spcPct val="90000"/>
+        </a:lnSpc>
+        <a:spcBef>
+          <a:spcPts val="500"/>
+        </a:spcBef>
+        <a:buFont typeface="Arial"/>
+        <a:buChar char="•"/>
+        <a:defRPr sz="2400" kern="1200">
+          <a:solidFill>
+            <a:schemeClr val="tx1"/>
+          </a:solidFill>
+          <a:latin typeface="+mn-lt"/>
+          <a:ea typeface="+mn-ea"/>
+          <a:cs typeface="+mn-cs"/>
+        </a:defRPr>
+      </a:lvl2pPr>
+      <a:lvl3pPr marL="1143000" indent="-228600" algn="l" defTabSz="914400" rtl="0" eaLnBrk="1" latinLnBrk="0" hangingPunct="1">
+        <a:lnSpc>
+          <a:spcPct val="90000"/>
+        </a:lnSpc>
+        <a:spcBef>
+          <a:spcPts val="500"/>
+        </a:spcBef>
+        <a:buFont typeface="Arial"/>
+        <a:buChar char="•"/>
+        <a:defRPr sz="2000" kern="1200">
+          <a:solidFill>
+            <a:schemeClr val="tx1"/>
+          </a:solidFill>
+          <a:latin typeface="+mn-lt"/>
+          <a:ea typeface="+mn-ea"/>
+          <a:cs typeface="+mn-cs"/>
+        </a:defRPr>
+      </a:lvl3pPr>
+      <a:lvl4pPr marL="1600200" indent="-228600" algn="l" defTabSz="914400" rtl="0" eaLnBrk="1" latinLnBrk="0" hangingPunct="1">
+        <a:lnSpc>
+          <a:spcPct val="90000"/>
+        </a:lnSpc>
+        <a:spcBef>
+          <a:spcPts val="500"/>
+        </a:spcBef>
+        <a:buFont typeface="Arial"/>
+        <a:buChar char="•"/>
+        <a:defRPr sz="1800" kern="1200">
+          <a:solidFill>
+            <a:schemeClr val="tx1"/>
+          </a:solidFill>
+          <a:latin typeface="+mn-lt"/>
+          <a:ea typeface="+mn-ea"/>
+          <a:cs typeface="+mn-cs"/>
+        </a:defRPr>
+      </a:lvl4pPr>
+      <a:lvl5pPr marL="2057400" indent="-228600" algn="l" defTabSz="914400" rtl="0" eaLnBrk="1" latinLnBrk="0" hangingPunct="1">
+        <a:lnSpc>
+          <a:spcPct val="90000"/>
+        </a:lnSpc>
+        <a:spcBef>
+          <a:spcPts val="500"/>
+        </a:spcBef>
+        <a:buFont typeface="Arial"/>
+        <a:buChar char="•"/>
+        <a:defRPr sz="1800" kern="1200">
+          <a:solidFill>
+            <a:schemeClr val="tx1"/>
+          </a:solidFill>
+          <a:latin typeface="+mn-lt"/>
+          <a:ea typeface="+mn-ea"/>
+          <a:cs typeface="+mn-cs"/>
+        </a:defRPr>
+      </a:lvl5pPr>
+      <a:lvl6pPr marL="2514600" indent="-228600" algn="l" defTabSz="914400" rtl="0" eaLnBrk="1" latinLnBrk="0" hangingPunct="1">
+        <a:lnSpc>
+          <a:spcPct val="90000"/>
+        </a:lnSpc>
+        <a:spcBef>
+          <a:spcPts val="500"/>
+        </a:spcBef>
+        <a:buFont typeface="Arial"/>
+        <a:buChar char="•"/>
+        <a:defRPr sz="1800" kern="1200">
+          <a:solidFill>
+            <a:schemeClr val="tx1"/>
+          </a:solidFill>
+          <a:latin typeface="+mn-lt"/>
+          <a:ea typeface="+mn-ea"/>
+          <a:cs typeface="+mn-cs"/>
+        </a:defRPr>
+      </a:lvl6pPr>
+      <a:lvl7pPr marL="2971800" indent="-228600" algn="l" defTabSz="914400" rtl="0" eaLnBrk="1" latinLnBrk="0" hangingPunct="1">
+        <a:lnSpc>
+          <a:spcPct val="90000"/>
+        </a:lnSpc>
+        <a:spcBef>
+          <a:spcPts val="500"/>
+        </a:spcBef>
+        <a:buFont typeface="Arial"/>
+        <a:buChar char="•"/>
+        <a:defRPr sz="1800" kern="1200">
+          <a:solidFill>
+            <a:schemeClr val="tx1"/>
+          </a:solidFill>
+          <a:latin typeface="+mn-lt"/>
+          <a:ea typeface="+mn-ea"/>
+          <a:cs typeface="+mn-cs"/>
+        </a:defRPr>
+      </a:lvl7pPr>
+      <a:lvl8pPr marL="3429000" indent="-228600" algn="l" defTabSz="914400" rtl="0" eaLnBrk="1" latinLnBrk="0" hangingPunct="1">
+        <a:lnSpc>
+          <a:spcPct val="90000"/>
+        </a:lnSpc>
+        <a:spcBef>
+          <a:spcPts val="500"/>
+        </a:spcBef>
+        <a:buFont typeface="Arial"/>
+        <a:buChar char="•"/>
+        <a:defRPr sz="1800" kern="1200">
+          <a:solidFill>
+            <a:schemeClr val="tx1"/>
+          </a:solidFill>
+          <a:latin typeface="+mn-lt"/>
+          <a:ea typeface="+mn-ea"/>
+          <a:cs typeface="+mn-cs"/>
+        </a:defRPr>
+      </a:lvl8pPr>
+      <a:lvl9pPr marL="3886200" indent="-228600" algn="l" defTabSz="914400" rtl="0" eaLnBrk="1" latinLnBrk="0" hangingPunct="1">
+        <a:lnSpc>
+          <a:spcPct val="90000"/>
+        </a:lnSpc>
+        <a:spcBef>
+          <a:spcPts val="500"/>
+        </a:spcBef>
+        <a:buFont typeface="Arial"/>
+        <a:buChar char="•"/>
+        <a:defRPr sz="1800" kern="1200">
+          <a:solidFill>
+            <a:schemeClr val="tx1"/>
+          </a:solidFill>
+          <a:latin typeface="+mn-lt"/>
+          <a:ea typeface="+mn-ea"/>
+          <a:cs typeface="+mn-cs"/>
+        </a:defRPr>
+      </a:lvl9pPr>
+    </p:bodyStyle>
+    <p:otherStyle>
+      <a:defPPr>
+        <a:defRPr lang="en-US"/>
+      </a:defPPr>
+      <a:lvl1pPr marL="0" algn="l" defTabSz="914400" rtl="0" eaLnBrk="1" latinLnBrk="0" hangingPunct="1">
+        <a:defRPr sz="1800" kern="1200">
+          <a:solidFill>
+            <a:schemeClr val="tx1"/>
+          </a:solidFill>
+          <a:latin typeface="+mn-lt"/>
+          <a:ea typeface="+mn-ea"/>
+          <a:cs typeface="+mn-cs"/>
+        </a:defRPr>
+      </a:lvl1pPr>
+      <a:lvl2pPr marL="457200" algn="l" defTabSz="914400" rtl="0" eaLnBrk="1" latinLnBrk="0" hangingPunct="1">
+        <a:defRPr sz="1800" kern="1200">
+          <a:solidFill>
+            <a:schemeClr val="tx1"/>
+          </a:solidFill>
+          <a:latin typeface="+mn-lt"/>
+          <a:ea typeface="+mn-ea"/>
+          <a:cs typeface="+mn-cs"/>
+        </a:defRPr>
+      </a:lvl2pPr>
+      <a:lvl3pPr marL="914400" algn="l" defTabSz="914400" rtl="0" eaLnBrk="1" latinLnBrk="0" hangingPunct="1">
+        <a:defRPr sz="1800" kern="1200">
+          <a:solidFill>
+            <a:schemeClr val="tx1"/>
+          </a:solidFill>
+          <a:latin typeface="+mn-lt"/>
+          <a:ea typeface="+mn-ea"/>
+          <a:cs typeface="+mn-cs"/>
+        </a:defRPr>
+      </a:lvl3pPr>
+      <a:lvl4pPr marL="1371600" algn="l" defTabSz="914400" rtl="0" eaLnBrk="1" latinLnBrk="0" hangingPunct="1">
+        <a:defRPr sz="1800" kern="1200">
+          <a:solidFill>
+            <a:schemeClr val="tx1"/>
+          </a:solidFill>
+          <a:latin typeface="+mn-lt"/>
+          <a:ea typeface="+mn-ea"/>
+          <a:cs typeface="+mn-cs"/>
+        </a:defRPr>
+      </a:lvl4pPr>
+      <a:lvl5pPr marL="1828800" algn="l" defTabSz="914400" rtl="0" eaLnBrk="1" latinLnBrk="0" hangingPunct="1">
+        <a:defRPr sz="1800" kern="1200">
+          <a:solidFill>
+            <a:schemeClr val="tx1"/>
+          </a:solidFill>
+          <a:latin typeface="+mn-lt"/>
+          <a:ea typeface="+mn-ea"/>
+          <a:cs typeface="+mn-cs"/>
+        </a:defRPr>
+      </a:lvl5pPr>
+      <a:lvl6pPr marL="2286000" algn="l" defTabSz="914400" rtl="0" eaLnBrk="1" latinLnBrk="0" hangingPunct="1">
+        <a:defRPr sz="1800" kern="1200">
+          <a:solidFill>
+            <a:schemeClr val="tx1"/>
+          </a:solidFill>
+          <a:latin typeface="+mn-lt"/>
+          <a:ea typeface="+mn-ea"/>
+          <a:cs typeface="+mn-cs"/>
+        </a:defRPr>
+      </a:lvl6pPr>
+      <a:lvl7pPr marL="2743200" algn="l" defTabSz="914400" rtl="0" eaLnBrk="1" latinLnBrk="0" hangingPunct="1">
+        <a:defRPr sz="1800" kern="1200">
+          <a:solidFill>
+            <a:schemeClr val="tx1"/>
+          </a:solidFill>
+          <a:latin typeface="+mn-lt"/>
+          <a:ea typeface="+mn-ea"/>
+          <a:cs typeface="+mn-cs"/>
+        </a:defRPr>
+      </a:lvl7pPr>
+      <a:lvl8pPr marL="3200400" algn="l" defTabSz="914400" rtl="0" eaLnBrk="1" latinLnBrk="0" hangingPunct="1">
+        <a:defRPr sz="1800" kern="1200">
+          <a:solidFill>
+            <a:schemeClr val="tx1"/>
+          </a:solidFill>
+          <a:latin typeface="+mn-lt"/>
+          <a:ea typeface="+mn-ea"/>
+          <a:cs typeface="+mn-cs"/>
+        </a:defRPr>
+      </a:lvl8pPr>
+      <a:lvl9pPr marL="3657600" algn="l" defTabSz="914400" rtl="0" eaLnBrk="1" latinLnBrk="0" hangingPunct="1">
+        <a:defRPr sz="1800" kern="1200">
+          <a:solidFill>
+            <a:schemeClr val="tx1"/>
+          </a:solidFill>
+          <a:latin typeface="+mn-lt"/>
+          <a:ea typeface="+mn-ea"/>
+          <a:cs typeface="+mn-cs"/>
+        </a:defRPr>
+      </a:lvl9pPr>
+    </p:otherStyle>
+  </p:txStyles>
 </p:sldMaster>
 </file>
 
 <file path=ppt/slideMasters/slideMaster3.xml><?xml version="1.0" encoding="utf-8"?>
-<p:sldMaster xmlns:a="http://schemas.openxmlformats.org/drawingml/2006/main" xmlns:p="http://schemas.openxmlformats.org/presentationml/2006/main" xmlns:r="http://schemas.openxmlformats.org/officeDocument/2006/relationships">
+<p:sldMaster xmlns:a="http://schemas.openxmlformats.org/drawingml/2006/main" xmlns:r="http://schemas.openxmlformats.org/officeDocument/2006/relationships" xmlns:p="http://schemas.openxmlformats.org/presentationml/2006/main">
   <p:cSld>
     <p:bg>
       <p:bgPr>
         <a:solidFill>
-          <a:srgbClr val="ffffff"/>
+          <a:srgbClr val="FFFFFF"/>
         </a:solidFill>
+        <a:effectLst/>
       </p:bgPr>
     </p:bg>
     <p:spTree>
@@ -6394,12 +7475,12 @@
       </p:grpSpPr>
       <p:pic>
         <p:nvPicPr>
-          <p:cNvPr descr="" id="78" name="Picture 3"/>
+          <p:cNvPr id="78" name="Picture 3"/>
           <p:cNvPicPr/>
           <p:nvPr/>
         </p:nvPicPr>
         <p:blipFill>
-          <a:blip r:embed="rId2"/>
+          <a:blip r:embed="rId14"/>
           <a:stretch>
             <a:fillRect/>
           </a:stretch>
@@ -6419,12 +7500,12 @@
       </p:pic>
       <p:pic>
         <p:nvPicPr>
-          <p:cNvPr descr="" id="79" name="Picture 4"/>
+          <p:cNvPr id="79" name="Picture 4"/>
           <p:cNvPicPr/>
           <p:nvPr/>
         </p:nvPicPr>
         <p:blipFill>
-          <a:blip r:embed="rId3"/>
+          <a:blip r:embed="rId15"/>
           <a:stretch>
             <a:fillRect/>
           </a:stretch>
@@ -6463,6 +7544,7 @@
         </p:spPr>
         <p:txBody>
           <a:bodyPr anchor="ctr"/>
+          <a:lstStyle/>
           <a:p>
             <a:pPr algn="ctr">
               <a:lnSpc>
@@ -6502,7 +7584,8 @@
           </a:prstGeom>
         </p:spPr>
         <p:txBody>
-          <a:bodyPr bIns="0" lIns="0" rIns="0" tIns="0" wrap="none"/>
+          <a:bodyPr wrap="none" lIns="0" tIns="0" rIns="0" bIns="0"/>
+          <a:lstStyle/>
           <a:p>
             <a:pPr>
               <a:buSzPct val="25000"/>
@@ -6591,26 +7674,306 @@
       </p:sp>
     </p:spTree>
   </p:cSld>
-  <p:clrMap accent1="accent1" accent2="accent2" accent3="accent3" accent4="accent4" accent5="accent5" accent6="accent6" bg1="lt1" bg2="lt2" folHlink="folHlink" hlink="hlink" tx1="dk1" tx2="dk2"/>
+  <p:clrMap bg1="lt1" tx1="dk1" bg2="lt2" tx2="dk2" accent1="accent1" accent2="accent2" accent3="accent3" accent4="accent4" accent5="accent5" accent6="accent6" hlink="hlink" folHlink="folHlink"/>
   <p:sldLayoutIdLst>
-    <p:sldLayoutId id="2147483675" r:id="rId4"/>
-    <p:sldLayoutId id="2147483676" r:id="rId5"/>
-    <p:sldLayoutId id="2147483677" r:id="rId6"/>
-    <p:sldLayoutId id="2147483678" r:id="rId7"/>
-    <p:sldLayoutId id="2147483679" r:id="rId8"/>
-    <p:sldLayoutId id="2147483680" r:id="rId9"/>
-    <p:sldLayoutId id="2147483681" r:id="rId10"/>
-    <p:sldLayoutId id="2147483682" r:id="rId11"/>
-    <p:sldLayoutId id="2147483683" r:id="rId12"/>
-    <p:sldLayoutId id="2147483684" r:id="rId13"/>
-    <p:sldLayoutId id="2147483685" r:id="rId14"/>
-    <p:sldLayoutId id="2147483686" r:id="rId15"/>
+    <p:sldLayoutId id="2147483675" r:id="rId1"/>
+    <p:sldLayoutId id="2147483676" r:id="rId2"/>
+    <p:sldLayoutId id="2147483677" r:id="rId3"/>
+    <p:sldLayoutId id="2147483678" r:id="rId4"/>
+    <p:sldLayoutId id="2147483679" r:id="rId5"/>
+    <p:sldLayoutId id="2147483680" r:id="rId6"/>
+    <p:sldLayoutId id="2147483681" r:id="rId7"/>
+    <p:sldLayoutId id="2147483682" r:id="rId8"/>
+    <p:sldLayoutId id="2147483683" r:id="rId9"/>
+    <p:sldLayoutId id="2147483684" r:id="rId10"/>
+    <p:sldLayoutId id="2147483685" r:id="rId11"/>
+    <p:sldLayoutId id="2147483686" r:id="rId12"/>
   </p:sldLayoutIdLst>
+  <p:txStyles>
+    <p:titleStyle>
+      <a:lvl1pPr algn="l" defTabSz="914400" rtl="0" eaLnBrk="1" latinLnBrk="0" hangingPunct="1">
+        <a:lnSpc>
+          <a:spcPct val="90000"/>
+        </a:lnSpc>
+        <a:spcBef>
+          <a:spcPct val="0"/>
+        </a:spcBef>
+        <a:buNone/>
+        <a:defRPr sz="4400" kern="1200">
+          <a:solidFill>
+            <a:schemeClr val="tx1"/>
+          </a:solidFill>
+          <a:latin typeface="+mj-lt"/>
+          <a:ea typeface="+mj-ea"/>
+          <a:cs typeface="+mj-cs"/>
+        </a:defRPr>
+      </a:lvl1pPr>
+    </p:titleStyle>
+    <p:bodyStyle>
+      <a:lvl1pPr marL="228600" indent="-228600" algn="l" defTabSz="914400" rtl="0" eaLnBrk="1" latinLnBrk="0" hangingPunct="1">
+        <a:lnSpc>
+          <a:spcPct val="90000"/>
+        </a:lnSpc>
+        <a:spcBef>
+          <a:spcPts val="1000"/>
+        </a:spcBef>
+        <a:buFont typeface="Arial"/>
+        <a:buChar char="•"/>
+        <a:defRPr sz="2800" kern="1200">
+          <a:solidFill>
+            <a:schemeClr val="tx1"/>
+          </a:solidFill>
+          <a:latin typeface="+mn-lt"/>
+          <a:ea typeface="+mn-ea"/>
+          <a:cs typeface="+mn-cs"/>
+        </a:defRPr>
+      </a:lvl1pPr>
+      <a:lvl2pPr marL="685800" indent="-228600" algn="l" defTabSz="914400" rtl="0" eaLnBrk="1" latinLnBrk="0" hangingPunct="1">
+        <a:lnSpc>
+          <a:spcPct val="90000"/>
+        </a:lnSpc>
+        <a:spcBef>
+          <a:spcPts val="500"/>
+        </a:spcBef>
+        <a:buFont typeface="Arial"/>
+        <a:buChar char="•"/>
+        <a:defRPr sz="2400" kern="1200">
+          <a:solidFill>
+            <a:schemeClr val="tx1"/>
+          </a:solidFill>
+          <a:latin typeface="+mn-lt"/>
+          <a:ea typeface="+mn-ea"/>
+          <a:cs typeface="+mn-cs"/>
+        </a:defRPr>
+      </a:lvl2pPr>
+      <a:lvl3pPr marL="1143000" indent="-228600" algn="l" defTabSz="914400" rtl="0" eaLnBrk="1" latinLnBrk="0" hangingPunct="1">
+        <a:lnSpc>
+          <a:spcPct val="90000"/>
+        </a:lnSpc>
+        <a:spcBef>
+          <a:spcPts val="500"/>
+        </a:spcBef>
+        <a:buFont typeface="Arial"/>
+        <a:buChar char="•"/>
+        <a:defRPr sz="2000" kern="1200">
+          <a:solidFill>
+            <a:schemeClr val="tx1"/>
+          </a:solidFill>
+          <a:latin typeface="+mn-lt"/>
+          <a:ea typeface="+mn-ea"/>
+          <a:cs typeface="+mn-cs"/>
+        </a:defRPr>
+      </a:lvl3pPr>
+      <a:lvl4pPr marL="1600200" indent="-228600" algn="l" defTabSz="914400" rtl="0" eaLnBrk="1" latinLnBrk="0" hangingPunct="1">
+        <a:lnSpc>
+          <a:spcPct val="90000"/>
+        </a:lnSpc>
+        <a:spcBef>
+          <a:spcPts val="500"/>
+        </a:spcBef>
+        <a:buFont typeface="Arial"/>
+        <a:buChar char="•"/>
+        <a:defRPr sz="1800" kern="1200">
+          <a:solidFill>
+            <a:schemeClr val="tx1"/>
+          </a:solidFill>
+          <a:latin typeface="+mn-lt"/>
+          <a:ea typeface="+mn-ea"/>
+          <a:cs typeface="+mn-cs"/>
+        </a:defRPr>
+      </a:lvl4pPr>
+      <a:lvl5pPr marL="2057400" indent="-228600" algn="l" defTabSz="914400" rtl="0" eaLnBrk="1" latinLnBrk="0" hangingPunct="1">
+        <a:lnSpc>
+          <a:spcPct val="90000"/>
+        </a:lnSpc>
+        <a:spcBef>
+          <a:spcPts val="500"/>
+        </a:spcBef>
+        <a:buFont typeface="Arial"/>
+        <a:buChar char="•"/>
+        <a:defRPr sz="1800" kern="1200">
+          <a:solidFill>
+            <a:schemeClr val="tx1"/>
+          </a:solidFill>
+          <a:latin typeface="+mn-lt"/>
+          <a:ea typeface="+mn-ea"/>
+          <a:cs typeface="+mn-cs"/>
+        </a:defRPr>
+      </a:lvl5pPr>
+      <a:lvl6pPr marL="2514600" indent="-228600" algn="l" defTabSz="914400" rtl="0" eaLnBrk="1" latinLnBrk="0" hangingPunct="1">
+        <a:lnSpc>
+          <a:spcPct val="90000"/>
+        </a:lnSpc>
+        <a:spcBef>
+          <a:spcPts val="500"/>
+        </a:spcBef>
+        <a:buFont typeface="Arial"/>
+        <a:buChar char="•"/>
+        <a:defRPr sz="1800" kern="1200">
+          <a:solidFill>
+            <a:schemeClr val="tx1"/>
+          </a:solidFill>
+          <a:latin typeface="+mn-lt"/>
+          <a:ea typeface="+mn-ea"/>
+          <a:cs typeface="+mn-cs"/>
+        </a:defRPr>
+      </a:lvl6pPr>
+      <a:lvl7pPr marL="2971800" indent="-228600" algn="l" defTabSz="914400" rtl="0" eaLnBrk="1" latinLnBrk="0" hangingPunct="1">
+        <a:lnSpc>
+          <a:spcPct val="90000"/>
+        </a:lnSpc>
+        <a:spcBef>
+          <a:spcPts val="500"/>
+        </a:spcBef>
+        <a:buFont typeface="Arial"/>
+        <a:buChar char="•"/>
+        <a:defRPr sz="1800" kern="1200">
+          <a:solidFill>
+            <a:schemeClr val="tx1"/>
+          </a:solidFill>
+          <a:latin typeface="+mn-lt"/>
+          <a:ea typeface="+mn-ea"/>
+          <a:cs typeface="+mn-cs"/>
+        </a:defRPr>
+      </a:lvl7pPr>
+      <a:lvl8pPr marL="3429000" indent="-228600" algn="l" defTabSz="914400" rtl="0" eaLnBrk="1" latinLnBrk="0" hangingPunct="1">
+        <a:lnSpc>
+          <a:spcPct val="90000"/>
+        </a:lnSpc>
+        <a:spcBef>
+          <a:spcPts val="500"/>
+        </a:spcBef>
+        <a:buFont typeface="Arial"/>
+        <a:buChar char="•"/>
+        <a:defRPr sz="1800" kern="1200">
+          <a:solidFill>
+            <a:schemeClr val="tx1"/>
+          </a:solidFill>
+          <a:latin typeface="+mn-lt"/>
+          <a:ea typeface="+mn-ea"/>
+          <a:cs typeface="+mn-cs"/>
+        </a:defRPr>
+      </a:lvl8pPr>
+      <a:lvl9pPr marL="3886200" indent="-228600" algn="l" defTabSz="914400" rtl="0" eaLnBrk="1" latinLnBrk="0" hangingPunct="1">
+        <a:lnSpc>
+          <a:spcPct val="90000"/>
+        </a:lnSpc>
+        <a:spcBef>
+          <a:spcPts val="500"/>
+        </a:spcBef>
+        <a:buFont typeface="Arial"/>
+        <a:buChar char="•"/>
+        <a:defRPr sz="1800" kern="1200">
+          <a:solidFill>
+            <a:schemeClr val="tx1"/>
+          </a:solidFill>
+          <a:latin typeface="+mn-lt"/>
+          <a:ea typeface="+mn-ea"/>
+          <a:cs typeface="+mn-cs"/>
+        </a:defRPr>
+      </a:lvl9pPr>
+    </p:bodyStyle>
+    <p:otherStyle>
+      <a:defPPr>
+        <a:defRPr lang="en-US"/>
+      </a:defPPr>
+      <a:lvl1pPr marL="0" algn="l" defTabSz="914400" rtl="0" eaLnBrk="1" latinLnBrk="0" hangingPunct="1">
+        <a:defRPr sz="1800" kern="1200">
+          <a:solidFill>
+            <a:schemeClr val="tx1"/>
+          </a:solidFill>
+          <a:latin typeface="+mn-lt"/>
+          <a:ea typeface="+mn-ea"/>
+          <a:cs typeface="+mn-cs"/>
+        </a:defRPr>
+      </a:lvl1pPr>
+      <a:lvl2pPr marL="457200" algn="l" defTabSz="914400" rtl="0" eaLnBrk="1" latinLnBrk="0" hangingPunct="1">
+        <a:defRPr sz="1800" kern="1200">
+          <a:solidFill>
+            <a:schemeClr val="tx1"/>
+          </a:solidFill>
+          <a:latin typeface="+mn-lt"/>
+          <a:ea typeface="+mn-ea"/>
+          <a:cs typeface="+mn-cs"/>
+        </a:defRPr>
+      </a:lvl2pPr>
+      <a:lvl3pPr marL="914400" algn="l" defTabSz="914400" rtl="0" eaLnBrk="1" latinLnBrk="0" hangingPunct="1">
+        <a:defRPr sz="1800" kern="1200">
+          <a:solidFill>
+            <a:schemeClr val="tx1"/>
+          </a:solidFill>
+          <a:latin typeface="+mn-lt"/>
+          <a:ea typeface="+mn-ea"/>
+          <a:cs typeface="+mn-cs"/>
+        </a:defRPr>
+      </a:lvl3pPr>
+      <a:lvl4pPr marL="1371600" algn="l" defTabSz="914400" rtl="0" eaLnBrk="1" latinLnBrk="0" hangingPunct="1">
+        <a:defRPr sz="1800" kern="1200">
+          <a:solidFill>
+            <a:schemeClr val="tx1"/>
+          </a:solidFill>
+          <a:latin typeface="+mn-lt"/>
+          <a:ea typeface="+mn-ea"/>
+          <a:cs typeface="+mn-cs"/>
+        </a:defRPr>
+      </a:lvl4pPr>
+      <a:lvl5pPr marL="1828800" algn="l" defTabSz="914400" rtl="0" eaLnBrk="1" latinLnBrk="0" hangingPunct="1">
+        <a:defRPr sz="1800" kern="1200">
+          <a:solidFill>
+            <a:schemeClr val="tx1"/>
+          </a:solidFill>
+          <a:latin typeface="+mn-lt"/>
+          <a:ea typeface="+mn-ea"/>
+          <a:cs typeface="+mn-cs"/>
+        </a:defRPr>
+      </a:lvl5pPr>
+      <a:lvl6pPr marL="2286000" algn="l" defTabSz="914400" rtl="0" eaLnBrk="1" latinLnBrk="0" hangingPunct="1">
+        <a:defRPr sz="1800" kern="1200">
+          <a:solidFill>
+            <a:schemeClr val="tx1"/>
+          </a:solidFill>
+          <a:latin typeface="+mn-lt"/>
+          <a:ea typeface="+mn-ea"/>
+          <a:cs typeface="+mn-cs"/>
+        </a:defRPr>
+      </a:lvl6pPr>
+      <a:lvl7pPr marL="2743200" algn="l" defTabSz="914400" rtl="0" eaLnBrk="1" latinLnBrk="0" hangingPunct="1">
+        <a:defRPr sz="1800" kern="1200">
+          <a:solidFill>
+            <a:schemeClr val="tx1"/>
+          </a:solidFill>
+          <a:latin typeface="+mn-lt"/>
+          <a:ea typeface="+mn-ea"/>
+          <a:cs typeface="+mn-cs"/>
+        </a:defRPr>
+      </a:lvl7pPr>
+      <a:lvl8pPr marL="3200400" algn="l" defTabSz="914400" rtl="0" eaLnBrk="1" latinLnBrk="0" hangingPunct="1">
+        <a:defRPr sz="1800" kern="1200">
+          <a:solidFill>
+            <a:schemeClr val="tx1"/>
+          </a:solidFill>
+          <a:latin typeface="+mn-lt"/>
+          <a:ea typeface="+mn-ea"/>
+          <a:cs typeface="+mn-cs"/>
+        </a:defRPr>
+      </a:lvl8pPr>
+      <a:lvl9pPr marL="3657600" algn="l" defTabSz="914400" rtl="0" eaLnBrk="1" latinLnBrk="0" hangingPunct="1">
+        <a:defRPr sz="1800" kern="1200">
+          <a:solidFill>
+            <a:schemeClr val="tx1"/>
+          </a:solidFill>
+          <a:latin typeface="+mn-lt"/>
+          <a:ea typeface="+mn-ea"/>
+          <a:cs typeface="+mn-cs"/>
+        </a:defRPr>
+      </a:lvl9pPr>
+    </p:otherStyle>
+  </p:txStyles>
 </p:sldMaster>
 </file>
 
 <file path=ppt/slides/slide1.xml><?xml version="1.0" encoding="utf-8"?>
-<p:sld xmlns:a="http://schemas.openxmlformats.org/drawingml/2006/main" xmlns:p="http://schemas.openxmlformats.org/presentationml/2006/main" xmlns:r="http://schemas.openxmlformats.org/officeDocument/2006/relationships">
+<p:sld xmlns:a="http://schemas.openxmlformats.org/drawingml/2006/main" xmlns:r="http://schemas.openxmlformats.org/officeDocument/2006/relationships" xmlns:p="http://schemas.openxmlformats.org/presentationml/2006/main">
   <p:cSld>
     <p:spTree>
       <p:nvGrpSpPr>
@@ -6643,6 +8006,7 @@
         </p:spPr>
         <p:txBody>
           <a:bodyPr anchor="ctr"/>
+          <a:lstStyle/>
           <a:p>
             <a:pPr algn="ctr">
               <a:lnSpc>
@@ -6679,6 +8043,7 @@
         </p:spPr>
         <p:txBody>
           <a:bodyPr/>
+          <a:lstStyle/>
           <a:p>
             <a:pPr algn="ctr">
               <a:lnSpc>
@@ -6688,7 +8053,7 @@
             <a:r>
               <a:rPr lang="en-US" sz="3200">
                 <a:solidFill>
-                  <a:srgbClr val="8b8b8b"/>
+                  <a:srgbClr val="8B8B8B"/>
                 </a:solidFill>
                 <a:latin typeface="CamingoDos Pro Cd"/>
               </a:rPr>
@@ -6726,7 +8091,8 @@
           </a:ln>
         </p:spPr>
         <p:txBody>
-          <a:bodyPr bIns="45000" lIns="90000" rIns="90000" tIns="45000"/>
+          <a:bodyPr lIns="90000" tIns="45000" rIns="90000" bIns="45000"/>
+          <a:lstStyle/>
           <a:p>
             <a:pPr algn="ctr">
               <a:lnSpc>
@@ -6759,17 +8125,7 @@
                 <a:latin typeface="Calibri"/>
                 <a:ea typeface="Arial"/>
               </a:rPr>
-              <a:t> </a:t>
-            </a:r>
-            <a:r>
-              <a:rPr lang="en-US" sz="1200">
-                <a:solidFill>
-                  <a:srgbClr val="292929"/>
-                </a:solidFill>
-                <a:latin typeface="Calibri"/>
-                <a:ea typeface="Arial"/>
-              </a:rPr>
-              <a:t>Creative Commons Attribution-ShareAlike 4.0 International License. </a:t>
+              <a:t> Creative Commons Attribution-ShareAlike 4.0 International License. </a:t>
             </a:r>
             <a:endParaRPr/>
           </a:p>
@@ -6792,11 +8148,11 @@
             <a:r>
               <a:rPr lang="en-US" sz="1200" u="sng">
                 <a:solidFill>
-                  <a:srgbClr val="0000ff"/>
+                  <a:srgbClr val="0000FF"/>
                 </a:solidFill>
                 <a:latin typeface="Calibri"/>
                 <a:ea typeface="Arial"/>
-                <a:hlinkClick r:id="rId1"/>
+                <a:hlinkClick r:id="rId3"/>
               </a:rPr>
               <a:t>http://creativecommons.org/licenses/by-sa/4.0/</a:t>
             </a:r>
@@ -6816,14 +8172,17 @@
       </p:sp>
     </p:spTree>
   </p:cSld>
+  <p:clrMapOvr>
+    <a:masterClrMapping/>
+  </p:clrMapOvr>
   <p:transition spd="slow">
-    <p:fade thruBlk="true"/>
+    <p:fade thruBlk="1"/>
   </p:transition>
 </p:sld>
 </file>
 
 <file path=ppt/slides/slide10.xml><?xml version="1.0" encoding="utf-8"?>
-<p:sld xmlns:a="http://schemas.openxmlformats.org/drawingml/2006/main" xmlns:p="http://schemas.openxmlformats.org/presentationml/2006/main" xmlns:r="http://schemas.openxmlformats.org/officeDocument/2006/relationships">
+<p:sld xmlns:a="http://schemas.openxmlformats.org/drawingml/2006/main" xmlns:r="http://schemas.openxmlformats.org/officeDocument/2006/relationships" xmlns:p="http://schemas.openxmlformats.org/presentationml/2006/main">
   <p:cSld>
     <p:spTree>
       <p:nvGrpSpPr>
@@ -6856,6 +8215,7 @@
         </p:spPr>
         <p:txBody>
           <a:bodyPr anchor="ctr"/>
+          <a:lstStyle/>
           <a:p>
             <a:pPr algn="ctr">
               <a:lnSpc>
@@ -6888,11 +8248,11 @@
           </a:xfrm>
           <a:prstGeom prst="roundRect">
             <a:avLst>
-              <a:gd fmla="val 16667" name="adj"/>
+              <a:gd name="adj" fmla="val 16667"/>
             </a:avLst>
           </a:prstGeom>
           <a:solidFill>
-            <a:srgbClr val="c3d69b"/>
+            <a:srgbClr val="C3D69B"/>
           </a:solidFill>
           <a:ln w="9360">
             <a:solidFill>
@@ -6915,11 +8275,11 @@
           </a:xfrm>
           <a:prstGeom prst="roundRect">
             <a:avLst>
-              <a:gd fmla="val 16667" name="adj"/>
+              <a:gd name="adj" fmla="val 16667"/>
             </a:avLst>
           </a:prstGeom>
           <a:solidFill>
-            <a:srgbClr val="c3d69b"/>
+            <a:srgbClr val="C3D69B"/>
           </a:solidFill>
           <a:ln w="9360">
             <a:solidFill>
@@ -6942,11 +8302,11 @@
           </a:xfrm>
           <a:prstGeom prst="roundRect">
             <a:avLst>
-              <a:gd fmla="val 16667" name="adj"/>
+              <a:gd name="adj" fmla="val 16667"/>
             </a:avLst>
           </a:prstGeom>
           <a:solidFill>
-            <a:srgbClr val="c3d69b"/>
+            <a:srgbClr val="C3D69B"/>
           </a:solidFill>
           <a:ln w="9360">
             <a:solidFill>
@@ -6969,11 +8329,11 @@
           </a:xfrm>
           <a:prstGeom prst="roundRect">
             <a:avLst>
-              <a:gd fmla="val 16667" name="adj"/>
+              <a:gd name="adj" fmla="val 16667"/>
             </a:avLst>
           </a:prstGeom>
           <a:solidFill>
-            <a:srgbClr val="c3d69b"/>
+            <a:srgbClr val="C3D69B"/>
           </a:solidFill>
           <a:ln w="9360">
             <a:solidFill>
@@ -6996,11 +8356,11 @@
           </a:xfrm>
           <a:prstGeom prst="roundRect">
             <a:avLst>
-              <a:gd fmla="val 16667" name="adj"/>
+              <a:gd name="adj" fmla="val 16667"/>
             </a:avLst>
           </a:prstGeom>
           <a:solidFill>
-            <a:srgbClr val="c3d69b"/>
+            <a:srgbClr val="C3D69B"/>
           </a:solidFill>
           <a:ln w="9360">
             <a:solidFill>
@@ -7023,11 +8383,11 @@
           </a:xfrm>
           <a:prstGeom prst="roundRect">
             <a:avLst>
-              <a:gd fmla="val 16667" name="adj"/>
+              <a:gd name="adj" fmla="val 16667"/>
             </a:avLst>
           </a:prstGeom>
           <a:solidFill>
-            <a:srgbClr val="c3d69b"/>
+            <a:srgbClr val="C3D69B"/>
           </a:solidFill>
           <a:ln w="9360">
             <a:solidFill>
@@ -7050,11 +8410,11 @@
           </a:xfrm>
           <a:prstGeom prst="roundRect">
             <a:avLst>
-              <a:gd fmla="val 16667" name="adj"/>
+              <a:gd name="adj" fmla="val 16667"/>
             </a:avLst>
           </a:prstGeom>
           <a:solidFill>
-            <a:srgbClr val="c3d69b"/>
+            <a:srgbClr val="C3D69B"/>
           </a:solidFill>
           <a:ln w="9360">
             <a:solidFill>
@@ -7077,11 +8437,11 @@
           </a:xfrm>
           <a:prstGeom prst="roundRect">
             <a:avLst>
-              <a:gd fmla="val 16667" name="adj"/>
+              <a:gd name="adj" fmla="val 16667"/>
             </a:avLst>
           </a:prstGeom>
           <a:solidFill>
-            <a:srgbClr val="c3d69b"/>
+            <a:srgbClr val="C3D69B"/>
           </a:solidFill>
           <a:ln w="9360">
             <a:solidFill>
@@ -7104,11 +8464,11 @@
           </a:xfrm>
           <a:prstGeom prst="roundRect">
             <a:avLst>
-              <a:gd fmla="val 16667" name="adj"/>
+              <a:gd name="adj" fmla="val 16667"/>
             </a:avLst>
           </a:prstGeom>
           <a:solidFill>
-            <a:srgbClr val="c3d69b"/>
+            <a:srgbClr val="C3D69B"/>
           </a:solidFill>
           <a:ln w="9360">
             <a:solidFill>
@@ -7131,11 +8491,11 @@
           </a:xfrm>
           <a:prstGeom prst="roundRect">
             <a:avLst>
-              <a:gd fmla="val 16667" name="adj"/>
+              <a:gd name="adj" fmla="val 16667"/>
             </a:avLst>
           </a:prstGeom>
           <a:solidFill>
-            <a:srgbClr val="c3d69b"/>
+            <a:srgbClr val="C3D69B"/>
           </a:solidFill>
           <a:ln w="9360">
             <a:solidFill>
@@ -7158,11 +8518,11 @@
           </a:xfrm>
           <a:prstGeom prst="roundRect">
             <a:avLst>
-              <a:gd fmla="val 16667" name="adj"/>
+              <a:gd name="adj" fmla="val 16667"/>
             </a:avLst>
           </a:prstGeom>
           <a:solidFill>
-            <a:srgbClr val="c3d69b"/>
+            <a:srgbClr val="C3D69B"/>
           </a:solidFill>
           <a:ln w="9360">
             <a:solidFill>
@@ -7185,11 +8545,11 @@
           </a:xfrm>
           <a:prstGeom prst="roundRect">
             <a:avLst>
-              <a:gd fmla="val 16667" name="adj"/>
+              <a:gd name="adj" fmla="val 16667"/>
             </a:avLst>
           </a:prstGeom>
           <a:solidFill>
-            <a:srgbClr val="c3d69b"/>
+            <a:srgbClr val="C3D69B"/>
           </a:solidFill>
           <a:ln w="9360">
             <a:solidFill>
@@ -7212,11 +8572,11 @@
           </a:xfrm>
           <a:prstGeom prst="roundRect">
             <a:avLst>
-              <a:gd fmla="val 16667" name="adj"/>
+              <a:gd name="adj" fmla="val 16667"/>
             </a:avLst>
           </a:prstGeom>
           <a:solidFill>
-            <a:srgbClr val="c3d69b"/>
+            <a:srgbClr val="C3D69B"/>
           </a:solidFill>
           <a:ln w="9360">
             <a:solidFill>
@@ -7239,11 +8599,11 @@
           </a:xfrm>
           <a:prstGeom prst="roundRect">
             <a:avLst>
-              <a:gd fmla="val 16667" name="adj"/>
+              <a:gd name="adj" fmla="val 16667"/>
             </a:avLst>
           </a:prstGeom>
           <a:solidFill>
-            <a:srgbClr val="c3d69b"/>
+            <a:srgbClr val="C3D69B"/>
           </a:solidFill>
           <a:ln w="9360">
             <a:solidFill>
@@ -7266,11 +8626,11 @@
           </a:xfrm>
           <a:prstGeom prst="roundRect">
             <a:avLst>
-              <a:gd fmla="val 16667" name="adj"/>
+              <a:gd name="adj" fmla="val 16667"/>
             </a:avLst>
           </a:prstGeom>
           <a:solidFill>
-            <a:srgbClr val="c3d69b"/>
+            <a:srgbClr val="C3D69B"/>
           </a:solidFill>
           <a:ln w="9360">
             <a:solidFill>
@@ -7293,11 +8653,11 @@
           </a:xfrm>
           <a:prstGeom prst="roundRect">
             <a:avLst>
-              <a:gd fmla="val 16667" name="adj"/>
+              <a:gd name="adj" fmla="val 16667"/>
             </a:avLst>
           </a:prstGeom>
           <a:solidFill>
-            <a:srgbClr val="c3d69b"/>
+            <a:srgbClr val="C3D69B"/>
           </a:solidFill>
           <a:ln w="9360">
             <a:solidFill>
@@ -7320,11 +8680,11 @@
           </a:xfrm>
           <a:prstGeom prst="roundRect">
             <a:avLst>
-              <a:gd fmla="val 16667" name="adj"/>
+              <a:gd name="adj" fmla="val 16667"/>
             </a:avLst>
           </a:prstGeom>
           <a:solidFill>
-            <a:srgbClr val="c3d69b"/>
+            <a:srgbClr val="C3D69B"/>
           </a:solidFill>
           <a:ln w="9360">
             <a:solidFill>
@@ -7347,11 +8707,11 @@
           </a:xfrm>
           <a:prstGeom prst="roundRect">
             <a:avLst>
-              <a:gd fmla="val 16667" name="adj"/>
+              <a:gd name="adj" fmla="val 16667"/>
             </a:avLst>
           </a:prstGeom>
           <a:solidFill>
-            <a:srgbClr val="c3d69b"/>
+            <a:srgbClr val="C3D69B"/>
           </a:solidFill>
           <a:ln w="9360">
             <a:solidFill>
@@ -7374,11 +8734,11 @@
           </a:xfrm>
           <a:prstGeom prst="roundRect">
             <a:avLst>
-              <a:gd fmla="val 16667" name="adj"/>
+              <a:gd name="adj" fmla="val 16667"/>
             </a:avLst>
           </a:prstGeom>
           <a:solidFill>
-            <a:srgbClr val="c3d69b"/>
+            <a:srgbClr val="C3D69B"/>
           </a:solidFill>
           <a:ln w="9360">
             <a:solidFill>
@@ -7401,11 +8761,11 @@
           </a:xfrm>
           <a:prstGeom prst="roundRect">
             <a:avLst>
-              <a:gd fmla="val 16667" name="adj"/>
+              <a:gd name="adj" fmla="val 16667"/>
             </a:avLst>
           </a:prstGeom>
           <a:solidFill>
-            <a:srgbClr val="c3d69b"/>
+            <a:srgbClr val="C3D69B"/>
           </a:solidFill>
           <a:ln w="9360">
             <a:solidFill>
@@ -7428,11 +8788,11 @@
           </a:xfrm>
           <a:prstGeom prst="roundRect">
             <a:avLst>
-              <a:gd fmla="val 16667" name="adj"/>
+              <a:gd name="adj" fmla="val 16667"/>
             </a:avLst>
           </a:prstGeom>
           <a:solidFill>
-            <a:srgbClr val="c3d69b"/>
+            <a:srgbClr val="C3D69B"/>
           </a:solidFill>
           <a:ln w="9360">
             <a:solidFill>
@@ -7455,11 +8815,11 @@
           </a:xfrm>
           <a:prstGeom prst="roundRect">
             <a:avLst>
-              <a:gd fmla="val 16667" name="adj"/>
+              <a:gd name="adj" fmla="val 16667"/>
             </a:avLst>
           </a:prstGeom>
           <a:solidFill>
-            <a:srgbClr val="c3d69b"/>
+            <a:srgbClr val="C3D69B"/>
           </a:solidFill>
           <a:ln w="9360">
             <a:solidFill>
@@ -7482,11 +8842,11 @@
           </a:xfrm>
           <a:prstGeom prst="roundRect">
             <a:avLst>
-              <a:gd fmla="val 16667" name="adj"/>
+              <a:gd name="adj" fmla="val 16667"/>
             </a:avLst>
           </a:prstGeom>
           <a:solidFill>
-            <a:srgbClr val="c3d69b"/>
+            <a:srgbClr val="C3D69B"/>
           </a:solidFill>
           <a:ln w="9360">
             <a:solidFill>
@@ -7509,11 +8869,11 @@
           </a:xfrm>
           <a:prstGeom prst="roundRect">
             <a:avLst>
-              <a:gd fmla="val 16667" name="adj"/>
+              <a:gd name="adj" fmla="val 16667"/>
             </a:avLst>
           </a:prstGeom>
           <a:solidFill>
-            <a:srgbClr val="c3d69b"/>
+            <a:srgbClr val="C3D69B"/>
           </a:solidFill>
           <a:ln w="9360">
             <a:solidFill>
@@ -7536,11 +8896,11 @@
           </a:xfrm>
           <a:prstGeom prst="roundRect">
             <a:avLst>
-              <a:gd fmla="val 16667" name="adj"/>
+              <a:gd name="adj" fmla="val 16667"/>
             </a:avLst>
           </a:prstGeom>
           <a:solidFill>
-            <a:srgbClr val="c3d69b"/>
+            <a:srgbClr val="C3D69B"/>
           </a:solidFill>
           <a:ln w="9360">
             <a:solidFill>
@@ -7563,11 +8923,11 @@
           </a:xfrm>
           <a:prstGeom prst="roundRect">
             <a:avLst>
-              <a:gd fmla="val 16667" name="adj"/>
+              <a:gd name="adj" fmla="val 16667"/>
             </a:avLst>
           </a:prstGeom>
           <a:solidFill>
-            <a:srgbClr val="c3d69b"/>
+            <a:srgbClr val="C3D69B"/>
           </a:solidFill>
           <a:ln w="9360">
             <a:solidFill>
@@ -7590,11 +8950,11 @@
           </a:xfrm>
           <a:prstGeom prst="roundRect">
             <a:avLst>
-              <a:gd fmla="val 16667" name="adj"/>
+              <a:gd name="adj" fmla="val 16667"/>
             </a:avLst>
           </a:prstGeom>
           <a:solidFill>
-            <a:srgbClr val="c3d69b"/>
+            <a:srgbClr val="C3D69B"/>
           </a:solidFill>
           <a:ln w="9360">
             <a:solidFill>
@@ -7617,11 +8977,11 @@
           </a:xfrm>
           <a:prstGeom prst="roundRect">
             <a:avLst>
-              <a:gd fmla="val 16667" name="adj"/>
+              <a:gd name="adj" fmla="val 16667"/>
             </a:avLst>
           </a:prstGeom>
           <a:solidFill>
-            <a:srgbClr val="c3d69b"/>
+            <a:srgbClr val="C3D69B"/>
           </a:solidFill>
           <a:ln w="9360">
             <a:solidFill>
@@ -7644,11 +9004,11 @@
           </a:xfrm>
           <a:prstGeom prst="roundRect">
             <a:avLst>
-              <a:gd fmla="val 16667" name="adj"/>
+              <a:gd name="adj" fmla="val 16667"/>
             </a:avLst>
           </a:prstGeom>
           <a:solidFill>
-            <a:srgbClr val="c3d69b"/>
+            <a:srgbClr val="C3D69B"/>
           </a:solidFill>
           <a:ln w="9360">
             <a:solidFill>
@@ -7671,11 +9031,11 @@
           </a:xfrm>
           <a:prstGeom prst="roundRect">
             <a:avLst>
-              <a:gd fmla="val 16667" name="adj"/>
+              <a:gd name="adj" fmla="val 16667"/>
             </a:avLst>
           </a:prstGeom>
           <a:solidFill>
-            <a:srgbClr val="c3d69b"/>
+            <a:srgbClr val="C3D69B"/>
           </a:solidFill>
           <a:ln w="9360">
             <a:solidFill>
@@ -7698,11 +9058,11 @@
           </a:xfrm>
           <a:prstGeom prst="roundRect">
             <a:avLst>
-              <a:gd fmla="val 16667" name="adj"/>
+              <a:gd name="adj" fmla="val 16667"/>
             </a:avLst>
           </a:prstGeom>
           <a:solidFill>
-            <a:srgbClr val="c3d69b"/>
+            <a:srgbClr val="C3D69B"/>
           </a:solidFill>
           <a:ln w="9360">
             <a:solidFill>
@@ -7725,11 +9085,11 @@
           </a:xfrm>
           <a:prstGeom prst="roundRect">
             <a:avLst>
-              <a:gd fmla="val 16667" name="adj"/>
+              <a:gd name="adj" fmla="val 16667"/>
             </a:avLst>
           </a:prstGeom>
           <a:solidFill>
-            <a:srgbClr val="c3d69b"/>
+            <a:srgbClr val="C3D69B"/>
           </a:solidFill>
           <a:ln w="9360">
             <a:solidFill>
@@ -7752,11 +9112,11 @@
           </a:xfrm>
           <a:prstGeom prst="roundRect">
             <a:avLst>
-              <a:gd fmla="val 16667" name="adj"/>
+              <a:gd name="adj" fmla="val 16667"/>
             </a:avLst>
           </a:prstGeom>
           <a:solidFill>
-            <a:srgbClr val="c3d69b"/>
+            <a:srgbClr val="C3D69B"/>
           </a:solidFill>
           <a:ln w="9360">
             <a:solidFill>
@@ -7779,11 +9139,11 @@
           </a:xfrm>
           <a:prstGeom prst="roundRect">
             <a:avLst>
-              <a:gd fmla="val 16667" name="adj"/>
+              <a:gd name="adj" fmla="val 16667"/>
             </a:avLst>
           </a:prstGeom>
           <a:solidFill>
-            <a:srgbClr val="c3d69b"/>
+            <a:srgbClr val="C3D69B"/>
           </a:solidFill>
           <a:ln w="9360">
             <a:solidFill>
@@ -7806,11 +9166,11 @@
           </a:xfrm>
           <a:prstGeom prst="roundRect">
             <a:avLst>
-              <a:gd fmla="val 16667" name="adj"/>
+              <a:gd name="adj" fmla="val 16667"/>
             </a:avLst>
           </a:prstGeom>
           <a:solidFill>
-            <a:srgbClr val="c3d69b"/>
+            <a:srgbClr val="C3D69B"/>
           </a:solidFill>
           <a:ln w="9360">
             <a:solidFill>
@@ -7833,11 +9193,11 @@
           </a:xfrm>
           <a:prstGeom prst="roundRect">
             <a:avLst>
-              <a:gd fmla="val 16667" name="adj"/>
+              <a:gd name="adj" fmla="val 16667"/>
             </a:avLst>
           </a:prstGeom>
           <a:solidFill>
-            <a:srgbClr val="c3d69b"/>
+            <a:srgbClr val="C3D69B"/>
           </a:solidFill>
           <a:ln w="9360">
             <a:solidFill>
@@ -7860,11 +9220,11 @@
           </a:xfrm>
           <a:prstGeom prst="roundRect">
             <a:avLst>
-              <a:gd fmla="val 16667" name="adj"/>
+              <a:gd name="adj" fmla="val 16667"/>
             </a:avLst>
           </a:prstGeom>
           <a:solidFill>
-            <a:srgbClr val="c3d69b"/>
+            <a:srgbClr val="C3D69B"/>
           </a:solidFill>
           <a:ln w="9360">
             <a:solidFill>
@@ -7887,11 +9247,11 @@
           </a:xfrm>
           <a:prstGeom prst="roundRect">
             <a:avLst>
-              <a:gd fmla="val 16667" name="adj"/>
+              <a:gd name="adj" fmla="val 16667"/>
             </a:avLst>
           </a:prstGeom>
           <a:solidFill>
-            <a:srgbClr val="c3d69b"/>
+            <a:srgbClr val="C3D69B"/>
           </a:solidFill>
           <a:ln w="9360">
             <a:solidFill>
@@ -7914,11 +9274,11 @@
           </a:xfrm>
           <a:prstGeom prst="roundRect">
             <a:avLst>
-              <a:gd fmla="val 16667" name="adj"/>
+              <a:gd name="adj" fmla="val 16667"/>
             </a:avLst>
           </a:prstGeom>
           <a:solidFill>
-            <a:srgbClr val="c3d69b"/>
+            <a:srgbClr val="C3D69B"/>
           </a:solidFill>
           <a:ln w="9360">
             <a:solidFill>
@@ -7941,11 +9301,11 @@
           </a:xfrm>
           <a:prstGeom prst="roundRect">
             <a:avLst>
-              <a:gd fmla="val 16667" name="adj"/>
+              <a:gd name="adj" fmla="val 16667"/>
             </a:avLst>
           </a:prstGeom>
           <a:solidFill>
-            <a:srgbClr val="c3d69b"/>
+            <a:srgbClr val="C3D69B"/>
           </a:solidFill>
           <a:ln w="9360">
             <a:solidFill>
@@ -7968,11 +9328,11 @@
           </a:xfrm>
           <a:prstGeom prst="roundRect">
             <a:avLst>
-              <a:gd fmla="val 16667" name="adj"/>
+              <a:gd name="adj" fmla="val 16667"/>
             </a:avLst>
           </a:prstGeom>
           <a:solidFill>
-            <a:srgbClr val="c3d69b"/>
+            <a:srgbClr val="C3D69B"/>
           </a:solidFill>
           <a:ln w="9360">
             <a:solidFill>
@@ -7995,11 +9355,11 @@
           </a:xfrm>
           <a:prstGeom prst="roundRect">
             <a:avLst>
-              <a:gd fmla="val 16667" name="adj"/>
+              <a:gd name="adj" fmla="val 16667"/>
             </a:avLst>
           </a:prstGeom>
           <a:solidFill>
-            <a:srgbClr val="c3d69b"/>
+            <a:srgbClr val="C3D69B"/>
           </a:solidFill>
           <a:ln w="9360">
             <a:solidFill>
@@ -8022,11 +9382,11 @@
           </a:xfrm>
           <a:prstGeom prst="roundRect">
             <a:avLst>
-              <a:gd fmla="val 16667" name="adj"/>
+              <a:gd name="adj" fmla="val 16667"/>
             </a:avLst>
           </a:prstGeom>
           <a:solidFill>
-            <a:srgbClr val="b3a2c7"/>
+            <a:srgbClr val="B3A2C7"/>
           </a:solidFill>
           <a:ln w="9360">
             <a:solidFill>
@@ -8049,11 +9409,11 @@
           </a:xfrm>
           <a:prstGeom prst="roundRect">
             <a:avLst>
-              <a:gd fmla="val 16667" name="adj"/>
+              <a:gd name="adj" fmla="val 16667"/>
             </a:avLst>
           </a:prstGeom>
           <a:solidFill>
-            <a:srgbClr val="b3a2c7"/>
+            <a:srgbClr val="B3A2C7"/>
           </a:solidFill>
           <a:ln w="9360">
             <a:solidFill>
@@ -8076,11 +9436,11 @@
           </a:xfrm>
           <a:prstGeom prst="roundRect">
             <a:avLst>
-              <a:gd fmla="val 16667" name="adj"/>
+              <a:gd name="adj" fmla="val 16667"/>
             </a:avLst>
           </a:prstGeom>
           <a:solidFill>
-            <a:srgbClr val="b3a2c7"/>
+            <a:srgbClr val="B3A2C7"/>
           </a:solidFill>
           <a:ln w="9360">
             <a:solidFill>
@@ -8103,11 +9463,11 @@
           </a:xfrm>
           <a:prstGeom prst="roundRect">
             <a:avLst>
-              <a:gd fmla="val 16667" name="adj"/>
+              <a:gd name="adj" fmla="val 16667"/>
             </a:avLst>
           </a:prstGeom>
           <a:solidFill>
-            <a:srgbClr val="b3a2c7"/>
+            <a:srgbClr val="B3A2C7"/>
           </a:solidFill>
           <a:ln w="9360">
             <a:solidFill>
@@ -8130,11 +9490,11 @@
           </a:xfrm>
           <a:prstGeom prst="roundRect">
             <a:avLst>
-              <a:gd fmla="val 16667" name="adj"/>
+              <a:gd name="adj" fmla="val 16667"/>
             </a:avLst>
           </a:prstGeom>
           <a:solidFill>
-            <a:srgbClr val="b3a2c7"/>
+            <a:srgbClr val="B3A2C7"/>
           </a:solidFill>
           <a:ln w="9360">
             <a:solidFill>
@@ -8157,11 +9517,11 @@
           </a:xfrm>
           <a:prstGeom prst="roundRect">
             <a:avLst>
-              <a:gd fmla="val 16667" name="adj"/>
+              <a:gd name="adj" fmla="val 16667"/>
             </a:avLst>
           </a:prstGeom>
           <a:solidFill>
-            <a:srgbClr val="b3a2c7"/>
+            <a:srgbClr val="B3A2C7"/>
           </a:solidFill>
           <a:ln w="9360">
             <a:solidFill>
@@ -8184,11 +9544,11 @@
           </a:xfrm>
           <a:prstGeom prst="roundRect">
             <a:avLst>
-              <a:gd fmla="val 16667" name="adj"/>
+              <a:gd name="adj" fmla="val 16667"/>
             </a:avLst>
           </a:prstGeom>
           <a:solidFill>
-            <a:srgbClr val="b3a2c7"/>
+            <a:srgbClr val="B3A2C7"/>
           </a:solidFill>
           <a:ln w="9360">
             <a:solidFill>
@@ -8211,11 +9571,11 @@
           </a:xfrm>
           <a:prstGeom prst="roundRect">
             <a:avLst>
-              <a:gd fmla="val 16667" name="adj"/>
+              <a:gd name="adj" fmla="val 16667"/>
             </a:avLst>
           </a:prstGeom>
           <a:solidFill>
-            <a:srgbClr val="b3a2c7"/>
+            <a:srgbClr val="B3A2C7"/>
           </a:solidFill>
           <a:ln w="9360">
             <a:solidFill>
@@ -8238,11 +9598,11 @@
           </a:xfrm>
           <a:prstGeom prst="roundRect">
             <a:avLst>
-              <a:gd fmla="val 16667" name="adj"/>
+              <a:gd name="adj" fmla="val 16667"/>
             </a:avLst>
           </a:prstGeom>
           <a:solidFill>
-            <a:srgbClr val="b3a2c7"/>
+            <a:srgbClr val="B3A2C7"/>
           </a:solidFill>
           <a:ln w="9360">
             <a:solidFill>
@@ -8265,11 +9625,11 @@
           </a:xfrm>
           <a:prstGeom prst="roundRect">
             <a:avLst>
-              <a:gd fmla="val 16667" name="adj"/>
+              <a:gd name="adj" fmla="val 16667"/>
             </a:avLst>
           </a:prstGeom>
           <a:solidFill>
-            <a:srgbClr val="b3a2c7"/>
+            <a:srgbClr val="B3A2C7"/>
           </a:solidFill>
           <a:ln w="9360">
             <a:solidFill>
@@ -8292,11 +9652,11 @@
           </a:xfrm>
           <a:prstGeom prst="roundRect">
             <a:avLst>
-              <a:gd fmla="val 16667" name="adj"/>
+              <a:gd name="adj" fmla="val 16667"/>
             </a:avLst>
           </a:prstGeom>
           <a:solidFill>
-            <a:srgbClr val="b3a2c7"/>
+            <a:srgbClr val="B3A2C7"/>
           </a:solidFill>
           <a:ln w="9360">
             <a:solidFill>
@@ -8319,11 +9679,11 @@
           </a:xfrm>
           <a:prstGeom prst="roundRect">
             <a:avLst>
-              <a:gd fmla="val 16667" name="adj"/>
+              <a:gd name="adj" fmla="val 16667"/>
             </a:avLst>
           </a:prstGeom>
           <a:solidFill>
-            <a:srgbClr val="b3a2c7"/>
+            <a:srgbClr val="B3A2C7"/>
           </a:solidFill>
           <a:ln w="9360">
             <a:solidFill>
@@ -8346,11 +9706,11 @@
           </a:xfrm>
           <a:prstGeom prst="roundRect">
             <a:avLst>
-              <a:gd fmla="val 16667" name="adj"/>
+              <a:gd name="adj" fmla="val 16667"/>
             </a:avLst>
           </a:prstGeom>
           <a:solidFill>
-            <a:srgbClr val="b3a2c7"/>
+            <a:srgbClr val="B3A2C7"/>
           </a:solidFill>
           <a:ln w="9360">
             <a:solidFill>
@@ -8373,11 +9733,11 @@
           </a:xfrm>
           <a:prstGeom prst="roundRect">
             <a:avLst>
-              <a:gd fmla="val 16667" name="adj"/>
+              <a:gd name="adj" fmla="val 16667"/>
             </a:avLst>
           </a:prstGeom>
           <a:solidFill>
-            <a:srgbClr val="b3a2c7"/>
+            <a:srgbClr val="B3A2C7"/>
           </a:solidFill>
           <a:ln w="9360">
             <a:solidFill>
@@ -8400,11 +9760,11 @@
           </a:xfrm>
           <a:prstGeom prst="roundRect">
             <a:avLst>
-              <a:gd fmla="val 16667" name="adj"/>
+              <a:gd name="adj" fmla="val 16667"/>
             </a:avLst>
           </a:prstGeom>
           <a:solidFill>
-            <a:srgbClr val="b3a2c7"/>
+            <a:srgbClr val="B3A2C7"/>
           </a:solidFill>
           <a:ln w="9360">
             <a:solidFill>
@@ -8427,11 +9787,11 @@
           </a:xfrm>
           <a:prstGeom prst="roundRect">
             <a:avLst>
-              <a:gd fmla="val 16667" name="adj"/>
+              <a:gd name="adj" fmla="val 16667"/>
             </a:avLst>
           </a:prstGeom>
           <a:solidFill>
-            <a:srgbClr val="b3a2c7"/>
+            <a:srgbClr val="B3A2C7"/>
           </a:solidFill>
           <a:ln w="9360">
             <a:solidFill>
@@ -8454,11 +9814,11 @@
           </a:xfrm>
           <a:prstGeom prst="roundRect">
             <a:avLst>
-              <a:gd fmla="val 16667" name="adj"/>
+              <a:gd name="adj" fmla="val 16667"/>
             </a:avLst>
           </a:prstGeom>
           <a:solidFill>
-            <a:srgbClr val="b3a2c7"/>
+            <a:srgbClr val="B3A2C7"/>
           </a:solidFill>
           <a:ln w="9360">
             <a:solidFill>
@@ -8481,11 +9841,11 @@
           </a:xfrm>
           <a:prstGeom prst="roundRect">
             <a:avLst>
-              <a:gd fmla="val 16667" name="adj"/>
+              <a:gd name="adj" fmla="val 16667"/>
             </a:avLst>
           </a:prstGeom>
           <a:solidFill>
-            <a:srgbClr val="b3a2c7"/>
+            <a:srgbClr val="B3A2C7"/>
           </a:solidFill>
           <a:ln w="9360">
             <a:solidFill>
@@ -8508,11 +9868,11 @@
           </a:xfrm>
           <a:prstGeom prst="roundRect">
             <a:avLst>
-              <a:gd fmla="val 16667" name="adj"/>
+              <a:gd name="adj" fmla="val 16667"/>
             </a:avLst>
           </a:prstGeom>
           <a:solidFill>
-            <a:srgbClr val="b3a2c7"/>
+            <a:srgbClr val="B3A2C7"/>
           </a:solidFill>
           <a:ln w="9360">
             <a:solidFill>
@@ -8535,11 +9895,11 @@
           </a:xfrm>
           <a:prstGeom prst="roundRect">
             <a:avLst>
-              <a:gd fmla="val 16667" name="adj"/>
+              <a:gd name="adj" fmla="val 16667"/>
             </a:avLst>
           </a:prstGeom>
           <a:solidFill>
-            <a:srgbClr val="b3a2c7"/>
+            <a:srgbClr val="B3A2C7"/>
           </a:solidFill>
           <a:ln w="9360">
             <a:solidFill>
@@ -8562,11 +9922,11 @@
           </a:xfrm>
           <a:prstGeom prst="roundRect">
             <a:avLst>
-              <a:gd fmla="val 16667" name="adj"/>
+              <a:gd name="adj" fmla="val 16667"/>
             </a:avLst>
           </a:prstGeom>
           <a:solidFill>
-            <a:srgbClr val="b3a2c7"/>
+            <a:srgbClr val="B3A2C7"/>
           </a:solidFill>
           <a:ln w="9360">
             <a:solidFill>
@@ -8589,11 +9949,11 @@
           </a:xfrm>
           <a:prstGeom prst="roundRect">
             <a:avLst>
-              <a:gd fmla="val 16667" name="adj"/>
+              <a:gd name="adj" fmla="val 16667"/>
             </a:avLst>
           </a:prstGeom>
           <a:solidFill>
-            <a:srgbClr val="b3a2c7"/>
+            <a:srgbClr val="B3A2C7"/>
           </a:solidFill>
           <a:ln w="9360">
             <a:solidFill>
@@ -8616,11 +9976,11 @@
           </a:xfrm>
           <a:prstGeom prst="roundRect">
             <a:avLst>
-              <a:gd fmla="val 16667" name="adj"/>
+              <a:gd name="adj" fmla="val 16667"/>
             </a:avLst>
           </a:prstGeom>
           <a:solidFill>
-            <a:srgbClr val="b3a2c7"/>
+            <a:srgbClr val="B3A2C7"/>
           </a:solidFill>
           <a:ln w="9360">
             <a:solidFill>
@@ -8643,11 +10003,11 @@
           </a:xfrm>
           <a:prstGeom prst="roundRect">
             <a:avLst>
-              <a:gd fmla="val 16667" name="adj"/>
+              <a:gd name="adj" fmla="val 16667"/>
             </a:avLst>
           </a:prstGeom>
           <a:solidFill>
-            <a:srgbClr val="b3a2c7"/>
+            <a:srgbClr val="B3A2C7"/>
           </a:solidFill>
           <a:ln w="9360">
             <a:solidFill>
@@ -8670,11 +10030,11 @@
           </a:xfrm>
           <a:prstGeom prst="roundRect">
             <a:avLst>
-              <a:gd fmla="val 16667" name="adj"/>
+              <a:gd name="adj" fmla="val 16667"/>
             </a:avLst>
           </a:prstGeom>
           <a:solidFill>
-            <a:srgbClr val="b3a2c7"/>
+            <a:srgbClr val="B3A2C7"/>
           </a:solidFill>
           <a:ln w="9360">
             <a:solidFill>
@@ -8697,11 +10057,11 @@
           </a:xfrm>
           <a:prstGeom prst="roundRect">
             <a:avLst>
-              <a:gd fmla="val 16667" name="adj"/>
+              <a:gd name="adj" fmla="val 16667"/>
             </a:avLst>
           </a:prstGeom>
           <a:solidFill>
-            <a:srgbClr val="b3a2c7"/>
+            <a:srgbClr val="B3A2C7"/>
           </a:solidFill>
           <a:ln w="9360">
             <a:solidFill>
@@ -8724,11 +10084,11 @@
           </a:xfrm>
           <a:prstGeom prst="roundRect">
             <a:avLst>
-              <a:gd fmla="val 16667" name="adj"/>
+              <a:gd name="adj" fmla="val 16667"/>
             </a:avLst>
           </a:prstGeom>
           <a:solidFill>
-            <a:srgbClr val="b3a2c7"/>
+            <a:srgbClr val="B3A2C7"/>
           </a:solidFill>
           <a:ln w="9360">
             <a:solidFill>
@@ -8751,11 +10111,11 @@
           </a:xfrm>
           <a:prstGeom prst="roundRect">
             <a:avLst>
-              <a:gd fmla="val 16667" name="adj"/>
+              <a:gd name="adj" fmla="val 16667"/>
             </a:avLst>
           </a:prstGeom>
           <a:solidFill>
-            <a:srgbClr val="fcd5b5"/>
+            <a:srgbClr val="FCD5B5"/>
           </a:solidFill>
           <a:ln w="9360">
             <a:solidFill>
@@ -8778,11 +10138,11 @@
           </a:xfrm>
           <a:prstGeom prst="roundRect">
             <a:avLst>
-              <a:gd fmla="val 16667" name="adj"/>
+              <a:gd name="adj" fmla="val 16667"/>
             </a:avLst>
           </a:prstGeom>
           <a:solidFill>
-            <a:srgbClr val="fcd5b5"/>
+            <a:srgbClr val="FCD5B5"/>
           </a:solidFill>
           <a:ln w="9360">
             <a:solidFill>
@@ -8805,11 +10165,11 @@
           </a:xfrm>
           <a:prstGeom prst="roundRect">
             <a:avLst>
-              <a:gd fmla="val 16667" name="adj"/>
+              <a:gd name="adj" fmla="val 16667"/>
             </a:avLst>
           </a:prstGeom>
           <a:solidFill>
-            <a:srgbClr val="fcd5b5"/>
+            <a:srgbClr val="FCD5B5"/>
           </a:solidFill>
           <a:ln w="9360">
             <a:solidFill>
@@ -8832,11 +10192,11 @@
           </a:xfrm>
           <a:prstGeom prst="roundRect">
             <a:avLst>
-              <a:gd fmla="val 16667" name="adj"/>
+              <a:gd name="adj" fmla="val 16667"/>
             </a:avLst>
           </a:prstGeom>
           <a:solidFill>
-            <a:srgbClr val="fcd5b5"/>
+            <a:srgbClr val="FCD5B5"/>
           </a:solidFill>
           <a:ln w="9360">
             <a:solidFill>
@@ -8859,11 +10219,11 @@
           </a:xfrm>
           <a:prstGeom prst="roundRect">
             <a:avLst>
-              <a:gd fmla="val 16667" name="adj"/>
+              <a:gd name="adj" fmla="val 16667"/>
             </a:avLst>
           </a:prstGeom>
           <a:solidFill>
-            <a:srgbClr val="fcd5b5"/>
+            <a:srgbClr val="FCD5B5"/>
           </a:solidFill>
           <a:ln w="9360">
             <a:solidFill>
@@ -8886,11 +10246,11 @@
           </a:xfrm>
           <a:prstGeom prst="roundRect">
             <a:avLst>
-              <a:gd fmla="val 16667" name="adj"/>
+              <a:gd name="adj" fmla="val 16667"/>
             </a:avLst>
           </a:prstGeom>
           <a:solidFill>
-            <a:srgbClr val="fcd5b5"/>
+            <a:srgbClr val="FCD5B5"/>
           </a:solidFill>
           <a:ln w="9360">
             <a:solidFill>
@@ -8913,11 +10273,11 @@
           </a:xfrm>
           <a:prstGeom prst="roundRect">
             <a:avLst>
-              <a:gd fmla="val 16667" name="adj"/>
+              <a:gd name="adj" fmla="val 16667"/>
             </a:avLst>
           </a:prstGeom>
           <a:solidFill>
-            <a:srgbClr val="fcd5b5"/>
+            <a:srgbClr val="FCD5B5"/>
           </a:solidFill>
           <a:ln w="9360">
             <a:solidFill>
@@ -8940,11 +10300,11 @@
           </a:xfrm>
           <a:prstGeom prst="roundRect">
             <a:avLst>
-              <a:gd fmla="val 16667" name="adj"/>
+              <a:gd name="adj" fmla="val 16667"/>
             </a:avLst>
           </a:prstGeom>
           <a:solidFill>
-            <a:srgbClr val="fcd5b5"/>
+            <a:srgbClr val="FCD5B5"/>
           </a:solidFill>
           <a:ln w="9360">
             <a:solidFill>
@@ -8967,11 +10327,11 @@
           </a:xfrm>
           <a:prstGeom prst="roundRect">
             <a:avLst>
-              <a:gd fmla="val 16667" name="adj"/>
+              <a:gd name="adj" fmla="val 16667"/>
             </a:avLst>
           </a:prstGeom>
           <a:solidFill>
-            <a:srgbClr val="fcd5b5"/>
+            <a:srgbClr val="FCD5B5"/>
           </a:solidFill>
           <a:ln w="9360">
             <a:solidFill>
@@ -8994,11 +10354,11 @@
           </a:xfrm>
           <a:prstGeom prst="roundRect">
             <a:avLst>
-              <a:gd fmla="val 16667" name="adj"/>
+              <a:gd name="adj" fmla="val 16667"/>
             </a:avLst>
           </a:prstGeom>
           <a:solidFill>
-            <a:srgbClr val="fcd5b5"/>
+            <a:srgbClr val="FCD5B5"/>
           </a:solidFill>
           <a:ln w="9360">
             <a:solidFill>
@@ -9021,11 +10381,11 @@
           </a:xfrm>
           <a:prstGeom prst="roundRect">
             <a:avLst>
-              <a:gd fmla="val 16667" name="adj"/>
+              <a:gd name="adj" fmla="val 16667"/>
             </a:avLst>
           </a:prstGeom>
           <a:solidFill>
-            <a:srgbClr val="fcd5b5"/>
+            <a:srgbClr val="FCD5B5"/>
           </a:solidFill>
           <a:ln w="9360">
             <a:solidFill>
@@ -9048,11 +10408,11 @@
           </a:xfrm>
           <a:prstGeom prst="roundRect">
             <a:avLst>
-              <a:gd fmla="val 16667" name="adj"/>
+              <a:gd name="adj" fmla="val 16667"/>
             </a:avLst>
           </a:prstGeom>
           <a:solidFill>
-            <a:srgbClr val="fcd5b5"/>
+            <a:srgbClr val="FCD5B5"/>
           </a:solidFill>
           <a:ln w="9360">
             <a:solidFill>
@@ -9075,11 +10435,11 @@
           </a:xfrm>
           <a:prstGeom prst="roundRect">
             <a:avLst>
-              <a:gd fmla="val 16667" name="adj"/>
+              <a:gd name="adj" fmla="val 16667"/>
             </a:avLst>
           </a:prstGeom>
           <a:solidFill>
-            <a:srgbClr val="fcd5b5"/>
+            <a:srgbClr val="FCD5B5"/>
           </a:solidFill>
           <a:ln w="9360">
             <a:solidFill>
@@ -9102,11 +10462,11 @@
           </a:xfrm>
           <a:prstGeom prst="roundRect">
             <a:avLst>
-              <a:gd fmla="val 16667" name="adj"/>
+              <a:gd name="adj" fmla="val 16667"/>
             </a:avLst>
           </a:prstGeom>
           <a:solidFill>
-            <a:srgbClr val="fcd5b5"/>
+            <a:srgbClr val="FCD5B5"/>
           </a:solidFill>
           <a:ln w="9360">
             <a:solidFill>
@@ -9129,11 +10489,11 @@
           </a:xfrm>
           <a:prstGeom prst="roundRect">
             <a:avLst>
-              <a:gd fmla="val 16667" name="adj"/>
+              <a:gd name="adj" fmla="val 16667"/>
             </a:avLst>
           </a:prstGeom>
           <a:solidFill>
-            <a:srgbClr val="fcd5b5"/>
+            <a:srgbClr val="FCD5B5"/>
           </a:solidFill>
           <a:ln w="9360">
             <a:solidFill>
@@ -9156,11 +10516,11 @@
           </a:xfrm>
           <a:prstGeom prst="roundRect">
             <a:avLst>
-              <a:gd fmla="val 16667" name="adj"/>
+              <a:gd name="adj" fmla="val 16667"/>
             </a:avLst>
           </a:prstGeom>
           <a:solidFill>
-            <a:srgbClr val="fcd5b5"/>
+            <a:srgbClr val="FCD5B5"/>
           </a:solidFill>
           <a:ln w="9360">
             <a:solidFill>
@@ -9183,11 +10543,11 @@
           </a:xfrm>
           <a:prstGeom prst="roundRect">
             <a:avLst>
-              <a:gd fmla="val 16667" name="adj"/>
+              <a:gd name="adj" fmla="val 16667"/>
             </a:avLst>
           </a:prstGeom>
           <a:solidFill>
-            <a:srgbClr val="fcd5b5"/>
+            <a:srgbClr val="FCD5B5"/>
           </a:solidFill>
           <a:ln w="9360">
             <a:solidFill>
@@ -9210,11 +10570,11 @@
           </a:xfrm>
           <a:prstGeom prst="roundRect">
             <a:avLst>
-              <a:gd fmla="val 16667" name="adj"/>
+              <a:gd name="adj" fmla="val 16667"/>
             </a:avLst>
           </a:prstGeom>
           <a:solidFill>
-            <a:srgbClr val="fcd5b5"/>
+            <a:srgbClr val="FCD5B5"/>
           </a:solidFill>
           <a:ln w="9360">
             <a:solidFill>
@@ -9244,17 +10604,16 @@
           </a:ln>
         </p:spPr>
         <p:txBody>
-          <a:bodyPr bIns="45000" lIns="90000" rIns="90000" tIns="45000"/>
+          <a:bodyPr lIns="90000" tIns="45000" rIns="90000" bIns="45000"/>
+          <a:lstStyle/>
           <a:p>
             <a:pPr>
               <a:lnSpc>
                 <a:spcPct val="100000"/>
               </a:lnSpc>
-              <a:buFont typeface="StarSymbol"/>
-              <a:buChar char=""/>
-            </a:pPr>
-            <a:r>
-              <a:rPr lang="en-US" sz="2000">
+            </a:pPr>
+            <a:r>
+              <a:rPr lang="en-US" sz="2000" dirty="0">
                 <a:solidFill>
                   <a:srgbClr val="292929"/>
                 </a:solidFill>
@@ -9263,7 +10622,7 @@
               </a:rPr>
               <a:t>MMF = 1,297pts</a:t>
             </a:r>
-            <a:endParaRPr/>
+            <a:endParaRPr dirty="0"/>
           </a:p>
         </p:txBody>
       </p:sp>
@@ -9287,17 +10646,16 @@
           </a:ln>
         </p:spPr>
         <p:txBody>
-          <a:bodyPr bIns="45000" lIns="90000" rIns="90000" tIns="45000"/>
+          <a:bodyPr lIns="90000" tIns="45000" rIns="90000" bIns="45000"/>
+          <a:lstStyle/>
           <a:p>
             <a:pPr>
               <a:lnSpc>
                 <a:spcPct val="100000"/>
               </a:lnSpc>
-              <a:buFont typeface="StarSymbol"/>
-              <a:buChar char=""/>
-            </a:pPr>
-            <a:r>
-              <a:rPr lang="en-US" sz="2000">
+            </a:pPr>
+            <a:r>
+              <a:rPr lang="en-US" sz="2000" dirty="0">
                 <a:solidFill>
                   <a:srgbClr val="292929"/>
                 </a:solidFill>
@@ -9306,7 +10664,7 @@
               </a:rPr>
               <a:t>Priority 2 – 873 pts</a:t>
             </a:r>
-            <a:endParaRPr/>
+            <a:endParaRPr dirty="0"/>
           </a:p>
         </p:txBody>
       </p:sp>
@@ -9330,17 +10688,16 @@
           </a:ln>
         </p:spPr>
         <p:txBody>
-          <a:bodyPr bIns="45000" lIns="90000" rIns="90000" tIns="45000"/>
+          <a:bodyPr lIns="90000" tIns="45000" rIns="90000" bIns="45000"/>
+          <a:lstStyle/>
           <a:p>
             <a:pPr>
               <a:lnSpc>
                 <a:spcPct val="100000"/>
               </a:lnSpc>
-              <a:buFont typeface="StarSymbol"/>
-              <a:buChar char=""/>
-            </a:pPr>
-            <a:r>
-              <a:rPr lang="en-US" sz="2000">
+            </a:pPr>
+            <a:r>
+              <a:rPr lang="en-US" sz="2000" dirty="0">
                 <a:solidFill>
                   <a:srgbClr val="292929"/>
                 </a:solidFill>
@@ -9349,20 +10706,23 @@
               </a:rPr>
               <a:t>The rest – 520 pts</a:t>
             </a:r>
-            <a:endParaRPr/>
+            <a:endParaRPr dirty="0"/>
           </a:p>
         </p:txBody>
       </p:sp>
     </p:spTree>
   </p:cSld>
+  <p:clrMapOvr>
+    <a:masterClrMapping/>
+  </p:clrMapOvr>
   <p:transition spd="slow">
-    <p:fade thruBlk="true"/>
+    <p:fade thruBlk="1"/>
   </p:transition>
 </p:sld>
 </file>
 
 <file path=ppt/slides/slide11.xml><?xml version="1.0" encoding="utf-8"?>
-<p:sld xmlns:a="http://schemas.openxmlformats.org/drawingml/2006/main" xmlns:p="http://schemas.openxmlformats.org/presentationml/2006/main" xmlns:r="http://schemas.openxmlformats.org/officeDocument/2006/relationships">
+<p:sld xmlns:a="http://schemas.openxmlformats.org/drawingml/2006/main" xmlns:r="http://schemas.openxmlformats.org/officeDocument/2006/relationships" xmlns:p="http://schemas.openxmlformats.org/presentationml/2006/main">
   <p:cSld>
     <p:spTree>
       <p:nvGrpSpPr>
@@ -9395,6 +10755,7 @@
         </p:spPr>
         <p:txBody>
           <a:bodyPr anchor="ctr"/>
+          <a:lstStyle/>
           <a:p>
             <a:pPr algn="ctr">
               <a:lnSpc>
@@ -9431,6 +10792,7 @@
         </p:spPr>
         <p:txBody>
           <a:bodyPr/>
+          <a:lstStyle/>
           <a:p>
             <a:pPr algn="ctr"/>
             <a:endParaRPr/>
@@ -9439,14 +10801,17 @@
       </p:sp>
     </p:spTree>
   </p:cSld>
+  <p:clrMapOvr>
+    <a:masterClrMapping/>
+  </p:clrMapOvr>
   <p:transition spd="slow">
-    <p:fade thruBlk="true"/>
+    <p:fade thruBlk="1"/>
   </p:transition>
 </p:sld>
 </file>
 
 <file path=ppt/slides/slide2.xml><?xml version="1.0" encoding="utf-8"?>
-<p:sld xmlns:a="http://schemas.openxmlformats.org/drawingml/2006/main" xmlns:p="http://schemas.openxmlformats.org/presentationml/2006/main" xmlns:r="http://schemas.openxmlformats.org/officeDocument/2006/relationships">
+<p:sld xmlns:a="http://schemas.openxmlformats.org/drawingml/2006/main" xmlns:r="http://schemas.openxmlformats.org/officeDocument/2006/relationships" xmlns:p="http://schemas.openxmlformats.org/presentationml/2006/main">
   <p:cSld>
     <p:spTree>
       <p:nvGrpSpPr>
@@ -9479,6 +10844,7 @@
         </p:spPr>
         <p:txBody>
           <a:bodyPr anchor="ctr"/>
+          <a:lstStyle/>
           <a:p>
             <a:pPr>
               <a:lnSpc>
@@ -9515,6 +10881,7 @@
         </p:spPr>
         <p:txBody>
           <a:bodyPr/>
+          <a:lstStyle/>
           <a:p>
             <a:pPr>
               <a:lnSpc>
@@ -9633,14 +11000,17 @@
       </p:sp>
     </p:spTree>
   </p:cSld>
+  <p:clrMapOvr>
+    <a:masterClrMapping/>
+  </p:clrMapOvr>
   <p:transition spd="slow">
-    <p:fade thruBlk="true"/>
+    <p:fade thruBlk="1"/>
   </p:transition>
 </p:sld>
 </file>
 
 <file path=ppt/slides/slide3.xml><?xml version="1.0" encoding="utf-8"?>
-<p:sld xmlns:a="http://schemas.openxmlformats.org/drawingml/2006/main" xmlns:p="http://schemas.openxmlformats.org/presentationml/2006/main" xmlns:r="http://schemas.openxmlformats.org/officeDocument/2006/relationships">
+<p:sld xmlns:a="http://schemas.openxmlformats.org/drawingml/2006/main" xmlns:r="http://schemas.openxmlformats.org/officeDocument/2006/relationships" xmlns:p="http://schemas.openxmlformats.org/presentationml/2006/main">
   <p:cSld>
     <p:spTree>
       <p:nvGrpSpPr>
@@ -9673,6 +11043,7 @@
         </p:spPr>
         <p:txBody>
           <a:bodyPr anchor="ctr"/>
+          <a:lstStyle/>
           <a:p>
             <a:pPr>
               <a:lnSpc>
@@ -9709,6 +11080,7 @@
         </p:spPr>
         <p:txBody>
           <a:bodyPr/>
+          <a:lstStyle/>
           <a:p>
             <a:pPr>
               <a:lnSpc>
@@ -9816,14 +11188,17 @@
       </p:sp>
     </p:spTree>
   </p:cSld>
+  <p:clrMapOvr>
+    <a:masterClrMapping/>
+  </p:clrMapOvr>
   <p:transition spd="slow">
-    <p:fade thruBlk="true"/>
+    <p:fade thruBlk="1"/>
   </p:transition>
 </p:sld>
 </file>
 
 <file path=ppt/slides/slide4.xml><?xml version="1.0" encoding="utf-8"?>
-<p:sld xmlns:a="http://schemas.openxmlformats.org/drawingml/2006/main" xmlns:p="http://schemas.openxmlformats.org/presentationml/2006/main" xmlns:r="http://schemas.openxmlformats.org/officeDocument/2006/relationships">
+<p:sld xmlns:a="http://schemas.openxmlformats.org/drawingml/2006/main" xmlns:r="http://schemas.openxmlformats.org/officeDocument/2006/relationships" xmlns:p="http://schemas.openxmlformats.org/presentationml/2006/main">
   <p:cSld>
     <p:spTree>
       <p:nvGrpSpPr>
@@ -9854,17 +11229,18 @@
             <a:avLst/>
           </a:prstGeom>
           <a:solidFill>
-            <a:srgbClr val="f79646"/>
+            <a:srgbClr val="F79646"/>
           </a:solidFill>
           <a:ln w="25560">
             <a:solidFill>
-              <a:srgbClr val="ffffff"/>
+              <a:srgbClr val="FFFFFF"/>
             </a:solidFill>
             <a:round/>
           </a:ln>
         </p:spPr>
         <p:txBody>
-          <a:bodyPr anchor="ctr" bIns="14760" lIns="236160" rIns="14760" tIns="236160"/>
+          <a:bodyPr lIns="236160" tIns="236160" rIns="14760" bIns="14760" anchor="ctr"/>
+          <a:lstStyle/>
           <a:p>
             <a:pPr algn="ctr">
               <a:lnSpc>
@@ -9876,7 +11252,7 @@
             <a:r>
               <a:rPr lang="en-US" sz="2300">
                 <a:solidFill>
-                  <a:srgbClr val="ffffff"/>
+                  <a:srgbClr val="FFFFFF"/>
                 </a:solidFill>
                 <a:latin typeface="Calibri"/>
                 <a:ea typeface="Arial"/>
@@ -9900,12 +11276,12 @@
           </a:xfrm>
           <a:prstGeom prst="leftArrow">
             <a:avLst>
-              <a:gd fmla="val 60000" name="adj1"/>
-              <a:gd fmla="val 50000" name="adj2"/>
+              <a:gd name="adj1" fmla="val 60000"/>
+              <a:gd name="adj2" fmla="val 50000"/>
             </a:avLst>
           </a:prstGeom>
           <a:solidFill>
-            <a:srgbClr val="fac8b0"/>
+            <a:srgbClr val="FAC8B0"/>
           </a:solidFill>
           <a:ln>
             <a:noFill/>
@@ -9925,21 +11301,22 @@
           </a:xfrm>
           <a:prstGeom prst="roundRect">
             <a:avLst>
-              <a:gd fmla="val 10000" name="adj"/>
+              <a:gd name="adj" fmla="val 10000"/>
             </a:avLst>
           </a:prstGeom>
           <a:solidFill>
-            <a:srgbClr val="f79646"/>
+            <a:srgbClr val="F79646"/>
           </a:solidFill>
           <a:ln w="25560">
             <a:solidFill>
-              <a:srgbClr val="ffffff"/>
+              <a:srgbClr val="FFFFFF"/>
             </a:solidFill>
             <a:round/>
           </a:ln>
         </p:spPr>
         <p:txBody>
-          <a:bodyPr anchor="ctr" bIns="24840" lIns="49680" rIns="24840" tIns="49680"/>
+          <a:bodyPr lIns="49680" tIns="49680" rIns="24840" bIns="24840" anchor="ctr"/>
+          <a:lstStyle/>
           <a:p>
             <a:pPr algn="ctr">
               <a:lnSpc>
@@ -9951,7 +11328,7 @@
             <a:r>
               <a:rPr lang="en-US" sz="1300">
                 <a:solidFill>
-                  <a:srgbClr val="ffffff"/>
+                  <a:srgbClr val="FFFFFF"/>
                 </a:solidFill>
                 <a:latin typeface="Calibri"/>
                 <a:ea typeface="Arial"/>
@@ -9975,12 +11352,12 @@
           </a:xfrm>
           <a:prstGeom prst="leftArrow">
             <a:avLst>
-              <a:gd fmla="val 60000" name="adj1"/>
-              <a:gd fmla="val 50000" name="adj2"/>
+              <a:gd name="adj1" fmla="val 60000"/>
+              <a:gd name="adj2" fmla="val 50000"/>
             </a:avLst>
           </a:prstGeom>
           <a:solidFill>
-            <a:srgbClr val="fac8b0"/>
+            <a:srgbClr val="FAC8B0"/>
           </a:solidFill>
           <a:ln>
             <a:noFill/>
@@ -10000,21 +11377,22 @@
           </a:xfrm>
           <a:prstGeom prst="roundRect">
             <a:avLst>
-              <a:gd fmla="val 10000" name="adj"/>
+              <a:gd name="adj" fmla="val 10000"/>
             </a:avLst>
           </a:prstGeom>
           <a:solidFill>
-            <a:srgbClr val="f79646"/>
+            <a:srgbClr val="F79646"/>
           </a:solidFill>
           <a:ln w="25560">
             <a:solidFill>
-              <a:srgbClr val="ffffff"/>
+              <a:srgbClr val="FFFFFF"/>
             </a:solidFill>
             <a:round/>
           </a:ln>
         </p:spPr>
         <p:txBody>
-          <a:bodyPr anchor="ctr" bIns="24840" lIns="49680" rIns="24840" tIns="49680"/>
+          <a:bodyPr lIns="49680" tIns="49680" rIns="24840" bIns="24840" anchor="ctr"/>
+          <a:lstStyle/>
           <a:p>
             <a:pPr algn="ctr">
               <a:lnSpc>
@@ -10026,7 +11404,7 @@
             <a:r>
               <a:rPr lang="en-US" sz="1300">
                 <a:solidFill>
-                  <a:srgbClr val="ffffff"/>
+                  <a:srgbClr val="FFFFFF"/>
                 </a:solidFill>
                 <a:latin typeface="Calibri"/>
                 <a:ea typeface="Arial"/>
@@ -10050,12 +11428,12 @@
           </a:xfrm>
           <a:prstGeom prst="leftArrow">
             <a:avLst>
-              <a:gd fmla="val 60000" name="adj1"/>
-              <a:gd fmla="val 50000" name="adj2"/>
+              <a:gd name="adj1" fmla="val 60000"/>
+              <a:gd name="adj2" fmla="val 50000"/>
             </a:avLst>
           </a:prstGeom>
           <a:solidFill>
-            <a:srgbClr val="fac8b0"/>
+            <a:srgbClr val="FAC8B0"/>
           </a:solidFill>
           <a:ln>
             <a:noFill/>
@@ -10075,21 +11453,22 @@
           </a:xfrm>
           <a:prstGeom prst="roundRect">
             <a:avLst>
-              <a:gd fmla="val 10000" name="adj"/>
+              <a:gd name="adj" fmla="val 10000"/>
             </a:avLst>
           </a:prstGeom>
           <a:solidFill>
-            <a:srgbClr val="f79646"/>
+            <a:srgbClr val="F79646"/>
           </a:solidFill>
           <a:ln w="25560">
             <a:solidFill>
-              <a:srgbClr val="ffffff"/>
+              <a:srgbClr val="FFFFFF"/>
             </a:solidFill>
             <a:round/>
           </a:ln>
         </p:spPr>
         <p:txBody>
-          <a:bodyPr anchor="ctr" bIns="24840" lIns="49680" rIns="24840" tIns="49680"/>
+          <a:bodyPr lIns="49680" tIns="49680" rIns="24840" bIns="24840" anchor="ctr"/>
+          <a:lstStyle/>
           <a:p>
             <a:pPr algn="ctr">
               <a:lnSpc>
@@ -10101,7 +11480,7 @@
             <a:r>
               <a:rPr lang="en-US" sz="1300">
                 <a:solidFill>
-                  <a:srgbClr val="ffffff"/>
+                  <a:srgbClr val="FFFFFF"/>
                 </a:solidFill>
                 <a:latin typeface="Calibri"/>
                 <a:ea typeface="Arial"/>
@@ -10125,12 +11504,12 @@
           </a:xfrm>
           <a:prstGeom prst="leftArrow">
             <a:avLst>
-              <a:gd fmla="val 60000" name="adj1"/>
-              <a:gd fmla="val 50000" name="adj2"/>
+              <a:gd name="adj1" fmla="val 60000"/>
+              <a:gd name="adj2" fmla="val 50000"/>
             </a:avLst>
           </a:prstGeom>
           <a:solidFill>
-            <a:srgbClr val="fac8b0"/>
+            <a:srgbClr val="FAC8B0"/>
           </a:solidFill>
           <a:ln>
             <a:noFill/>
@@ -10150,21 +11529,22 @@
           </a:xfrm>
           <a:prstGeom prst="roundRect">
             <a:avLst>
-              <a:gd fmla="val 10000" name="adj"/>
+              <a:gd name="adj" fmla="val 10000"/>
             </a:avLst>
           </a:prstGeom>
           <a:solidFill>
-            <a:srgbClr val="f79646"/>
+            <a:srgbClr val="F79646"/>
           </a:solidFill>
           <a:ln w="25560">
             <a:solidFill>
-              <a:srgbClr val="ffffff"/>
+              <a:srgbClr val="FFFFFF"/>
             </a:solidFill>
             <a:round/>
           </a:ln>
         </p:spPr>
         <p:txBody>
-          <a:bodyPr anchor="ctr" bIns="24840" lIns="49680" rIns="24840" tIns="49680"/>
+          <a:bodyPr lIns="49680" tIns="49680" rIns="24840" bIns="24840" anchor="ctr"/>
+          <a:lstStyle/>
           <a:p>
             <a:pPr algn="ctr">
               <a:lnSpc>
@@ -10176,7 +11556,7 @@
             <a:r>
               <a:rPr lang="en-US" sz="1300">
                 <a:solidFill>
-                  <a:srgbClr val="ffffff"/>
+                  <a:srgbClr val="FFFFFF"/>
                 </a:solidFill>
                 <a:latin typeface="Calibri"/>
                 <a:ea typeface="Arial"/>
@@ -10200,12 +11580,12 @@
           </a:xfrm>
           <a:prstGeom prst="leftArrow">
             <a:avLst>
-              <a:gd fmla="val 60000" name="adj1"/>
-              <a:gd fmla="val 50000" name="adj2"/>
+              <a:gd name="adj1" fmla="val 60000"/>
+              <a:gd name="adj2" fmla="val 50000"/>
             </a:avLst>
           </a:prstGeom>
           <a:solidFill>
-            <a:srgbClr val="fac8b0"/>
+            <a:srgbClr val="FAC8B0"/>
           </a:solidFill>
           <a:ln>
             <a:noFill/>
@@ -10225,21 +11605,22 @@
           </a:xfrm>
           <a:prstGeom prst="roundRect">
             <a:avLst>
-              <a:gd fmla="val 10000" name="adj"/>
+              <a:gd name="adj" fmla="val 10000"/>
             </a:avLst>
           </a:prstGeom>
           <a:solidFill>
-            <a:srgbClr val="f79646"/>
+            <a:srgbClr val="F79646"/>
           </a:solidFill>
           <a:ln w="25560">
             <a:solidFill>
-              <a:srgbClr val="ffffff"/>
+              <a:srgbClr val="FFFFFF"/>
             </a:solidFill>
             <a:round/>
           </a:ln>
         </p:spPr>
         <p:txBody>
-          <a:bodyPr anchor="ctr" bIns="24840" lIns="49680" rIns="24840" tIns="49680"/>
+          <a:bodyPr lIns="49680" tIns="49680" rIns="24840" bIns="24840" anchor="ctr"/>
+          <a:lstStyle/>
           <a:p>
             <a:pPr algn="ctr">
               <a:lnSpc>
@@ -10251,7 +11632,7 @@
             <a:r>
               <a:rPr lang="en-US" sz="1300">
                 <a:solidFill>
-                  <a:srgbClr val="ffffff"/>
+                  <a:srgbClr val="FFFFFF"/>
                 </a:solidFill>
                 <a:latin typeface="Calibri"/>
                 <a:ea typeface="Arial"/>
@@ -10275,12 +11656,12 @@
           </a:xfrm>
           <a:prstGeom prst="leftArrow">
             <a:avLst>
-              <a:gd fmla="val 60000" name="adj1"/>
-              <a:gd fmla="val 50000" name="adj2"/>
+              <a:gd name="adj1" fmla="val 60000"/>
+              <a:gd name="adj2" fmla="val 50000"/>
             </a:avLst>
           </a:prstGeom>
           <a:solidFill>
-            <a:srgbClr val="fac8b0"/>
+            <a:srgbClr val="FAC8B0"/>
           </a:solidFill>
           <a:ln>
             <a:noFill/>
@@ -10300,21 +11681,22 @@
           </a:xfrm>
           <a:prstGeom prst="roundRect">
             <a:avLst>
-              <a:gd fmla="val 10000" name="adj"/>
+              <a:gd name="adj" fmla="val 10000"/>
             </a:avLst>
           </a:prstGeom>
           <a:solidFill>
-            <a:srgbClr val="f79646"/>
+            <a:srgbClr val="F79646"/>
           </a:solidFill>
           <a:ln w="25560">
             <a:solidFill>
-              <a:srgbClr val="ffffff"/>
+              <a:srgbClr val="FFFFFF"/>
             </a:solidFill>
             <a:round/>
           </a:ln>
         </p:spPr>
         <p:txBody>
-          <a:bodyPr anchor="ctr" bIns="24840" lIns="49680" rIns="24840" tIns="49680"/>
+          <a:bodyPr lIns="49680" tIns="49680" rIns="24840" bIns="24840" anchor="ctr"/>
+          <a:lstStyle/>
           <a:p>
             <a:pPr algn="ctr">
               <a:lnSpc>
@@ -10326,7 +11708,7 @@
             <a:r>
               <a:rPr lang="en-US" sz="1300">
                 <a:solidFill>
-                  <a:srgbClr val="ffffff"/>
+                  <a:srgbClr val="FFFFFF"/>
                 </a:solidFill>
                 <a:latin typeface="Calibri"/>
                 <a:ea typeface="Arial"/>
@@ -10350,12 +11732,12 @@
           </a:xfrm>
           <a:prstGeom prst="leftArrow">
             <a:avLst>
-              <a:gd fmla="val 60000" name="adj1"/>
-              <a:gd fmla="val 50000" name="adj2"/>
+              <a:gd name="adj1" fmla="val 60000"/>
+              <a:gd name="adj2" fmla="val 50000"/>
             </a:avLst>
           </a:prstGeom>
           <a:solidFill>
-            <a:srgbClr val="fac8b0"/>
+            <a:srgbClr val="FAC8B0"/>
           </a:solidFill>
           <a:ln>
             <a:noFill/>
@@ -10375,21 +11757,22 @@
           </a:xfrm>
           <a:prstGeom prst="roundRect">
             <a:avLst>
-              <a:gd fmla="val 10000" name="adj"/>
+              <a:gd name="adj" fmla="val 10000"/>
             </a:avLst>
           </a:prstGeom>
           <a:solidFill>
-            <a:srgbClr val="f79646"/>
+            <a:srgbClr val="F79646"/>
           </a:solidFill>
           <a:ln w="25560">
             <a:solidFill>
-              <a:srgbClr val="ffffff"/>
+              <a:srgbClr val="FFFFFF"/>
             </a:solidFill>
             <a:round/>
           </a:ln>
         </p:spPr>
         <p:txBody>
-          <a:bodyPr anchor="ctr" bIns="24840" lIns="49680" rIns="24840" tIns="49680"/>
+          <a:bodyPr lIns="49680" tIns="49680" rIns="24840" bIns="24840" anchor="ctr"/>
+          <a:lstStyle/>
           <a:p>
             <a:pPr algn="ctr">
               <a:lnSpc>
@@ -10401,7 +11784,7 @@
             <a:r>
               <a:rPr lang="en-US" sz="1300">
                 <a:solidFill>
-                  <a:srgbClr val="ffffff"/>
+                  <a:srgbClr val="FFFFFF"/>
                 </a:solidFill>
                 <a:latin typeface="Calibri"/>
                 <a:ea typeface="Arial"/>
@@ -10429,6 +11812,7 @@
         </p:spPr>
         <p:txBody>
           <a:bodyPr anchor="ctr"/>
+          <a:lstStyle/>
           <a:p>
             <a:pPr algn="ctr">
               <a:lnSpc>
@@ -10461,16 +11845,16 @@
           </a:xfrm>
           <a:prstGeom prst="downArrow">
             <a:avLst>
-              <a:gd fmla="val 50000" name="adj1"/>
-              <a:gd fmla="val 52813" name="adj2"/>
+              <a:gd name="adj1" fmla="val 50000"/>
+              <a:gd name="adj2" fmla="val 52813"/>
             </a:avLst>
           </a:prstGeom>
           <a:solidFill>
-            <a:srgbClr val="ff6600"/>
+            <a:srgbClr val="FF6600"/>
           </a:solidFill>
           <a:ln w="25560">
             <a:solidFill>
-              <a:srgbClr val="ffffff"/>
+              <a:srgbClr val="FFFFFF"/>
             </a:solidFill>
             <a:round/>
           </a:ln>
@@ -10478,12 +11862,12 @@
       </p:sp>
       <p:pic>
         <p:nvPicPr>
-          <p:cNvPr descr="" id="145" name="Picture 10"/>
+          <p:cNvPr id="145" name="Picture 10"/>
           <p:cNvPicPr/>
           <p:nvPr/>
         </p:nvPicPr>
         <p:blipFill>
-          <a:blip r:embed="rId1"/>
+          <a:blip r:embed="rId3"/>
           <a:stretch>
             <a:fillRect/>
           </a:stretch>
@@ -10503,11 +11887,14 @@
       </p:pic>
     </p:spTree>
   </p:cSld>
+  <p:clrMapOvr>
+    <a:masterClrMapping/>
+  </p:clrMapOvr>
 </p:sld>
 </file>
 
 <file path=ppt/slides/slide5.xml><?xml version="1.0" encoding="utf-8"?>
-<p:sld xmlns:a="http://schemas.openxmlformats.org/drawingml/2006/main" xmlns:p="http://schemas.openxmlformats.org/presentationml/2006/main" xmlns:r="http://schemas.openxmlformats.org/officeDocument/2006/relationships">
+<p:sld xmlns:a="http://schemas.openxmlformats.org/drawingml/2006/main" xmlns:r="http://schemas.openxmlformats.org/officeDocument/2006/relationships" xmlns:p="http://schemas.openxmlformats.org/presentationml/2006/main">
   <p:cSld>
     <p:spTree>
       <p:nvGrpSpPr>
@@ -10540,6 +11927,7 @@
         </p:spPr>
         <p:txBody>
           <a:bodyPr anchor="ctr"/>
+          <a:lstStyle/>
           <a:p>
             <a:pPr>
               <a:lnSpc>
@@ -10575,7 +11963,7 @@
           </a:prstGeom>
           <a:ln w="50760">
             <a:solidFill>
-              <a:srgbClr val="c6e539"/>
+              <a:srgbClr val="C6E539"/>
             </a:solidFill>
             <a:round/>
           </a:ln>
@@ -10597,7 +11985,7 @@
           </a:prstGeom>
           <a:ln w="50760">
             <a:solidFill>
-              <a:srgbClr val="c6e539"/>
+              <a:srgbClr val="C6E539"/>
             </a:solidFill>
             <a:round/>
           </a:ln>
@@ -10618,7 +12006,7 @@
             <a:avLst/>
           </a:prstGeom>
           <a:solidFill>
-            <a:srgbClr val="e46c0a"/>
+            <a:srgbClr val="E46C0A"/>
           </a:solidFill>
           <a:ln w="9360">
             <a:noFill/>
@@ -10640,7 +12028,7 @@
             <a:avLst/>
           </a:prstGeom>
           <a:solidFill>
-            <a:srgbClr val="fac090"/>
+            <a:srgbClr val="FAC090"/>
           </a:solidFill>
           <a:ln w="9360">
             <a:noFill/>
@@ -10662,7 +12050,7 @@
             <a:avLst/>
           </a:prstGeom>
           <a:solidFill>
-            <a:srgbClr val="fcd5b5"/>
+            <a:srgbClr val="FCD5B5"/>
           </a:solidFill>
           <a:ln w="9360">
             <a:noFill/>
@@ -10684,7 +12072,7 @@
             <a:avLst/>
           </a:prstGeom>
           <a:solidFill>
-            <a:srgbClr val="fdeada"/>
+            <a:srgbClr val="FDEADA"/>
           </a:solidFill>
           <a:ln w="9360">
             <a:noFill/>
@@ -10711,7 +12099,8 @@
           </a:ln>
         </p:spPr>
         <p:txBody>
-          <a:bodyPr bIns="45000" lIns="90000" rIns="90000" tIns="45000"/>
+          <a:bodyPr lIns="90000" tIns="45000" rIns="90000" bIns="45000"/>
+          <a:lstStyle/>
           <a:p>
             <a:pPr algn="ctr">
               <a:lnSpc>
@@ -10719,9 +12108,9 @@
               </a:lnSpc>
             </a:pPr>
             <a:r>
-              <a:rPr b="1" lang="en-US" sz="4800">
+              <a:rPr lang="en-US" sz="4800" b="1">
                 <a:solidFill>
-                  <a:srgbClr val="ffffff"/>
+                  <a:srgbClr val="FFFFFF"/>
                 </a:solidFill>
                 <a:latin typeface="Calibri"/>
                 <a:ea typeface="Arial"/>
@@ -10752,7 +12141,8 @@
           </a:ln>
         </p:spPr>
         <p:txBody>
-          <a:bodyPr bIns="45000" lIns="90000" rIns="90000" tIns="45000" wrap="none"/>
+          <a:bodyPr wrap="none" lIns="90000" tIns="45000" rIns="90000" bIns="45000"/>
+          <a:lstStyle/>
           <a:p>
             <a:pPr algn="ctr">
               <a:lnSpc>
@@ -10760,9 +12150,9 @@
               </a:lnSpc>
             </a:pPr>
             <a:r>
-              <a:rPr b="1" lang="en-US" sz="3200">
+              <a:rPr lang="en-US" sz="3200" b="1">
                 <a:solidFill>
-                  <a:srgbClr val="ffffff"/>
+                  <a:srgbClr val="FFFFFF"/>
                 </a:solidFill>
                 <a:latin typeface="Calibri"/>
                 <a:ea typeface="Arial"/>
@@ -10793,7 +12183,8 @@
           </a:ln>
         </p:spPr>
         <p:txBody>
-          <a:bodyPr bIns="45000" lIns="90000" rIns="90000" tIns="45000" wrap="none"/>
+          <a:bodyPr wrap="none" lIns="90000" tIns="45000" rIns="90000" bIns="45000"/>
+          <a:lstStyle/>
           <a:p>
             <a:pPr algn="ctr">
               <a:lnSpc>
@@ -10801,9 +12192,9 @@
               </a:lnSpc>
             </a:pPr>
             <a:r>
-              <a:rPr b="1" lang="en-US" sz="2400">
+              <a:rPr lang="en-US" sz="2400" b="1">
                 <a:solidFill>
-                  <a:srgbClr val="ffffff"/>
+                  <a:srgbClr val="FFFFFF"/>
                 </a:solidFill>
                 <a:latin typeface="Calibri"/>
                 <a:ea typeface="Arial"/>
@@ -10834,7 +12225,8 @@
           </a:ln>
         </p:spPr>
         <p:txBody>
-          <a:bodyPr bIns="45000" lIns="90000" rIns="90000" tIns="45000" wrap="none"/>
+          <a:bodyPr wrap="none" lIns="90000" tIns="45000" rIns="90000" bIns="45000"/>
+          <a:lstStyle/>
           <a:p>
             <a:pPr algn="ctr">
               <a:lnSpc>
@@ -10842,9 +12234,9 @@
               </a:lnSpc>
             </a:pPr>
             <a:r>
-              <a:rPr b="1" lang="en-US">
+              <a:rPr lang="en-US" b="1">
                 <a:solidFill>
-                  <a:srgbClr val="ffffff"/>
+                  <a:srgbClr val="FFFFFF"/>
                 </a:solidFill>
                 <a:latin typeface="Calibri"/>
                 <a:ea typeface="Arial"/>
@@ -10897,7 +12289,8 @@
           </a:ln>
         </p:spPr>
         <p:txBody>
-          <a:bodyPr bIns="45000" lIns="90000" rIns="90000" tIns="45000"/>
+          <a:bodyPr lIns="90000" tIns="45000" rIns="90000" bIns="45000"/>
+          <a:lstStyle/>
           <a:p>
             <a:pPr>
               <a:lnSpc>
@@ -10931,17 +12324,17 @@
           </a:xfrm>
           <a:prstGeom prst="rightArrow">
             <a:avLst>
-              <a:gd fmla="val 50000" name="adj1"/>
-              <a:gd fmla="val 50000" name="adj2"/>
+              <a:gd name="adj1" fmla="val 50000"/>
+              <a:gd name="adj2" fmla="val 50000"/>
             </a:avLst>
           </a:prstGeom>
           <a:gradFill>
             <a:gsLst>
               <a:gs pos="0">
-                <a:srgbClr val="d03f3b"/>
+                <a:srgbClr val="D03F3B"/>
               </a:gs>
               <a:gs pos="100000">
-                <a:srgbClr val="ffa7a4"/>
+                <a:srgbClr val="FFA7A4"/>
               </a:gs>
             </a:gsLst>
             <a:lin ang="0"/>
@@ -10953,38 +12346,41 @@
       </p:sp>
     </p:spTree>
   </p:cSld>
+  <p:clrMapOvr>
+    <a:masterClrMapping/>
+  </p:clrMapOvr>
   <p:transition spd="slow">
-    <p:fade thruBlk="true"/>
+    <p:fade thruBlk="1"/>
   </p:transition>
   <p:timing>
     <p:tnLst>
       <p:par>
-        <p:cTn dur="indefinite" id="1" nodeType="tmRoot" restart="never">
+        <p:cTn id="1" dur="indefinite" restart="never" nodeType="tmRoot">
           <p:childTnLst>
             <p:seq>
-              <p:cTn dur="indefinite" id="2" nodeType="mainSeq">
+              <p:cTn id="2" dur="indefinite" nodeType="mainSeq">
                 <p:childTnLst>
                   <p:par>
-                    <p:cTn fill="hold" id="3">
+                    <p:cTn id="3" fill="hold">
                       <p:stCondLst>
                         <p:cond delay="indefinite"/>
                       </p:stCondLst>
                       <p:childTnLst>
                         <p:par>
-                          <p:cTn fill="hold" id="4">
+                          <p:cTn id="4" fill="hold">
                             <p:stCondLst>
                               <p:cond delay="0"/>
                             </p:stCondLst>
                             <p:childTnLst>
                               <p:par>
-                                <p:cTn fill="hold" id="5" nodeType="clickEffect" presetClass="entr" presetID="9">
+                                <p:cTn id="5" presetID="9" presetClass="entr" fill="hold" nodeType="clickEffect">
                                   <p:stCondLst>
                                     <p:cond delay="0"/>
                                   </p:stCondLst>
                                   <p:childTnLst>
                                     <p:set>
                                       <p:cBhvr>
-                                        <p:cTn dur="1" fill="hold" id="6">
+                                        <p:cTn id="6" dur="1" fill="hold">
                                           <p:stCondLst>
                                             <p:cond delay="0"/>
                                           </p:stCondLst>
@@ -11000,9 +12396,9 @@
                                         <p:strVal val="visible"/>
                                       </p:to>
                                     </p:set>
-                                    <p:animEffect filter="dissolve" transition="in">
+                                    <p:animEffect transition="in" filter="dissolve">
                                       <p:cBhvr additive="repl">
-                                        <p:cTn dur="500" id="7"/>
+                                        <p:cTn id="7" dur="500"/>
                                         <p:tgtEl>
                                           <p:spTgt spid="149"/>
                                         </p:tgtEl>
@@ -11018,26 +12414,26 @@
                     </p:cTn>
                   </p:par>
                   <p:par>
-                    <p:cTn fill="hold" id="8">
+                    <p:cTn id="8" fill="hold">
                       <p:stCondLst>
                         <p:cond delay="indefinite"/>
                       </p:stCondLst>
                       <p:childTnLst>
                         <p:par>
-                          <p:cTn fill="hold" id="9">
+                          <p:cTn id="9" fill="hold">
                             <p:stCondLst>
                               <p:cond delay="0"/>
                             </p:stCondLst>
                             <p:childTnLst>
                               <p:par>
-                                <p:cTn fill="hold" id="10" nodeType="clickEffect" presetClass="entr" presetID="9">
+                                <p:cTn id="10" presetID="9" presetClass="entr" fill="hold" nodeType="clickEffect">
                                   <p:stCondLst>
                                     <p:cond delay="0"/>
                                   </p:stCondLst>
                                   <p:childTnLst>
                                     <p:set>
                                       <p:cBhvr>
-                                        <p:cTn dur="1" fill="hold" id="11">
+                                        <p:cTn id="11" dur="1" fill="hold">
                                           <p:stCondLst>
                                             <p:cond delay="0"/>
                                           </p:stCondLst>
@@ -11053,9 +12449,9 @@
                                         <p:strVal val="visible"/>
                                       </p:to>
                                     </p:set>
-                                    <p:animEffect filter="dissolve" transition="in">
+                                    <p:animEffect transition="in" filter="dissolve">
                                       <p:cBhvr additive="repl">
-                                        <p:cTn dur="500" id="12"/>
+                                        <p:cTn id="12" dur="500"/>
                                         <p:tgtEl>
                                           <p:spTgt spid="150"/>
                                         </p:tgtEl>
@@ -11071,26 +12467,26 @@
                     </p:cTn>
                   </p:par>
                   <p:par>
-                    <p:cTn fill="hold" id="13">
+                    <p:cTn id="13" fill="hold">
                       <p:stCondLst>
                         <p:cond delay="indefinite"/>
                       </p:stCondLst>
                       <p:childTnLst>
                         <p:par>
-                          <p:cTn fill="hold" id="14">
+                          <p:cTn id="14" fill="hold">
                             <p:stCondLst>
                               <p:cond delay="0"/>
                             </p:stCondLst>
                             <p:childTnLst>
                               <p:par>
-                                <p:cTn fill="hold" id="15" nodeType="clickEffect" presetClass="entr" presetID="9">
+                                <p:cTn id="15" presetID="9" presetClass="entr" fill="hold" nodeType="clickEffect">
                                   <p:stCondLst>
                                     <p:cond delay="0"/>
                                   </p:stCondLst>
                                   <p:childTnLst>
                                     <p:set>
                                       <p:cBhvr>
-                                        <p:cTn dur="1" fill="hold" id="16">
+                                        <p:cTn id="16" dur="1" fill="hold">
                                           <p:stCondLst>
                                             <p:cond delay="0"/>
                                           </p:stCondLst>
@@ -11106,9 +12502,9 @@
                                         <p:strVal val="visible"/>
                                       </p:to>
                                     </p:set>
-                                    <p:animEffect filter="dissolve" transition="in">
+                                    <p:animEffect transition="in" filter="dissolve">
                                       <p:cBhvr additive="repl">
-                                        <p:cTn dur="500" id="17"/>
+                                        <p:cTn id="17" dur="500"/>
                                         <p:tgtEl>
                                           <p:spTgt spid="151"/>
                                         </p:tgtEl>
@@ -11124,26 +12520,26 @@
                     </p:cTn>
                   </p:par>
                   <p:par>
-                    <p:cTn fill="hold" id="18">
+                    <p:cTn id="18" fill="hold">
                       <p:stCondLst>
                         <p:cond delay="indefinite"/>
                       </p:stCondLst>
                       <p:childTnLst>
                         <p:par>
-                          <p:cTn fill="hold" id="19">
+                          <p:cTn id="19" fill="hold">
                             <p:stCondLst>
                               <p:cond delay="0"/>
                             </p:stCondLst>
                             <p:childTnLst>
                               <p:par>
-                                <p:cTn fill="hold" id="20" nodeType="clickEffect" presetClass="entr" presetID="9">
+                                <p:cTn id="20" presetID="9" presetClass="entr" fill="hold" nodeType="clickEffect">
                                   <p:stCondLst>
                                     <p:cond delay="0"/>
                                   </p:stCondLst>
                                   <p:childTnLst>
                                     <p:set>
                                       <p:cBhvr>
-                                        <p:cTn dur="1" fill="hold" id="21">
+                                        <p:cTn id="21" dur="1" fill="hold">
                                           <p:stCondLst>
                                             <p:cond delay="0"/>
                                           </p:stCondLst>
@@ -11159,9 +12555,9 @@
                                         <p:strVal val="visible"/>
                                       </p:to>
                                     </p:set>
-                                    <p:animEffect filter="dissolve" transition="in">
+                                    <p:animEffect transition="in" filter="dissolve">
                                       <p:cBhvr additive="repl">
-                                        <p:cTn dur="500" id="22"/>
+                                        <p:cTn id="22" dur="500"/>
                                         <p:tgtEl>
                                           <p:spTgt spid="152"/>
                                         </p:tgtEl>
@@ -11179,14 +12575,14 @@
                 </p:childTnLst>
               </p:cTn>
               <p:prevCondLst>
-                <p:cond delay="0" evt="onPrev">
+                <p:cond evt="onPrev" delay="0">
                   <p:tgtEl>
                     <p:sldTgt/>
                   </p:tgtEl>
                 </p:cond>
               </p:prevCondLst>
               <p:nextCondLst>
-                <p:cond delay="0" evt="onNext">
+                <p:cond evt="onNext" delay="0">
                   <p:tgtEl>
                     <p:sldTgt/>
                   </p:tgtEl>
@@ -11202,7 +12598,7 @@
 </file>
 
 <file path=ppt/slides/slide6.xml><?xml version="1.0" encoding="utf-8"?>
-<p:sld xmlns:a="http://schemas.openxmlformats.org/drawingml/2006/main" xmlns:p="http://schemas.openxmlformats.org/presentationml/2006/main" xmlns:r="http://schemas.openxmlformats.org/officeDocument/2006/relationships">
+<p:sld xmlns:a="http://schemas.openxmlformats.org/drawingml/2006/main" xmlns:r="http://schemas.openxmlformats.org/officeDocument/2006/relationships" xmlns:p="http://schemas.openxmlformats.org/presentationml/2006/main">
   <p:cSld>
     <p:spTree>
       <p:nvGrpSpPr>
@@ -11235,6 +12631,7 @@
         </p:spPr>
         <p:txBody>
           <a:bodyPr anchor="ctr"/>
+          <a:lstStyle/>
           <a:p>
             <a:pPr algn="ctr">
               <a:lnSpc>
@@ -11311,11 +12708,11 @@
           </a:xfrm>
           <a:prstGeom prst="roundRect">
             <a:avLst>
-              <a:gd fmla="val 16667" name="adj"/>
+              <a:gd name="adj" fmla="val 16667"/>
             </a:avLst>
           </a:prstGeom>
           <a:solidFill>
-            <a:srgbClr val="ccffcc"/>
+            <a:srgbClr val="CCFFCC"/>
           </a:solidFill>
           <a:ln w="25560">
             <a:solidFill>
@@ -11326,6 +12723,7 @@
         </p:spPr>
         <p:txBody>
           <a:bodyPr/>
+          <a:lstStyle/>
           <a:p>
             <a:pPr algn="ctr">
               <a:lnSpc>
@@ -11361,7 +12759,7 @@
             <a:avLst/>
           </a:prstGeom>
           <a:solidFill>
-            <a:srgbClr val="ffff00"/>
+            <a:srgbClr val="FFFF00"/>
           </a:solidFill>
           <a:ln w="25560">
             <a:solidFill>
@@ -11372,6 +12770,7 @@
         </p:spPr>
         <p:txBody>
           <a:bodyPr/>
+          <a:lstStyle/>
           <a:p>
             <a:pPr algn="ctr">
               <a:lnSpc>
@@ -11407,7 +12806,7 @@
             <a:avLst/>
           </a:prstGeom>
           <a:solidFill>
-            <a:srgbClr val="e6b9b8"/>
+            <a:srgbClr val="E6B9B8"/>
           </a:solidFill>
           <a:ln w="25560">
             <a:solidFill>
@@ -11418,6 +12817,7 @@
         </p:spPr>
         <p:txBody>
           <a:bodyPr/>
+          <a:lstStyle/>
           <a:p>
             <a:pPr algn="ctr">
               <a:lnSpc>
@@ -11451,11 +12851,11 @@
           </a:xfrm>
           <a:prstGeom prst="roundRect">
             <a:avLst>
-              <a:gd fmla="val 16667" name="adj"/>
+              <a:gd name="adj" fmla="val 16667"/>
             </a:avLst>
           </a:prstGeom>
           <a:solidFill>
-            <a:srgbClr val="ccffcc"/>
+            <a:srgbClr val="CCFFCC"/>
           </a:solidFill>
           <a:ln w="25560">
             <a:solidFill>
@@ -11466,6 +12866,7 @@
         </p:spPr>
         <p:txBody>
           <a:bodyPr/>
+          <a:lstStyle/>
           <a:p>
             <a:pPr algn="ctr">
               <a:lnSpc>
@@ -11499,11 +12900,11 @@
           </a:xfrm>
           <a:prstGeom prst="roundRect">
             <a:avLst>
-              <a:gd fmla="val 16667" name="adj"/>
+              <a:gd name="adj" fmla="val 16667"/>
             </a:avLst>
           </a:prstGeom>
           <a:solidFill>
-            <a:srgbClr val="ccffcc"/>
+            <a:srgbClr val="CCFFCC"/>
           </a:solidFill>
           <a:ln w="25560">
             <a:solidFill>
@@ -11514,6 +12915,7 @@
         </p:spPr>
         <p:txBody>
           <a:bodyPr/>
+          <a:lstStyle/>
           <a:p>
             <a:pPr algn="ctr">
               <a:lnSpc>
@@ -11549,7 +12951,7 @@
             <a:avLst/>
           </a:prstGeom>
           <a:solidFill>
-            <a:srgbClr val="ffff00"/>
+            <a:srgbClr val="FFFF00"/>
           </a:solidFill>
           <a:ln w="25560">
             <a:solidFill>
@@ -11560,6 +12962,7 @@
         </p:spPr>
         <p:txBody>
           <a:bodyPr/>
+          <a:lstStyle/>
           <a:p>
             <a:pPr algn="ctr">
               <a:lnSpc>
@@ -11595,7 +12998,7 @@
             <a:avLst/>
           </a:prstGeom>
           <a:solidFill>
-            <a:srgbClr val="ffff00"/>
+            <a:srgbClr val="FFFF00"/>
           </a:solidFill>
           <a:ln w="25560">
             <a:solidFill>
@@ -11606,6 +13009,7 @@
         </p:spPr>
         <p:txBody>
           <a:bodyPr/>
+          <a:lstStyle/>
           <a:p>
             <a:pPr algn="ctr">
               <a:lnSpc>
@@ -11641,7 +13045,7 @@
             <a:avLst/>
           </a:prstGeom>
           <a:solidFill>
-            <a:srgbClr val="ffff00"/>
+            <a:srgbClr val="FFFF00"/>
           </a:solidFill>
           <a:ln w="25560">
             <a:solidFill>
@@ -11652,6 +13056,7 @@
         </p:spPr>
         <p:txBody>
           <a:bodyPr/>
+          <a:lstStyle/>
           <a:p>
             <a:pPr algn="ctr">
               <a:lnSpc>
@@ -11687,7 +13092,7 @@
             <a:avLst/>
           </a:prstGeom>
           <a:solidFill>
-            <a:srgbClr val="e6b9b8"/>
+            <a:srgbClr val="E6B9B8"/>
           </a:solidFill>
           <a:ln w="25560">
             <a:solidFill>
@@ -11698,6 +13103,7 @@
         </p:spPr>
         <p:txBody>
           <a:bodyPr/>
+          <a:lstStyle/>
           <a:p>
             <a:pPr algn="ctr">
               <a:lnSpc>
@@ -11733,7 +13139,7 @@
             <a:avLst/>
           </a:prstGeom>
           <a:solidFill>
-            <a:srgbClr val="e6b9b8"/>
+            <a:srgbClr val="E6B9B8"/>
           </a:solidFill>
           <a:ln w="25560">
             <a:solidFill>
@@ -11744,6 +13150,7 @@
         </p:spPr>
         <p:txBody>
           <a:bodyPr/>
+          <a:lstStyle/>
           <a:p>
             <a:pPr algn="ctr">
               <a:lnSpc>
@@ -11779,7 +13186,7 @@
             <a:avLst/>
           </a:prstGeom>
           <a:solidFill>
-            <a:srgbClr val="e6b9b8"/>
+            <a:srgbClr val="E6B9B8"/>
           </a:solidFill>
           <a:ln w="25560">
             <a:solidFill>
@@ -11790,6 +13197,7 @@
         </p:spPr>
         <p:txBody>
           <a:bodyPr/>
+          <a:lstStyle/>
           <a:p>
             <a:pPr algn="ctr">
               <a:lnSpc>
@@ -11825,7 +13233,7 @@
             <a:avLst/>
           </a:prstGeom>
           <a:solidFill>
-            <a:srgbClr val="e6b9b8"/>
+            <a:srgbClr val="E6B9B8"/>
           </a:solidFill>
           <a:ln w="25560">
             <a:solidFill>
@@ -11836,6 +13244,7 @@
         </p:spPr>
         <p:txBody>
           <a:bodyPr/>
+          <a:lstStyle/>
           <a:p>
             <a:pPr algn="ctr">
               <a:lnSpc>
@@ -11871,7 +13280,7 @@
             <a:avLst/>
           </a:prstGeom>
           <a:solidFill>
-            <a:srgbClr val="e6b9b8"/>
+            <a:srgbClr val="E6B9B8"/>
           </a:solidFill>
           <a:ln w="25560">
             <a:solidFill>
@@ -11882,6 +13291,7 @@
         </p:spPr>
         <p:txBody>
           <a:bodyPr/>
+          <a:lstStyle/>
           <a:p>
             <a:pPr algn="ctr">
               <a:lnSpc>
@@ -11917,7 +13327,7 @@
             <a:avLst/>
           </a:prstGeom>
           <a:solidFill>
-            <a:srgbClr val="e6b9b8"/>
+            <a:srgbClr val="E6B9B8"/>
           </a:solidFill>
           <a:ln w="25560">
             <a:solidFill>
@@ -11928,6 +13338,7 @@
         </p:spPr>
         <p:txBody>
           <a:bodyPr/>
+          <a:lstStyle/>
           <a:p>
             <a:pPr algn="ctr">
               <a:lnSpc>
@@ -11963,7 +13374,7 @@
             <a:avLst/>
           </a:prstGeom>
           <a:solidFill>
-            <a:srgbClr val="e6b9b8"/>
+            <a:srgbClr val="E6B9B8"/>
           </a:solidFill>
           <a:ln w="25560">
             <a:solidFill>
@@ -11974,6 +13385,7 @@
         </p:spPr>
         <p:txBody>
           <a:bodyPr/>
+          <a:lstStyle/>
           <a:p>
             <a:pPr algn="ctr">
               <a:lnSpc>
@@ -12009,7 +13421,7 @@
             <a:avLst/>
           </a:prstGeom>
           <a:solidFill>
-            <a:srgbClr val="e6b9b8"/>
+            <a:srgbClr val="E6B9B8"/>
           </a:solidFill>
           <a:ln w="25560">
             <a:solidFill>
@@ -12020,6 +13432,7 @@
         </p:spPr>
         <p:txBody>
           <a:bodyPr/>
+          <a:lstStyle/>
           <a:p>
             <a:pPr algn="ctr">
               <a:lnSpc>
@@ -12055,7 +13468,7 @@
             <a:avLst/>
           </a:prstGeom>
           <a:solidFill>
-            <a:srgbClr val="e6b9b8"/>
+            <a:srgbClr val="E6B9B8"/>
           </a:solidFill>
           <a:ln w="25560">
             <a:solidFill>
@@ -12066,6 +13479,7 @@
         </p:spPr>
         <p:txBody>
           <a:bodyPr/>
+          <a:lstStyle/>
           <a:p>
             <a:pPr algn="ctr">
               <a:lnSpc>
@@ -12101,7 +13515,7 @@
             <a:avLst/>
           </a:prstGeom>
           <a:solidFill>
-            <a:srgbClr val="e6b9b8"/>
+            <a:srgbClr val="E6B9B8"/>
           </a:solidFill>
           <a:ln w="25560">
             <a:solidFill>
@@ -12112,6 +13526,7 @@
         </p:spPr>
         <p:txBody>
           <a:bodyPr/>
+          <a:lstStyle/>
           <a:p>
             <a:pPr algn="ctr">
               <a:lnSpc>
@@ -12147,7 +13562,7 @@
             <a:avLst/>
           </a:prstGeom>
           <a:solidFill>
-            <a:srgbClr val="e6b9b8"/>
+            <a:srgbClr val="E6B9B8"/>
           </a:solidFill>
           <a:ln w="25560">
             <a:solidFill>
@@ -12158,6 +13573,7 @@
         </p:spPr>
         <p:txBody>
           <a:bodyPr/>
+          <a:lstStyle/>
           <a:p>
             <a:pPr algn="ctr">
               <a:lnSpc>
@@ -12193,7 +13609,7 @@
             <a:avLst/>
           </a:prstGeom>
           <a:solidFill>
-            <a:srgbClr val="e6b9b8"/>
+            <a:srgbClr val="E6B9B8"/>
           </a:solidFill>
           <a:ln w="25560">
             <a:solidFill>
@@ -12204,6 +13620,7 @@
         </p:spPr>
         <p:txBody>
           <a:bodyPr/>
+          <a:lstStyle/>
           <a:p>
             <a:pPr algn="ctr">
               <a:lnSpc>
@@ -12239,7 +13656,7 @@
             <a:avLst/>
           </a:prstGeom>
           <a:solidFill>
-            <a:srgbClr val="e6b9b8"/>
+            <a:srgbClr val="E6B9B8"/>
           </a:solidFill>
           <a:ln w="25560">
             <a:solidFill>
@@ -12250,6 +13667,7 @@
         </p:spPr>
         <p:txBody>
           <a:bodyPr/>
+          <a:lstStyle/>
           <a:p>
             <a:pPr algn="ctr">
               <a:lnSpc>
@@ -12315,7 +13733,8 @@
           </a:ln>
         </p:spPr>
         <p:txBody>
-          <a:bodyPr bIns="45000" lIns="90000" rIns="90000" tIns="45000"/>
+          <a:bodyPr lIns="90000" tIns="45000" rIns="90000" bIns="45000"/>
+          <a:lstStyle/>
           <a:p>
             <a:pPr>
               <a:lnSpc>
@@ -12325,7 +13744,7 @@
               <a:buChar char=""/>
             </a:pPr>
             <a:r>
-              <a:rPr b="1" lang="en-US" sz="1200">
+              <a:rPr lang="en-US" sz="1200" b="1">
                 <a:solidFill>
                   <a:srgbClr val="292929"/>
                 </a:solidFill>
@@ -12358,7 +13777,8 @@
           </a:ln>
         </p:spPr>
         <p:txBody>
-          <a:bodyPr bIns="45000" lIns="90000" rIns="90000" tIns="45000"/>
+          <a:bodyPr lIns="90000" tIns="45000" rIns="90000" bIns="45000"/>
+          <a:lstStyle/>
           <a:p>
             <a:pPr>
               <a:lnSpc>
@@ -12368,7 +13788,7 @@
               <a:buChar char=""/>
             </a:pPr>
             <a:r>
-              <a:rPr b="1" lang="en-US" sz="1200">
+              <a:rPr lang="en-US" sz="1200" b="1">
                 <a:solidFill>
                   <a:srgbClr val="292929"/>
                 </a:solidFill>
@@ -12401,7 +13821,8 @@
           </a:ln>
         </p:spPr>
         <p:txBody>
-          <a:bodyPr bIns="45000" lIns="90000" rIns="90000" tIns="45000"/>
+          <a:bodyPr lIns="90000" tIns="45000" rIns="90000" bIns="45000"/>
+          <a:lstStyle/>
           <a:p>
             <a:pPr>
               <a:lnSpc>
@@ -12411,7 +13832,7 @@
               <a:buChar char=""/>
             </a:pPr>
             <a:r>
-              <a:rPr b="1" lang="en-US" sz="1200">
+              <a:rPr lang="en-US" sz="1200" b="1">
                 <a:solidFill>
                   <a:srgbClr val="292929"/>
                 </a:solidFill>
@@ -12426,14 +13847,17 @@
       </p:sp>
     </p:spTree>
   </p:cSld>
+  <p:clrMapOvr>
+    <a:masterClrMapping/>
+  </p:clrMapOvr>
   <p:transition spd="slow">
-    <p:fade thruBlk="true"/>
+    <p:fade thruBlk="1"/>
   </p:transition>
 </p:sld>
 </file>
 
 <file path=ppt/slides/slide7.xml><?xml version="1.0" encoding="utf-8"?>
-<p:sld xmlns:a="http://schemas.openxmlformats.org/drawingml/2006/main" xmlns:p="http://schemas.openxmlformats.org/presentationml/2006/main" xmlns:r="http://schemas.openxmlformats.org/officeDocument/2006/relationships">
+<p:sld xmlns:a="http://schemas.openxmlformats.org/drawingml/2006/main" xmlns:r="http://schemas.openxmlformats.org/officeDocument/2006/relationships" xmlns:p="http://schemas.openxmlformats.org/presentationml/2006/main">
   <p:cSld>
     <p:spTree>
       <p:nvGrpSpPr>
@@ -12466,6 +13890,7 @@
         </p:spPr>
         <p:txBody>
           <a:bodyPr anchor="ctr"/>
+          <a:lstStyle/>
           <a:p>
             <a:pPr>
               <a:lnSpc>
@@ -12502,6 +13927,7 @@
         </p:spPr>
         <p:txBody>
           <a:bodyPr/>
+          <a:lstStyle/>
           <a:p>
             <a:pPr>
               <a:lnSpc>
@@ -12579,14 +14005,17 @@
       </p:sp>
     </p:spTree>
   </p:cSld>
+  <p:clrMapOvr>
+    <a:masterClrMapping/>
+  </p:clrMapOvr>
   <p:transition spd="slow">
-    <p:fade thruBlk="true"/>
+    <p:fade thruBlk="1"/>
   </p:transition>
 </p:sld>
 </file>
 
 <file path=ppt/slides/slide8.xml><?xml version="1.0" encoding="utf-8"?>
-<p:sld xmlns:a="http://schemas.openxmlformats.org/drawingml/2006/main" xmlns:p="http://schemas.openxmlformats.org/presentationml/2006/main" xmlns:r="http://schemas.openxmlformats.org/officeDocument/2006/relationships">
+<p:sld xmlns:a="http://schemas.openxmlformats.org/drawingml/2006/main" xmlns:r="http://schemas.openxmlformats.org/officeDocument/2006/relationships" xmlns:p="http://schemas.openxmlformats.org/presentationml/2006/main">
   <p:cSld>
     <p:spTree>
       <p:nvGrpSpPr>
@@ -12619,6 +14048,7 @@
         </p:spPr>
         <p:txBody>
           <a:bodyPr anchor="ctr"/>
+          <a:lstStyle/>
           <a:p>
             <a:pPr>
               <a:lnSpc>
@@ -12654,7 +14084,8 @@
           </a:prstGeom>
         </p:spPr>
         <p:txBody>
-          <a:bodyPr bIns="26640" lIns="26640" rIns="26640" tIns="26640"/>
+          <a:bodyPr lIns="26640" tIns="26640" rIns="26640" bIns="26640"/>
+          <a:lstStyle/>
           <a:p>
             <a:pPr>
               <a:lnSpc>
@@ -12769,6 +14200,7 @@
         </p:spPr>
         <p:txBody>
           <a:bodyPr/>
+          <a:lstStyle/>
           <a:p>
             <a:pPr>
               <a:lnSpc>
@@ -12932,7 +14364,8 @@
           </a:ln>
         </p:spPr>
         <p:txBody>
-          <a:bodyPr bIns="45000" lIns="90000" rIns="90000" tIns="45000"/>
+          <a:bodyPr lIns="90000" tIns="45000" rIns="90000" bIns="45000"/>
+          <a:lstStyle/>
           <a:p>
             <a:pPr>
               <a:lnSpc>
@@ -12973,7 +14406,8 @@
           </a:ln>
         </p:spPr>
         <p:txBody>
-          <a:bodyPr bIns="45000" lIns="90000" rIns="90000" tIns="45000"/>
+          <a:bodyPr lIns="90000" tIns="45000" rIns="90000" bIns="45000"/>
+          <a:lstStyle/>
           <a:p>
             <a:pPr>
               <a:lnSpc>
@@ -12996,11 +14430,14 @@
       </p:sp>
     </p:spTree>
   </p:cSld>
+  <p:clrMapOvr>
+    <a:masterClrMapping/>
+  </p:clrMapOvr>
 </p:sld>
 </file>
 
 <file path=ppt/slides/slide9.xml><?xml version="1.0" encoding="utf-8"?>
-<p:sld xmlns:a="http://schemas.openxmlformats.org/drawingml/2006/main" xmlns:p="http://schemas.openxmlformats.org/presentationml/2006/main" xmlns:r="http://schemas.openxmlformats.org/officeDocument/2006/relationships">
+<p:sld xmlns:a="http://schemas.openxmlformats.org/drawingml/2006/main" xmlns:r="http://schemas.openxmlformats.org/officeDocument/2006/relationships" xmlns:p="http://schemas.openxmlformats.org/presentationml/2006/main">
   <p:cSld>
     <p:spTree>
       <p:nvGrpSpPr>
@@ -13033,6 +14470,7 @@
         </p:spPr>
         <p:txBody>
           <a:bodyPr anchor="ctr"/>
+          <a:lstStyle/>
           <a:p>
             <a:pPr>
               <a:lnSpc>
@@ -13069,6 +14507,7 @@
         </p:spPr>
         <p:txBody>
           <a:bodyPr/>
+          <a:lstStyle/>
           <a:p>
             <a:pPr>
               <a:lnSpc>
@@ -13181,8 +14620,11 @@
       </p:sp>
     </p:spTree>
   </p:cSld>
+  <p:clrMapOvr>
+    <a:masterClrMapping/>
+  </p:clrMapOvr>
   <p:transition spd="slow">
-    <p:fade thruBlk="true"/>
+    <p:fade thruBlk="1"/>
   </p:transition>
 </p:sld>
 </file>
@@ -13407,6 +14849,8 @@
       </a:bgFillStyleLst>
     </a:fmtScheme>
   </a:themeElements>
+  <a:objectDefaults/>
+  <a:extraClrSchemeLst/>
 </a:theme>
 </file>
 
@@ -13630,6 +15074,8 @@
       </a:bgFillStyleLst>
     </a:fmtScheme>
   </a:themeElements>
+  <a:objectDefaults/>
+  <a:extraClrSchemeLst/>
 </a:theme>
 </file>
 
@@ -13853,6 +15299,8 @@
       </a:bgFillStyleLst>
     </a:fmtScheme>
   </a:themeElements>
+  <a:objectDefaults/>
+  <a:extraClrSchemeLst/>
 </a:theme>
 </file>
 
@@ -14076,5 +15524,7 @@
       </a:bgFillStyleLst>
     </a:fmtScheme>
   </a:themeElements>
+  <a:objectDefaults/>
+  <a:extraClrSchemeLst/>
 </a:theme>
 </file>